--- a/PPT/GCM UI.pptx
+++ b/PPT/GCM UI.pptx
@@ -881,7 +881,11 @@
         <a:p>
           <a:r>
             <a:rPr lang="en-US" u="sng" dirty="0" smtClean="0"/>
-            <a:t>Technologies Used</a:t>
+            <a:t>Technologies Currently </a:t>
+          </a:r>
+          <a:r>
+            <a:rPr lang="en-US" u="sng" dirty="0" smtClean="0"/>
+            <a:t>Used</a:t>
           </a:r>
           <a:endParaRPr lang="en-US" u="sng" dirty="0"/>
         </a:p>
@@ -1054,6 +1058,10 @@
           <a:r>
             <a:rPr lang="en-US" dirty="0" err="1" smtClean="0"/>
             <a:t>AngularJS</a:t>
+          </a:r>
+          <a:r>
+            <a:rPr lang="en-US" dirty="0" smtClean="0"/>
+            <a:t>:</a:t>
           </a:r>
           <a:endParaRPr lang="en-US" dirty="0" smtClean="0"/>
         </a:p>
@@ -1377,7 +1385,11 @@
           </a:pPr>
           <a:r>
             <a:rPr lang="en-US" sz="2400" u="sng" kern="1200" dirty="0" smtClean="0"/>
-            <a:t>Technologies Used</a:t>
+            <a:t>Technologies Currently </a:t>
+          </a:r>
+          <a:r>
+            <a:rPr lang="en-US" sz="2400" u="sng" kern="1200" dirty="0" smtClean="0"/>
+            <a:t>Used</a:t>
           </a:r>
           <a:endParaRPr lang="en-US" sz="2400" u="sng" kern="1200" dirty="0"/>
         </a:p>
@@ -1800,6 +1812,10 @@
           <a:r>
             <a:rPr lang="en-US" sz="1900" kern="1200" dirty="0" err="1" smtClean="0"/>
             <a:t>AngularJS</a:t>
+          </a:r>
+          <a:r>
+            <a:rPr lang="en-US" sz="1900" kern="1200" dirty="0" smtClean="0"/>
+            <a:t>:</a:t>
           </a:r>
           <a:endParaRPr lang="en-US" sz="1900" kern="1200" dirty="0" smtClean="0"/>
         </a:p>
@@ -8476,7 +8492,7 @@
           <p:nvPr>
             <p:extLst>
               <p:ext uri="{D42A27DB-BD31-4B8C-83A1-F6EECF244321}">
-                <p14:modId xmlns:p14="http://schemas.microsoft.com/office/powerpoint/2010/main" val="3339758978"/>
+                <p14:modId xmlns:p14="http://schemas.microsoft.com/office/powerpoint/2010/main" val="4202402404"/>
               </p:ext>
             </p:extLst>
           </p:nvPr>

--- a/PPT/GCM UI.pptx
+++ b/PPT/GCM UI.pptx
@@ -5,11 +5,10 @@
     <p:sldMasterId id="2147483648" r:id="rId1"/>
   </p:sldMasterIdLst>
   <p:notesMasterIdLst>
-    <p:notesMasterId r:id="rId4"/>
+    <p:notesMasterId r:id="rId3"/>
   </p:notesMasterIdLst>
   <p:sldIdLst>
     <p:sldId id="256" r:id="rId2"/>
-    <p:sldId id="257" r:id="rId3"/>
   </p:sldIdLst>
   <p:sldSz cx="9144000" cy="6858000" type="screen4x3"/>
   <p:notesSz cx="6858000" cy="9144000"/>
@@ -109,3290 +108,6 @@
     </a:lvl9pPr>
   </p:defaultTextStyle>
 </p:presentation>
-</file>
-
-<file path=ppt/diagrams/colors1.xml><?xml version="1.0" encoding="utf-8"?>
-<dgm:colorsDef xmlns:dgm="http://schemas.openxmlformats.org/drawingml/2006/diagram" xmlns:a="http://schemas.openxmlformats.org/drawingml/2006/main" uniqueId="urn:microsoft.com/office/officeart/2005/8/colors/accent1_2">
-  <dgm:title val=""/>
-  <dgm:desc val=""/>
-  <dgm:catLst>
-    <dgm:cat type="accent1" pri="11200"/>
-  </dgm:catLst>
-  <dgm:styleLbl name="node0">
-    <dgm:fillClrLst meth="repeat">
-      <a:schemeClr val="accent1"/>
-    </dgm:fillClrLst>
-    <dgm:linClrLst meth="repeat">
-      <a:schemeClr val="lt1"/>
-    </dgm:linClrLst>
-    <dgm:effectClrLst/>
-    <dgm:txLinClrLst/>
-    <dgm:txFillClrLst/>
-    <dgm:txEffectClrLst/>
-  </dgm:styleLbl>
-  <dgm:styleLbl name="alignNode1">
-    <dgm:fillClrLst meth="repeat">
-      <a:schemeClr val="accent1"/>
-    </dgm:fillClrLst>
-    <dgm:linClrLst meth="repeat">
-      <a:schemeClr val="accent1"/>
-    </dgm:linClrLst>
-    <dgm:effectClrLst/>
-    <dgm:txLinClrLst/>
-    <dgm:txFillClrLst/>
-    <dgm:txEffectClrLst/>
-  </dgm:styleLbl>
-  <dgm:styleLbl name="node1">
-    <dgm:fillClrLst meth="repeat">
-      <a:schemeClr val="accent1"/>
-    </dgm:fillClrLst>
-    <dgm:linClrLst meth="repeat">
-      <a:schemeClr val="lt1"/>
-    </dgm:linClrLst>
-    <dgm:effectClrLst/>
-    <dgm:txLinClrLst/>
-    <dgm:txFillClrLst/>
-    <dgm:txEffectClrLst/>
-  </dgm:styleLbl>
-  <dgm:styleLbl name="lnNode1">
-    <dgm:fillClrLst meth="repeat">
-      <a:schemeClr val="accent1"/>
-    </dgm:fillClrLst>
-    <dgm:linClrLst meth="repeat">
-      <a:schemeClr val="lt1"/>
-    </dgm:linClrLst>
-    <dgm:effectClrLst/>
-    <dgm:txLinClrLst/>
-    <dgm:txFillClrLst/>
-    <dgm:txEffectClrLst/>
-  </dgm:styleLbl>
-  <dgm:styleLbl name="vennNode1">
-    <dgm:fillClrLst meth="repeat">
-      <a:schemeClr val="accent1">
-        <a:alpha val="50000"/>
-      </a:schemeClr>
-    </dgm:fillClrLst>
-    <dgm:linClrLst meth="repeat">
-      <a:schemeClr val="lt1"/>
-    </dgm:linClrLst>
-    <dgm:effectClrLst/>
-    <dgm:txLinClrLst/>
-    <dgm:txFillClrLst/>
-    <dgm:txEffectClrLst/>
-  </dgm:styleLbl>
-  <dgm:styleLbl name="node2">
-    <dgm:fillClrLst meth="repeat">
-      <a:schemeClr val="accent1"/>
-    </dgm:fillClrLst>
-    <dgm:linClrLst meth="repeat">
-      <a:schemeClr val="lt1"/>
-    </dgm:linClrLst>
-    <dgm:effectClrLst/>
-    <dgm:txLinClrLst/>
-    <dgm:txFillClrLst/>
-    <dgm:txEffectClrLst/>
-  </dgm:styleLbl>
-  <dgm:styleLbl name="node3">
-    <dgm:fillClrLst meth="repeat">
-      <a:schemeClr val="accent1"/>
-    </dgm:fillClrLst>
-    <dgm:linClrLst meth="repeat">
-      <a:schemeClr val="lt1"/>
-    </dgm:linClrLst>
-    <dgm:effectClrLst/>
-    <dgm:txLinClrLst/>
-    <dgm:txFillClrLst/>
-    <dgm:txEffectClrLst/>
-  </dgm:styleLbl>
-  <dgm:styleLbl name="node4">
-    <dgm:fillClrLst meth="repeat">
-      <a:schemeClr val="accent1"/>
-    </dgm:fillClrLst>
-    <dgm:linClrLst meth="repeat">
-      <a:schemeClr val="lt1"/>
-    </dgm:linClrLst>
-    <dgm:effectClrLst/>
-    <dgm:txLinClrLst/>
-    <dgm:txFillClrLst/>
-    <dgm:txEffectClrLst/>
-  </dgm:styleLbl>
-  <dgm:styleLbl name="fgImgPlace1">
-    <dgm:fillClrLst meth="repeat">
-      <a:schemeClr val="accent1">
-        <a:tint val="50000"/>
-      </a:schemeClr>
-    </dgm:fillClrLst>
-    <dgm:linClrLst meth="repeat">
-      <a:schemeClr val="lt1"/>
-    </dgm:linClrLst>
-    <dgm:effectClrLst/>
-    <dgm:txLinClrLst/>
-    <dgm:txFillClrLst meth="repeat">
-      <a:schemeClr val="lt1"/>
-    </dgm:txFillClrLst>
-    <dgm:txEffectClrLst/>
-  </dgm:styleLbl>
-  <dgm:styleLbl name="alignImgPlace1">
-    <dgm:fillClrLst meth="repeat">
-      <a:schemeClr val="accent1">
-        <a:tint val="50000"/>
-      </a:schemeClr>
-    </dgm:fillClrLst>
-    <dgm:linClrLst meth="repeat">
-      <a:schemeClr val="lt1"/>
-    </dgm:linClrLst>
-    <dgm:effectClrLst/>
-    <dgm:txLinClrLst/>
-    <dgm:txFillClrLst meth="repeat">
-      <a:schemeClr val="lt1"/>
-    </dgm:txFillClrLst>
-    <dgm:txEffectClrLst/>
-  </dgm:styleLbl>
-  <dgm:styleLbl name="bgImgPlace1">
-    <dgm:fillClrLst meth="repeat">
-      <a:schemeClr val="accent1">
-        <a:tint val="50000"/>
-      </a:schemeClr>
-    </dgm:fillClrLst>
-    <dgm:linClrLst meth="repeat">
-      <a:schemeClr val="lt1"/>
-    </dgm:linClrLst>
-    <dgm:effectClrLst/>
-    <dgm:txLinClrLst/>
-    <dgm:txFillClrLst meth="repeat">
-      <a:schemeClr val="lt1"/>
-    </dgm:txFillClrLst>
-    <dgm:txEffectClrLst/>
-  </dgm:styleLbl>
-  <dgm:styleLbl name="sibTrans2D1">
-    <dgm:fillClrLst meth="repeat">
-      <a:schemeClr val="accent1">
-        <a:tint val="60000"/>
-      </a:schemeClr>
-    </dgm:fillClrLst>
-    <dgm:linClrLst meth="repeat">
-      <a:schemeClr val="accent1">
-        <a:tint val="60000"/>
-      </a:schemeClr>
-    </dgm:linClrLst>
-    <dgm:effectClrLst/>
-    <dgm:txLinClrLst/>
-    <dgm:txFillClrLst/>
-    <dgm:txEffectClrLst/>
-  </dgm:styleLbl>
-  <dgm:styleLbl name="fgSibTrans2D1">
-    <dgm:fillClrLst meth="repeat">
-      <a:schemeClr val="accent1">
-        <a:tint val="60000"/>
-      </a:schemeClr>
-    </dgm:fillClrLst>
-    <dgm:linClrLst meth="repeat">
-      <a:schemeClr val="accent1">
-        <a:tint val="60000"/>
-      </a:schemeClr>
-    </dgm:linClrLst>
-    <dgm:effectClrLst/>
-    <dgm:txLinClrLst/>
-    <dgm:txFillClrLst/>
-    <dgm:txEffectClrLst/>
-  </dgm:styleLbl>
-  <dgm:styleLbl name="bgSibTrans2D1">
-    <dgm:fillClrLst meth="repeat">
-      <a:schemeClr val="accent1">
-        <a:tint val="60000"/>
-      </a:schemeClr>
-    </dgm:fillClrLst>
-    <dgm:linClrLst meth="repeat">
-      <a:schemeClr val="accent1">
-        <a:tint val="60000"/>
-      </a:schemeClr>
-    </dgm:linClrLst>
-    <dgm:effectClrLst/>
-    <dgm:txLinClrLst/>
-    <dgm:txFillClrLst/>
-    <dgm:txEffectClrLst/>
-  </dgm:styleLbl>
-  <dgm:styleLbl name="sibTrans1D1">
-    <dgm:fillClrLst meth="repeat">
-      <a:schemeClr val="accent1"/>
-    </dgm:fillClrLst>
-    <dgm:linClrLst meth="repeat">
-      <a:schemeClr val="accent1"/>
-    </dgm:linClrLst>
-    <dgm:effectClrLst/>
-    <dgm:txLinClrLst/>
-    <dgm:txFillClrLst meth="repeat">
-      <a:schemeClr val="tx1"/>
-    </dgm:txFillClrLst>
-    <dgm:txEffectClrLst/>
-  </dgm:styleLbl>
-  <dgm:styleLbl name="callout">
-    <dgm:fillClrLst meth="repeat">
-      <a:schemeClr val="accent1"/>
-    </dgm:fillClrLst>
-    <dgm:linClrLst meth="repeat">
-      <a:schemeClr val="accent1">
-        <a:tint val="50000"/>
-      </a:schemeClr>
-    </dgm:linClrLst>
-    <dgm:effectClrLst/>
-    <dgm:txLinClrLst/>
-    <dgm:txFillClrLst meth="repeat">
-      <a:schemeClr val="tx1"/>
-    </dgm:txFillClrLst>
-    <dgm:txEffectClrLst/>
-  </dgm:styleLbl>
-  <dgm:styleLbl name="asst0">
-    <dgm:fillClrLst meth="repeat">
-      <a:schemeClr val="accent1"/>
-    </dgm:fillClrLst>
-    <dgm:linClrLst meth="repeat">
-      <a:schemeClr val="lt1"/>
-    </dgm:linClrLst>
-    <dgm:effectClrLst/>
-    <dgm:txLinClrLst/>
-    <dgm:txFillClrLst/>
-    <dgm:txEffectClrLst/>
-  </dgm:styleLbl>
-  <dgm:styleLbl name="asst1">
-    <dgm:fillClrLst meth="repeat">
-      <a:schemeClr val="accent1"/>
-    </dgm:fillClrLst>
-    <dgm:linClrLst meth="repeat">
-      <a:schemeClr val="lt1"/>
-    </dgm:linClrLst>
-    <dgm:effectClrLst/>
-    <dgm:txLinClrLst/>
-    <dgm:txFillClrLst/>
-    <dgm:txEffectClrLst/>
-  </dgm:styleLbl>
-  <dgm:styleLbl name="asst2">
-    <dgm:fillClrLst meth="repeat">
-      <a:schemeClr val="accent1"/>
-    </dgm:fillClrLst>
-    <dgm:linClrLst meth="repeat">
-      <a:schemeClr val="lt1"/>
-    </dgm:linClrLst>
-    <dgm:effectClrLst/>
-    <dgm:txLinClrLst/>
-    <dgm:txFillClrLst/>
-    <dgm:txEffectClrLst/>
-  </dgm:styleLbl>
-  <dgm:styleLbl name="asst3">
-    <dgm:fillClrLst meth="repeat">
-      <a:schemeClr val="accent1"/>
-    </dgm:fillClrLst>
-    <dgm:linClrLst meth="repeat">
-      <a:schemeClr val="lt1"/>
-    </dgm:linClrLst>
-    <dgm:effectClrLst/>
-    <dgm:txLinClrLst/>
-    <dgm:txFillClrLst/>
-    <dgm:txEffectClrLst/>
-  </dgm:styleLbl>
-  <dgm:styleLbl name="asst4">
-    <dgm:fillClrLst meth="repeat">
-      <a:schemeClr val="accent1"/>
-    </dgm:fillClrLst>
-    <dgm:linClrLst meth="repeat">
-      <a:schemeClr val="lt1"/>
-    </dgm:linClrLst>
-    <dgm:effectClrLst/>
-    <dgm:txLinClrLst/>
-    <dgm:txFillClrLst/>
-    <dgm:txEffectClrLst/>
-  </dgm:styleLbl>
-  <dgm:styleLbl name="parChTrans2D1">
-    <dgm:fillClrLst meth="repeat">
-      <a:schemeClr val="accent1">
-        <a:tint val="60000"/>
-      </a:schemeClr>
-    </dgm:fillClrLst>
-    <dgm:linClrLst meth="repeat">
-      <a:schemeClr val="accent1">
-        <a:tint val="60000"/>
-      </a:schemeClr>
-    </dgm:linClrLst>
-    <dgm:effectClrLst/>
-    <dgm:txLinClrLst/>
-    <dgm:txFillClrLst meth="repeat">
-      <a:schemeClr val="lt1"/>
-    </dgm:txFillClrLst>
-    <dgm:txEffectClrLst/>
-  </dgm:styleLbl>
-  <dgm:styleLbl name="parChTrans2D2">
-    <dgm:fillClrLst meth="repeat">
-      <a:schemeClr val="accent1"/>
-    </dgm:fillClrLst>
-    <dgm:linClrLst meth="repeat">
-      <a:schemeClr val="accent1"/>
-    </dgm:linClrLst>
-    <dgm:effectClrLst/>
-    <dgm:txLinClrLst/>
-    <dgm:txFillClrLst meth="repeat">
-      <a:schemeClr val="lt1"/>
-    </dgm:txFillClrLst>
-    <dgm:txEffectClrLst/>
-  </dgm:styleLbl>
-  <dgm:styleLbl name="parChTrans2D3">
-    <dgm:fillClrLst meth="repeat">
-      <a:schemeClr val="accent1"/>
-    </dgm:fillClrLst>
-    <dgm:linClrLst meth="repeat">
-      <a:schemeClr val="accent1"/>
-    </dgm:linClrLst>
-    <dgm:effectClrLst/>
-    <dgm:txLinClrLst/>
-    <dgm:txFillClrLst meth="repeat">
-      <a:schemeClr val="lt1"/>
-    </dgm:txFillClrLst>
-    <dgm:txEffectClrLst/>
-  </dgm:styleLbl>
-  <dgm:styleLbl name="parChTrans2D4">
-    <dgm:fillClrLst meth="repeat">
-      <a:schemeClr val="accent1"/>
-    </dgm:fillClrLst>
-    <dgm:linClrLst meth="repeat">
-      <a:schemeClr val="accent1"/>
-    </dgm:linClrLst>
-    <dgm:effectClrLst/>
-    <dgm:txLinClrLst/>
-    <dgm:txFillClrLst meth="repeat">
-      <a:schemeClr val="lt1"/>
-    </dgm:txFillClrLst>
-    <dgm:txEffectClrLst/>
-  </dgm:styleLbl>
-  <dgm:styleLbl name="parChTrans1D1">
-    <dgm:fillClrLst meth="repeat">
-      <a:schemeClr val="accent1"/>
-    </dgm:fillClrLst>
-    <dgm:linClrLst meth="repeat">
-      <a:schemeClr val="accent1">
-        <a:shade val="60000"/>
-      </a:schemeClr>
-    </dgm:linClrLst>
-    <dgm:effectClrLst/>
-    <dgm:txLinClrLst/>
-    <dgm:txFillClrLst meth="repeat">
-      <a:schemeClr val="tx1"/>
-    </dgm:txFillClrLst>
-    <dgm:txEffectClrLst/>
-  </dgm:styleLbl>
-  <dgm:styleLbl name="parChTrans1D2">
-    <dgm:fillClrLst meth="repeat">
-      <a:schemeClr val="accent1"/>
-    </dgm:fillClrLst>
-    <dgm:linClrLst meth="repeat">
-      <a:schemeClr val="accent1">
-        <a:shade val="60000"/>
-      </a:schemeClr>
-    </dgm:linClrLst>
-    <dgm:effectClrLst/>
-    <dgm:txLinClrLst/>
-    <dgm:txFillClrLst meth="repeat">
-      <a:schemeClr val="tx1"/>
-    </dgm:txFillClrLst>
-    <dgm:txEffectClrLst/>
-  </dgm:styleLbl>
-  <dgm:styleLbl name="parChTrans1D3">
-    <dgm:fillClrLst meth="repeat">
-      <a:schemeClr val="accent1"/>
-    </dgm:fillClrLst>
-    <dgm:linClrLst meth="repeat">
-      <a:schemeClr val="accent1">
-        <a:shade val="80000"/>
-      </a:schemeClr>
-    </dgm:linClrLst>
-    <dgm:effectClrLst/>
-    <dgm:txLinClrLst/>
-    <dgm:txFillClrLst meth="repeat">
-      <a:schemeClr val="tx1"/>
-    </dgm:txFillClrLst>
-    <dgm:txEffectClrLst/>
-  </dgm:styleLbl>
-  <dgm:styleLbl name="parChTrans1D4">
-    <dgm:fillClrLst meth="repeat">
-      <a:schemeClr val="accent1"/>
-    </dgm:fillClrLst>
-    <dgm:linClrLst meth="repeat">
-      <a:schemeClr val="accent1">
-        <a:shade val="80000"/>
-      </a:schemeClr>
-    </dgm:linClrLst>
-    <dgm:effectClrLst/>
-    <dgm:txLinClrLst/>
-    <dgm:txFillClrLst meth="repeat">
-      <a:schemeClr val="tx1"/>
-    </dgm:txFillClrLst>
-    <dgm:txEffectClrLst/>
-  </dgm:styleLbl>
-  <dgm:styleLbl name="fgAcc1">
-    <dgm:fillClrLst meth="repeat">
-      <a:schemeClr val="lt1">
-        <a:alpha val="90000"/>
-      </a:schemeClr>
-    </dgm:fillClrLst>
-    <dgm:linClrLst meth="repeat">
-      <a:schemeClr val="accent1"/>
-    </dgm:linClrLst>
-    <dgm:effectClrLst/>
-    <dgm:txLinClrLst/>
-    <dgm:txFillClrLst meth="repeat">
-      <a:schemeClr val="dk1"/>
-    </dgm:txFillClrLst>
-    <dgm:txEffectClrLst/>
-  </dgm:styleLbl>
-  <dgm:styleLbl name="conFgAcc1">
-    <dgm:fillClrLst meth="repeat">
-      <a:schemeClr val="lt1">
-        <a:alpha val="90000"/>
-      </a:schemeClr>
-    </dgm:fillClrLst>
-    <dgm:linClrLst meth="repeat">
-      <a:schemeClr val="accent1"/>
-    </dgm:linClrLst>
-    <dgm:effectClrLst/>
-    <dgm:txLinClrLst/>
-    <dgm:txFillClrLst meth="repeat">
-      <a:schemeClr val="dk1"/>
-    </dgm:txFillClrLst>
-    <dgm:txEffectClrLst/>
-  </dgm:styleLbl>
-  <dgm:styleLbl name="alignAcc1">
-    <dgm:fillClrLst meth="repeat">
-      <a:schemeClr val="lt1">
-        <a:alpha val="90000"/>
-      </a:schemeClr>
-    </dgm:fillClrLst>
-    <dgm:linClrLst meth="repeat">
-      <a:schemeClr val="accent1"/>
-    </dgm:linClrLst>
-    <dgm:effectClrLst/>
-    <dgm:txLinClrLst/>
-    <dgm:txFillClrLst meth="repeat">
-      <a:schemeClr val="dk1"/>
-    </dgm:txFillClrLst>
-    <dgm:txEffectClrLst/>
-  </dgm:styleLbl>
-  <dgm:styleLbl name="trAlignAcc1">
-    <dgm:fillClrLst meth="repeat">
-      <a:schemeClr val="lt1">
-        <a:alpha val="40000"/>
-      </a:schemeClr>
-    </dgm:fillClrLst>
-    <dgm:linClrLst meth="repeat">
-      <a:schemeClr val="accent1"/>
-    </dgm:linClrLst>
-    <dgm:effectClrLst/>
-    <dgm:txLinClrLst/>
-    <dgm:txFillClrLst meth="repeat">
-      <a:schemeClr val="dk1"/>
-    </dgm:txFillClrLst>
-    <dgm:txEffectClrLst/>
-  </dgm:styleLbl>
-  <dgm:styleLbl name="bgAcc1">
-    <dgm:fillClrLst meth="repeat">
-      <a:schemeClr val="lt1">
-        <a:alpha val="90000"/>
-      </a:schemeClr>
-    </dgm:fillClrLst>
-    <dgm:linClrLst meth="repeat">
-      <a:schemeClr val="accent1"/>
-    </dgm:linClrLst>
-    <dgm:effectClrLst/>
-    <dgm:txLinClrLst/>
-    <dgm:txFillClrLst meth="repeat">
-      <a:schemeClr val="dk1"/>
-    </dgm:txFillClrLst>
-    <dgm:txEffectClrLst/>
-  </dgm:styleLbl>
-  <dgm:styleLbl name="solidFgAcc1">
-    <dgm:fillClrLst meth="repeat">
-      <a:schemeClr val="lt1"/>
-    </dgm:fillClrLst>
-    <dgm:linClrLst meth="repeat">
-      <a:schemeClr val="accent1"/>
-    </dgm:linClrLst>
-    <dgm:effectClrLst/>
-    <dgm:txLinClrLst/>
-    <dgm:txFillClrLst meth="repeat">
-      <a:schemeClr val="dk1"/>
-    </dgm:txFillClrLst>
-    <dgm:txEffectClrLst/>
-  </dgm:styleLbl>
-  <dgm:styleLbl name="solidAlignAcc1">
-    <dgm:fillClrLst meth="repeat">
-      <a:schemeClr val="lt1"/>
-    </dgm:fillClrLst>
-    <dgm:linClrLst meth="repeat">
-      <a:schemeClr val="accent1"/>
-    </dgm:linClrLst>
-    <dgm:effectClrLst/>
-    <dgm:txLinClrLst/>
-    <dgm:txFillClrLst meth="repeat">
-      <a:schemeClr val="dk1"/>
-    </dgm:txFillClrLst>
-    <dgm:txEffectClrLst/>
-  </dgm:styleLbl>
-  <dgm:styleLbl name="solidBgAcc1">
-    <dgm:fillClrLst meth="repeat">
-      <a:schemeClr val="lt1"/>
-    </dgm:fillClrLst>
-    <dgm:linClrLst meth="repeat">
-      <a:schemeClr val="accent1"/>
-    </dgm:linClrLst>
-    <dgm:effectClrLst/>
-    <dgm:txLinClrLst/>
-    <dgm:txFillClrLst meth="repeat">
-      <a:schemeClr val="dk1"/>
-    </dgm:txFillClrLst>
-    <dgm:txEffectClrLst/>
-  </dgm:styleLbl>
-  <dgm:styleLbl name="fgAccFollowNode1">
-    <dgm:fillClrLst meth="repeat">
-      <a:schemeClr val="accent1">
-        <a:alpha val="90000"/>
-        <a:tint val="40000"/>
-      </a:schemeClr>
-    </dgm:fillClrLst>
-    <dgm:linClrLst meth="repeat">
-      <a:schemeClr val="accent1">
-        <a:alpha val="90000"/>
-        <a:tint val="40000"/>
-      </a:schemeClr>
-    </dgm:linClrLst>
-    <dgm:effectClrLst/>
-    <dgm:txLinClrLst/>
-    <dgm:txFillClrLst meth="repeat">
-      <a:schemeClr val="dk1"/>
-    </dgm:txFillClrLst>
-    <dgm:txEffectClrLst/>
-  </dgm:styleLbl>
-  <dgm:styleLbl name="alignAccFollowNode1">
-    <dgm:fillClrLst meth="repeat">
-      <a:schemeClr val="accent1">
-        <a:alpha val="90000"/>
-        <a:tint val="40000"/>
-      </a:schemeClr>
-    </dgm:fillClrLst>
-    <dgm:linClrLst meth="repeat">
-      <a:schemeClr val="accent1">
-        <a:alpha val="90000"/>
-        <a:tint val="40000"/>
-      </a:schemeClr>
-    </dgm:linClrLst>
-    <dgm:effectClrLst/>
-    <dgm:txLinClrLst/>
-    <dgm:txFillClrLst meth="repeat">
-      <a:schemeClr val="dk1"/>
-    </dgm:txFillClrLst>
-    <dgm:txEffectClrLst/>
-  </dgm:styleLbl>
-  <dgm:styleLbl name="bgAccFollowNode1">
-    <dgm:fillClrLst meth="repeat">
-      <a:schemeClr val="accent1">
-        <a:alpha val="90000"/>
-        <a:tint val="40000"/>
-      </a:schemeClr>
-    </dgm:fillClrLst>
-    <dgm:linClrLst meth="repeat">
-      <a:schemeClr val="accent1">
-        <a:alpha val="90000"/>
-        <a:tint val="40000"/>
-      </a:schemeClr>
-    </dgm:linClrLst>
-    <dgm:effectClrLst/>
-    <dgm:txLinClrLst/>
-    <dgm:txFillClrLst meth="repeat">
-      <a:schemeClr val="dk1"/>
-    </dgm:txFillClrLst>
-    <dgm:txEffectClrLst/>
-  </dgm:styleLbl>
-  <dgm:styleLbl name="fgAcc0">
-    <dgm:fillClrLst meth="repeat">
-      <a:schemeClr val="lt1">
-        <a:alpha val="90000"/>
-      </a:schemeClr>
-    </dgm:fillClrLst>
-    <dgm:linClrLst meth="repeat">
-      <a:schemeClr val="accent1"/>
-    </dgm:linClrLst>
-    <dgm:effectClrLst/>
-    <dgm:txLinClrLst/>
-    <dgm:txFillClrLst meth="repeat">
-      <a:schemeClr val="dk1"/>
-    </dgm:txFillClrLst>
-    <dgm:txEffectClrLst/>
-  </dgm:styleLbl>
-  <dgm:styleLbl name="fgAcc2">
-    <dgm:fillClrLst meth="repeat">
-      <a:schemeClr val="lt1">
-        <a:alpha val="90000"/>
-      </a:schemeClr>
-    </dgm:fillClrLst>
-    <dgm:linClrLst meth="repeat">
-      <a:schemeClr val="accent1"/>
-    </dgm:linClrLst>
-    <dgm:effectClrLst/>
-    <dgm:txLinClrLst/>
-    <dgm:txFillClrLst meth="repeat">
-      <a:schemeClr val="dk1"/>
-    </dgm:txFillClrLst>
-    <dgm:txEffectClrLst/>
-  </dgm:styleLbl>
-  <dgm:styleLbl name="fgAcc3">
-    <dgm:fillClrLst meth="repeat">
-      <a:schemeClr val="lt1">
-        <a:alpha val="90000"/>
-      </a:schemeClr>
-    </dgm:fillClrLst>
-    <dgm:linClrLst meth="repeat">
-      <a:schemeClr val="accent1"/>
-    </dgm:linClrLst>
-    <dgm:effectClrLst/>
-    <dgm:txLinClrLst/>
-    <dgm:txFillClrLst meth="repeat">
-      <a:schemeClr val="dk1"/>
-    </dgm:txFillClrLst>
-    <dgm:txEffectClrLst/>
-  </dgm:styleLbl>
-  <dgm:styleLbl name="fgAcc4">
-    <dgm:fillClrLst meth="repeat">
-      <a:schemeClr val="lt1">
-        <a:alpha val="90000"/>
-      </a:schemeClr>
-    </dgm:fillClrLst>
-    <dgm:linClrLst meth="repeat">
-      <a:schemeClr val="accent1"/>
-    </dgm:linClrLst>
-    <dgm:effectClrLst/>
-    <dgm:txLinClrLst/>
-    <dgm:txFillClrLst meth="repeat">
-      <a:schemeClr val="dk1"/>
-    </dgm:txFillClrLst>
-    <dgm:txEffectClrLst/>
-  </dgm:styleLbl>
-  <dgm:styleLbl name="bgShp">
-    <dgm:fillClrLst meth="repeat">
-      <a:schemeClr val="accent1">
-        <a:tint val="40000"/>
-      </a:schemeClr>
-    </dgm:fillClrLst>
-    <dgm:linClrLst meth="repeat">
-      <a:schemeClr val="accent1"/>
-    </dgm:linClrLst>
-    <dgm:effectClrLst/>
-    <dgm:txLinClrLst/>
-    <dgm:txFillClrLst meth="repeat">
-      <a:schemeClr val="dk1"/>
-    </dgm:txFillClrLst>
-    <dgm:txEffectClrLst/>
-  </dgm:styleLbl>
-  <dgm:styleLbl name="dkBgShp">
-    <dgm:fillClrLst meth="repeat">
-      <a:schemeClr val="accent1">
-        <a:shade val="80000"/>
-      </a:schemeClr>
-    </dgm:fillClrLst>
-    <dgm:linClrLst meth="repeat">
-      <a:schemeClr val="accent1"/>
-    </dgm:linClrLst>
-    <dgm:effectClrLst/>
-    <dgm:txLinClrLst/>
-    <dgm:txFillClrLst meth="repeat">
-      <a:schemeClr val="lt1"/>
-    </dgm:txFillClrLst>
-    <dgm:txEffectClrLst/>
-  </dgm:styleLbl>
-  <dgm:styleLbl name="trBgShp">
-    <dgm:fillClrLst meth="repeat">
-      <a:schemeClr val="accent1">
-        <a:tint val="50000"/>
-        <a:alpha val="40000"/>
-      </a:schemeClr>
-    </dgm:fillClrLst>
-    <dgm:linClrLst meth="repeat">
-      <a:schemeClr val="accent1"/>
-    </dgm:linClrLst>
-    <dgm:effectClrLst/>
-    <dgm:txLinClrLst/>
-    <dgm:txFillClrLst meth="repeat">
-      <a:schemeClr val="lt1"/>
-    </dgm:txFillClrLst>
-    <dgm:txEffectClrLst/>
-  </dgm:styleLbl>
-  <dgm:styleLbl name="fgShp">
-    <dgm:fillClrLst meth="repeat">
-      <a:schemeClr val="accent1">
-        <a:tint val="60000"/>
-      </a:schemeClr>
-    </dgm:fillClrLst>
-    <dgm:linClrLst meth="repeat">
-      <a:schemeClr val="lt1"/>
-    </dgm:linClrLst>
-    <dgm:effectClrLst/>
-    <dgm:txLinClrLst/>
-    <dgm:txFillClrLst meth="repeat">
-      <a:schemeClr val="dk1"/>
-    </dgm:txFillClrLst>
-    <dgm:txEffectClrLst/>
-  </dgm:styleLbl>
-  <dgm:styleLbl name="revTx">
-    <dgm:fillClrLst meth="repeat">
-      <a:schemeClr val="lt1">
-        <a:alpha val="0"/>
-      </a:schemeClr>
-    </dgm:fillClrLst>
-    <dgm:linClrLst meth="repeat">
-      <a:schemeClr val="dk1">
-        <a:alpha val="0"/>
-      </a:schemeClr>
-    </dgm:linClrLst>
-    <dgm:effectClrLst/>
-    <dgm:txLinClrLst/>
-    <dgm:txFillClrLst meth="repeat">
-      <a:schemeClr val="tx1"/>
-    </dgm:txFillClrLst>
-    <dgm:txEffectClrLst/>
-  </dgm:styleLbl>
-</dgm:colorsDef>
-</file>
-
-<file path=ppt/diagrams/data1.xml><?xml version="1.0" encoding="utf-8"?>
-<dgm:dataModel xmlns:dgm="http://schemas.openxmlformats.org/drawingml/2006/diagram" xmlns:a="http://schemas.openxmlformats.org/drawingml/2006/main">
-  <dgm:ptLst>
-    <dgm:pt modelId="{35542362-BB51-426F-BCAE-DB01D808D8F1}" type="doc">
-      <dgm:prSet loTypeId="urn:microsoft.com/office/officeart/2008/layout/LinedList" loCatId="list" qsTypeId="urn:microsoft.com/office/officeart/2005/8/quickstyle/simple1" qsCatId="simple" csTypeId="urn:microsoft.com/office/officeart/2005/8/colors/accent1_2" csCatId="accent1" phldr="1"/>
-      <dgm:spPr/>
-      <dgm:t>
-        <a:bodyPr/>
-        <a:lstStyle/>
-        <a:p>
-          <a:endParaRPr lang="en-US"/>
-        </a:p>
-      </dgm:t>
-    </dgm:pt>
-    <dgm:pt modelId="{018C559D-C910-40BE-BC4E-D01AF2743E33}">
-      <dgm:prSet phldrT="[Text]"/>
-      <dgm:spPr/>
-      <dgm:t>
-        <a:bodyPr/>
-        <a:lstStyle/>
-        <a:p>
-          <a:r>
-            <a:rPr lang="en-US" u="sng" dirty="0" smtClean="0"/>
-            <a:t>Technologies Currently </a:t>
-          </a:r>
-          <a:r>
-            <a:rPr lang="en-US" u="sng" dirty="0" smtClean="0"/>
-            <a:t>Used</a:t>
-          </a:r>
-          <a:endParaRPr lang="en-US" u="sng" dirty="0"/>
-        </a:p>
-      </dgm:t>
-    </dgm:pt>
-    <dgm:pt modelId="{BD043434-58A7-49E8-85A1-376900F53515}" type="parTrans" cxnId="{A57F3845-FA87-4CAD-8D64-3942414345B4}">
-      <dgm:prSet/>
-      <dgm:spPr/>
-      <dgm:t>
-        <a:bodyPr/>
-        <a:lstStyle/>
-        <a:p>
-          <a:endParaRPr lang="en-US"/>
-        </a:p>
-      </dgm:t>
-    </dgm:pt>
-    <dgm:pt modelId="{D1497C44-F3C2-461C-BF64-CD5D5EB8E1BB}" type="sibTrans" cxnId="{A57F3845-FA87-4CAD-8D64-3942414345B4}">
-      <dgm:prSet/>
-      <dgm:spPr/>
-      <dgm:t>
-        <a:bodyPr/>
-        <a:lstStyle/>
-        <a:p>
-          <a:endParaRPr lang="en-US"/>
-        </a:p>
-      </dgm:t>
-    </dgm:pt>
-    <dgm:pt modelId="{993D4818-00C1-42C6-8EB7-C20F7CB86982}">
-      <dgm:prSet phldrT="[Text]">
-        <dgm:style>
-          <a:lnRef idx="1">
-            <a:schemeClr val="accent1"/>
-          </a:lnRef>
-          <a:fillRef idx="2">
-            <a:schemeClr val="accent1"/>
-          </a:fillRef>
-          <a:effectRef idx="1">
-            <a:schemeClr val="accent1"/>
-          </a:effectRef>
-          <a:fontRef idx="minor">
-            <a:schemeClr val="dk1"/>
-          </a:fontRef>
-        </dgm:style>
-      </dgm:prSet>
-      <dgm:spPr/>
-      <dgm:t>
-        <a:bodyPr/>
-        <a:lstStyle/>
-        <a:p>
-          <a:r>
-            <a:rPr lang="en-US" dirty="0" smtClean="0"/>
-            <a:t>HTML 5:</a:t>
-          </a:r>
-        </a:p>
-        <a:p>
-          <a:r>
-            <a:rPr lang="en-US" dirty="0" smtClean="0"/>
-            <a:t>	</a:t>
-          </a:r>
-          <a:r>
-            <a:rPr lang="en-US" b="0" i="0" dirty="0" smtClean="0"/>
-            <a:t>HTML5 is becoming a new standard, thus removes dead end 	technologies from the project.</a:t>
-          </a:r>
-          <a:endParaRPr lang="en-US" dirty="0"/>
-        </a:p>
-      </dgm:t>
-    </dgm:pt>
-    <dgm:pt modelId="{D2C95D1D-4141-43EE-8120-3BA533E83970}" type="parTrans" cxnId="{2C699A98-DDBD-49B0-B144-F07B5BFEC8F0}">
-      <dgm:prSet/>
-      <dgm:spPr/>
-      <dgm:t>
-        <a:bodyPr/>
-        <a:lstStyle/>
-        <a:p>
-          <a:endParaRPr lang="en-US"/>
-        </a:p>
-      </dgm:t>
-    </dgm:pt>
-    <dgm:pt modelId="{AA73DF5D-49DD-44E1-81FE-1CAE878F6D8E}" type="sibTrans" cxnId="{2C699A98-DDBD-49B0-B144-F07B5BFEC8F0}">
-      <dgm:prSet/>
-      <dgm:spPr/>
-      <dgm:t>
-        <a:bodyPr/>
-        <a:lstStyle/>
-        <a:p>
-          <a:endParaRPr lang="en-US"/>
-        </a:p>
-      </dgm:t>
-    </dgm:pt>
-    <dgm:pt modelId="{DFC79F4B-AF53-47C3-9C97-B4B23EE68A18}">
-      <dgm:prSet phldrT="[Text]">
-        <dgm:style>
-          <a:lnRef idx="1">
-            <a:schemeClr val="dk1"/>
-          </a:lnRef>
-          <a:fillRef idx="2">
-            <a:schemeClr val="dk1"/>
-          </a:fillRef>
-          <a:effectRef idx="1">
-            <a:schemeClr val="dk1"/>
-          </a:effectRef>
-          <a:fontRef idx="minor">
-            <a:schemeClr val="dk1"/>
-          </a:fontRef>
-        </dgm:style>
-      </dgm:prSet>
-      <dgm:spPr/>
-      <dgm:t>
-        <a:bodyPr/>
-        <a:lstStyle/>
-        <a:p>
-          <a:r>
-            <a:rPr lang="en-US" dirty="0" smtClean="0"/>
-            <a:t>CSS 3 (Twitter Bootstrap):</a:t>
-          </a:r>
-        </a:p>
-        <a:p>
-          <a:r>
-            <a:rPr lang="en-US" dirty="0" smtClean="0"/>
-            <a:t>	Makes the pages responsive so that it is compatible with more 	screen sizes</a:t>
-          </a:r>
-          <a:endParaRPr lang="en-US" dirty="0"/>
-        </a:p>
-      </dgm:t>
-    </dgm:pt>
-    <dgm:pt modelId="{424FC287-694D-4116-9FF3-96FC4BF791CD}" type="parTrans" cxnId="{9B29DFFD-FE1D-4772-B44D-8D98685516CE}">
-      <dgm:prSet/>
-      <dgm:spPr/>
-      <dgm:t>
-        <a:bodyPr/>
-        <a:lstStyle/>
-        <a:p>
-          <a:endParaRPr lang="en-US"/>
-        </a:p>
-      </dgm:t>
-    </dgm:pt>
-    <dgm:pt modelId="{3E08433F-B2D0-45CD-8FFF-EAF17504289C}" type="sibTrans" cxnId="{9B29DFFD-FE1D-4772-B44D-8D98685516CE}">
-      <dgm:prSet/>
-      <dgm:spPr/>
-      <dgm:t>
-        <a:bodyPr/>
-        <a:lstStyle/>
-        <a:p>
-          <a:endParaRPr lang="en-US"/>
-        </a:p>
-      </dgm:t>
-    </dgm:pt>
-    <dgm:pt modelId="{1FBA0DE7-C591-4553-9DFB-CC7597395A14}">
-      <dgm:prSet phldrT="[Text]">
-        <dgm:style>
-          <a:lnRef idx="1">
-            <a:schemeClr val="accent2"/>
-          </a:lnRef>
-          <a:fillRef idx="2">
-            <a:schemeClr val="accent2"/>
-          </a:fillRef>
-          <a:effectRef idx="1">
-            <a:schemeClr val="accent2"/>
-          </a:effectRef>
-          <a:fontRef idx="minor">
-            <a:schemeClr val="dk1"/>
-          </a:fontRef>
-        </dgm:style>
-      </dgm:prSet>
-      <dgm:spPr/>
-      <dgm:t>
-        <a:bodyPr/>
-        <a:lstStyle/>
-        <a:p>
-          <a:r>
-            <a:rPr lang="en-US" dirty="0" err="1" smtClean="0"/>
-            <a:t>AngularJS</a:t>
-          </a:r>
-          <a:r>
-            <a:rPr lang="en-US" dirty="0" smtClean="0"/>
-            <a:t>:</a:t>
-          </a:r>
-          <a:endParaRPr lang="en-US" dirty="0" smtClean="0"/>
-        </a:p>
-        <a:p>
-          <a:r>
-            <a:rPr lang="en-US" dirty="0" smtClean="0"/>
-            <a:t>	Declarative approach to the UI makes the project more 	readable. Two way binding feature can be utilized if the page 	should be made editable </a:t>
-          </a:r>
-          <a:endParaRPr lang="en-US" dirty="0"/>
-        </a:p>
-      </dgm:t>
-    </dgm:pt>
-    <dgm:pt modelId="{7D27E71C-E367-48D3-A4BC-DB07FED03890}" type="parTrans" cxnId="{EE1B87B6-75B9-4D80-8CE8-A197BAFEDCDC}">
-      <dgm:prSet/>
-      <dgm:spPr/>
-      <dgm:t>
-        <a:bodyPr/>
-        <a:lstStyle/>
-        <a:p>
-          <a:endParaRPr lang="en-US"/>
-        </a:p>
-      </dgm:t>
-    </dgm:pt>
-    <dgm:pt modelId="{6CB77DA6-1F41-4B39-BB10-71C826268F3A}" type="sibTrans" cxnId="{EE1B87B6-75B9-4D80-8CE8-A197BAFEDCDC}">
-      <dgm:prSet/>
-      <dgm:spPr/>
-      <dgm:t>
-        <a:bodyPr/>
-        <a:lstStyle/>
-        <a:p>
-          <a:endParaRPr lang="en-US"/>
-        </a:p>
-      </dgm:t>
-    </dgm:pt>
-    <dgm:pt modelId="{4365A011-FE35-44A3-BDD8-9778B9BBCCC3}" type="pres">
-      <dgm:prSet presAssocID="{35542362-BB51-426F-BCAE-DB01D808D8F1}" presName="vert0" presStyleCnt="0">
-        <dgm:presLayoutVars>
-          <dgm:dir/>
-          <dgm:animOne val="branch"/>
-          <dgm:animLvl val="lvl"/>
-        </dgm:presLayoutVars>
-      </dgm:prSet>
-      <dgm:spPr/>
-      <dgm:t>
-        <a:bodyPr/>
-        <a:lstStyle/>
-        <a:p>
-          <a:endParaRPr lang="en-US"/>
-        </a:p>
-      </dgm:t>
-    </dgm:pt>
-    <dgm:pt modelId="{AF35626A-E8A6-43E1-BB8B-0A6CECAEDE45}" type="pres">
-      <dgm:prSet presAssocID="{018C559D-C910-40BE-BC4E-D01AF2743E33}" presName="thickLine" presStyleLbl="alignNode1" presStyleIdx="0" presStyleCnt="1"/>
-      <dgm:spPr/>
-    </dgm:pt>
-    <dgm:pt modelId="{C9B70F85-35E3-4233-A33A-B13FEEB189AC}" type="pres">
-      <dgm:prSet presAssocID="{018C559D-C910-40BE-BC4E-D01AF2743E33}" presName="horz1" presStyleCnt="0"/>
-      <dgm:spPr/>
-    </dgm:pt>
-    <dgm:pt modelId="{F9001BFB-65F4-45BB-88F2-C3A6A75824BD}" type="pres">
-      <dgm:prSet presAssocID="{018C559D-C910-40BE-BC4E-D01AF2743E33}" presName="tx1" presStyleLbl="revTx" presStyleIdx="0" presStyleCnt="4"/>
-      <dgm:spPr/>
-      <dgm:t>
-        <a:bodyPr/>
-        <a:lstStyle/>
-        <a:p>
-          <a:endParaRPr lang="en-US"/>
-        </a:p>
-      </dgm:t>
-    </dgm:pt>
-    <dgm:pt modelId="{D4C85C15-8886-428A-A285-B627ED4A399A}" type="pres">
-      <dgm:prSet presAssocID="{018C559D-C910-40BE-BC4E-D01AF2743E33}" presName="vert1" presStyleCnt="0"/>
-      <dgm:spPr/>
-    </dgm:pt>
-    <dgm:pt modelId="{156A31F1-2C23-4DDD-A508-CBDB8C1F52D6}" type="pres">
-      <dgm:prSet presAssocID="{993D4818-00C1-42C6-8EB7-C20F7CB86982}" presName="vertSpace2a" presStyleCnt="0"/>
-      <dgm:spPr/>
-    </dgm:pt>
-    <dgm:pt modelId="{CD008E7E-7FBD-4611-952D-9C1D45A8F1AC}" type="pres">
-      <dgm:prSet presAssocID="{993D4818-00C1-42C6-8EB7-C20F7CB86982}" presName="horz2" presStyleCnt="0"/>
-      <dgm:spPr/>
-    </dgm:pt>
-    <dgm:pt modelId="{04AFD6E9-9040-4D97-9421-45422D1B5AB7}" type="pres">
-      <dgm:prSet presAssocID="{993D4818-00C1-42C6-8EB7-C20F7CB86982}" presName="horzSpace2" presStyleCnt="0"/>
-      <dgm:spPr/>
-    </dgm:pt>
-    <dgm:pt modelId="{01E41227-73FD-40E9-B136-BDE8A5B00073}" type="pres">
-      <dgm:prSet presAssocID="{993D4818-00C1-42C6-8EB7-C20F7CB86982}" presName="tx2" presStyleLbl="revTx" presStyleIdx="1" presStyleCnt="4"/>
-      <dgm:spPr/>
-      <dgm:t>
-        <a:bodyPr/>
-        <a:lstStyle/>
-        <a:p>
-          <a:endParaRPr lang="en-US"/>
-        </a:p>
-      </dgm:t>
-    </dgm:pt>
-    <dgm:pt modelId="{757D9ECB-FC1E-4DF3-A614-67273A5001FD}" type="pres">
-      <dgm:prSet presAssocID="{993D4818-00C1-42C6-8EB7-C20F7CB86982}" presName="vert2" presStyleCnt="0"/>
-      <dgm:spPr/>
-    </dgm:pt>
-    <dgm:pt modelId="{5E0208CC-E89A-4FA8-9EEE-3C2CA58815E7}" type="pres">
-      <dgm:prSet presAssocID="{993D4818-00C1-42C6-8EB7-C20F7CB86982}" presName="thinLine2b" presStyleLbl="callout" presStyleIdx="0" presStyleCnt="3"/>
-      <dgm:spPr/>
-    </dgm:pt>
-    <dgm:pt modelId="{72F6EE4C-9687-49BF-897A-097F6D7A3975}" type="pres">
-      <dgm:prSet presAssocID="{993D4818-00C1-42C6-8EB7-C20F7CB86982}" presName="vertSpace2b" presStyleCnt="0"/>
-      <dgm:spPr/>
-    </dgm:pt>
-    <dgm:pt modelId="{A504F2AA-2EB7-4FC0-A804-C437DA0EB877}" type="pres">
-      <dgm:prSet presAssocID="{DFC79F4B-AF53-47C3-9C97-B4B23EE68A18}" presName="horz2" presStyleCnt="0"/>
-      <dgm:spPr/>
-    </dgm:pt>
-    <dgm:pt modelId="{20454F85-A833-4338-A77A-FAF4181B704D}" type="pres">
-      <dgm:prSet presAssocID="{DFC79F4B-AF53-47C3-9C97-B4B23EE68A18}" presName="horzSpace2" presStyleCnt="0"/>
-      <dgm:spPr/>
-    </dgm:pt>
-    <dgm:pt modelId="{927D4A44-A953-41E9-AE36-E0FE08356D3D}" type="pres">
-      <dgm:prSet presAssocID="{DFC79F4B-AF53-47C3-9C97-B4B23EE68A18}" presName="tx2" presStyleLbl="revTx" presStyleIdx="2" presStyleCnt="4"/>
-      <dgm:spPr/>
-      <dgm:t>
-        <a:bodyPr/>
-        <a:lstStyle/>
-        <a:p>
-          <a:endParaRPr lang="en-US"/>
-        </a:p>
-      </dgm:t>
-    </dgm:pt>
-    <dgm:pt modelId="{38819FFB-5B99-434E-9F6A-D54D8890964E}" type="pres">
-      <dgm:prSet presAssocID="{DFC79F4B-AF53-47C3-9C97-B4B23EE68A18}" presName="vert2" presStyleCnt="0"/>
-      <dgm:spPr/>
-    </dgm:pt>
-    <dgm:pt modelId="{AB9B5F45-E666-416F-BD9E-4F28D70B8C2B}" type="pres">
-      <dgm:prSet presAssocID="{DFC79F4B-AF53-47C3-9C97-B4B23EE68A18}" presName="thinLine2b" presStyleLbl="callout" presStyleIdx="1" presStyleCnt="3"/>
-      <dgm:spPr/>
-    </dgm:pt>
-    <dgm:pt modelId="{6FA66FE9-E7D4-4D04-ACB9-48B5EC0CB934}" type="pres">
-      <dgm:prSet presAssocID="{DFC79F4B-AF53-47C3-9C97-B4B23EE68A18}" presName="vertSpace2b" presStyleCnt="0"/>
-      <dgm:spPr/>
-    </dgm:pt>
-    <dgm:pt modelId="{1140C8AD-6292-4DC0-BC2D-036D4CDE0EE2}" type="pres">
-      <dgm:prSet presAssocID="{1FBA0DE7-C591-4553-9DFB-CC7597395A14}" presName="horz2" presStyleCnt="0"/>
-      <dgm:spPr/>
-    </dgm:pt>
-    <dgm:pt modelId="{71A33887-615C-4156-8022-3FF00EE74621}" type="pres">
-      <dgm:prSet presAssocID="{1FBA0DE7-C591-4553-9DFB-CC7597395A14}" presName="horzSpace2" presStyleCnt="0"/>
-      <dgm:spPr/>
-    </dgm:pt>
-    <dgm:pt modelId="{2D309A9E-08CD-4F59-A85C-6399A2778EF4}" type="pres">
-      <dgm:prSet presAssocID="{1FBA0DE7-C591-4553-9DFB-CC7597395A14}" presName="tx2" presStyleLbl="revTx" presStyleIdx="3" presStyleCnt="4"/>
-      <dgm:spPr/>
-      <dgm:t>
-        <a:bodyPr/>
-        <a:lstStyle/>
-        <a:p>
-          <a:endParaRPr lang="en-US"/>
-        </a:p>
-      </dgm:t>
-    </dgm:pt>
-    <dgm:pt modelId="{F80D045E-4980-462B-9A68-B9CE6E79DBAD}" type="pres">
-      <dgm:prSet presAssocID="{1FBA0DE7-C591-4553-9DFB-CC7597395A14}" presName="vert2" presStyleCnt="0"/>
-      <dgm:spPr/>
-    </dgm:pt>
-    <dgm:pt modelId="{2114FC93-5E4E-45A8-8A18-6F1F974D5582}" type="pres">
-      <dgm:prSet presAssocID="{1FBA0DE7-C591-4553-9DFB-CC7597395A14}" presName="thinLine2b" presStyleLbl="callout" presStyleIdx="2" presStyleCnt="3"/>
-      <dgm:spPr/>
-    </dgm:pt>
-    <dgm:pt modelId="{E1C4A552-5439-4F4A-8045-A914CBAE2F29}" type="pres">
-      <dgm:prSet presAssocID="{1FBA0DE7-C591-4553-9DFB-CC7597395A14}" presName="vertSpace2b" presStyleCnt="0"/>
-      <dgm:spPr/>
-    </dgm:pt>
-  </dgm:ptLst>
-  <dgm:cxnLst>
-    <dgm:cxn modelId="{EE1B87B6-75B9-4D80-8CE8-A197BAFEDCDC}" srcId="{018C559D-C910-40BE-BC4E-D01AF2743E33}" destId="{1FBA0DE7-C591-4553-9DFB-CC7597395A14}" srcOrd="2" destOrd="0" parTransId="{7D27E71C-E367-48D3-A4BC-DB07FED03890}" sibTransId="{6CB77DA6-1F41-4B39-BB10-71C826268F3A}"/>
-    <dgm:cxn modelId="{1159A856-6585-40E6-84B9-1EFCB23C1412}" type="presOf" srcId="{018C559D-C910-40BE-BC4E-D01AF2743E33}" destId="{F9001BFB-65F4-45BB-88F2-C3A6A75824BD}" srcOrd="0" destOrd="0" presId="urn:microsoft.com/office/officeart/2008/layout/LinedList"/>
-    <dgm:cxn modelId="{51D15D95-AEE7-41E7-925F-FEF87A9469D0}" type="presOf" srcId="{35542362-BB51-426F-BCAE-DB01D808D8F1}" destId="{4365A011-FE35-44A3-BDD8-9778B9BBCCC3}" srcOrd="0" destOrd="0" presId="urn:microsoft.com/office/officeart/2008/layout/LinedList"/>
-    <dgm:cxn modelId="{A57F3845-FA87-4CAD-8D64-3942414345B4}" srcId="{35542362-BB51-426F-BCAE-DB01D808D8F1}" destId="{018C559D-C910-40BE-BC4E-D01AF2743E33}" srcOrd="0" destOrd="0" parTransId="{BD043434-58A7-49E8-85A1-376900F53515}" sibTransId="{D1497C44-F3C2-461C-BF64-CD5D5EB8E1BB}"/>
-    <dgm:cxn modelId="{6CFC974D-4382-4440-955E-F81B167F96E5}" type="presOf" srcId="{DFC79F4B-AF53-47C3-9C97-B4B23EE68A18}" destId="{927D4A44-A953-41E9-AE36-E0FE08356D3D}" srcOrd="0" destOrd="0" presId="urn:microsoft.com/office/officeart/2008/layout/LinedList"/>
-    <dgm:cxn modelId="{55010EBA-30E1-4795-A9C5-501DB50DEA78}" type="presOf" srcId="{993D4818-00C1-42C6-8EB7-C20F7CB86982}" destId="{01E41227-73FD-40E9-B136-BDE8A5B00073}" srcOrd="0" destOrd="0" presId="urn:microsoft.com/office/officeart/2008/layout/LinedList"/>
-    <dgm:cxn modelId="{9B29DFFD-FE1D-4772-B44D-8D98685516CE}" srcId="{018C559D-C910-40BE-BC4E-D01AF2743E33}" destId="{DFC79F4B-AF53-47C3-9C97-B4B23EE68A18}" srcOrd="1" destOrd="0" parTransId="{424FC287-694D-4116-9FF3-96FC4BF791CD}" sibTransId="{3E08433F-B2D0-45CD-8FFF-EAF17504289C}"/>
-    <dgm:cxn modelId="{0352868D-8B19-466F-B915-1CAD9280F3C3}" type="presOf" srcId="{1FBA0DE7-C591-4553-9DFB-CC7597395A14}" destId="{2D309A9E-08CD-4F59-A85C-6399A2778EF4}" srcOrd="0" destOrd="0" presId="urn:microsoft.com/office/officeart/2008/layout/LinedList"/>
-    <dgm:cxn modelId="{2C699A98-DDBD-49B0-B144-F07B5BFEC8F0}" srcId="{018C559D-C910-40BE-BC4E-D01AF2743E33}" destId="{993D4818-00C1-42C6-8EB7-C20F7CB86982}" srcOrd="0" destOrd="0" parTransId="{D2C95D1D-4141-43EE-8120-3BA533E83970}" sibTransId="{AA73DF5D-49DD-44E1-81FE-1CAE878F6D8E}"/>
-    <dgm:cxn modelId="{EFEC5896-A8ED-4AF6-B809-D3BC2C9669E6}" type="presParOf" srcId="{4365A011-FE35-44A3-BDD8-9778B9BBCCC3}" destId="{AF35626A-E8A6-43E1-BB8B-0A6CECAEDE45}" srcOrd="0" destOrd="0" presId="urn:microsoft.com/office/officeart/2008/layout/LinedList"/>
-    <dgm:cxn modelId="{49E29B1F-2244-4860-B52D-40D7755E76CF}" type="presParOf" srcId="{4365A011-FE35-44A3-BDD8-9778B9BBCCC3}" destId="{C9B70F85-35E3-4233-A33A-B13FEEB189AC}" srcOrd="1" destOrd="0" presId="urn:microsoft.com/office/officeart/2008/layout/LinedList"/>
-    <dgm:cxn modelId="{23066B63-A15D-4220-AFB7-E76126430944}" type="presParOf" srcId="{C9B70F85-35E3-4233-A33A-B13FEEB189AC}" destId="{F9001BFB-65F4-45BB-88F2-C3A6A75824BD}" srcOrd="0" destOrd="0" presId="urn:microsoft.com/office/officeart/2008/layout/LinedList"/>
-    <dgm:cxn modelId="{6F812227-7A56-46DA-AAFB-130F530AEFA5}" type="presParOf" srcId="{C9B70F85-35E3-4233-A33A-B13FEEB189AC}" destId="{D4C85C15-8886-428A-A285-B627ED4A399A}" srcOrd="1" destOrd="0" presId="urn:microsoft.com/office/officeart/2008/layout/LinedList"/>
-    <dgm:cxn modelId="{5365A02F-1DF5-4987-BC9D-46FF02F14812}" type="presParOf" srcId="{D4C85C15-8886-428A-A285-B627ED4A399A}" destId="{156A31F1-2C23-4DDD-A508-CBDB8C1F52D6}" srcOrd="0" destOrd="0" presId="urn:microsoft.com/office/officeart/2008/layout/LinedList"/>
-    <dgm:cxn modelId="{8D7ADBCF-16FA-4F50-9522-A1798443096E}" type="presParOf" srcId="{D4C85C15-8886-428A-A285-B627ED4A399A}" destId="{CD008E7E-7FBD-4611-952D-9C1D45A8F1AC}" srcOrd="1" destOrd="0" presId="urn:microsoft.com/office/officeart/2008/layout/LinedList"/>
-    <dgm:cxn modelId="{AA0F2690-F247-4E73-A141-B9BF0240C034}" type="presParOf" srcId="{CD008E7E-7FBD-4611-952D-9C1D45A8F1AC}" destId="{04AFD6E9-9040-4D97-9421-45422D1B5AB7}" srcOrd="0" destOrd="0" presId="urn:microsoft.com/office/officeart/2008/layout/LinedList"/>
-    <dgm:cxn modelId="{7977702D-0299-4EE3-9B0E-59683AE817EC}" type="presParOf" srcId="{CD008E7E-7FBD-4611-952D-9C1D45A8F1AC}" destId="{01E41227-73FD-40E9-B136-BDE8A5B00073}" srcOrd="1" destOrd="0" presId="urn:microsoft.com/office/officeart/2008/layout/LinedList"/>
-    <dgm:cxn modelId="{A4D66136-85F6-43EC-9B0D-6AAF84D0B231}" type="presParOf" srcId="{CD008E7E-7FBD-4611-952D-9C1D45A8F1AC}" destId="{757D9ECB-FC1E-4DF3-A614-67273A5001FD}" srcOrd="2" destOrd="0" presId="urn:microsoft.com/office/officeart/2008/layout/LinedList"/>
-    <dgm:cxn modelId="{2B60D68E-6F65-4216-AAAF-F4DBAC7ACE8B}" type="presParOf" srcId="{D4C85C15-8886-428A-A285-B627ED4A399A}" destId="{5E0208CC-E89A-4FA8-9EEE-3C2CA58815E7}" srcOrd="2" destOrd="0" presId="urn:microsoft.com/office/officeart/2008/layout/LinedList"/>
-    <dgm:cxn modelId="{78CA2756-FA73-4C47-8C23-19C09043D319}" type="presParOf" srcId="{D4C85C15-8886-428A-A285-B627ED4A399A}" destId="{72F6EE4C-9687-49BF-897A-097F6D7A3975}" srcOrd="3" destOrd="0" presId="urn:microsoft.com/office/officeart/2008/layout/LinedList"/>
-    <dgm:cxn modelId="{AD326950-49F6-453F-9805-1ED4626CD285}" type="presParOf" srcId="{D4C85C15-8886-428A-A285-B627ED4A399A}" destId="{A504F2AA-2EB7-4FC0-A804-C437DA0EB877}" srcOrd="4" destOrd="0" presId="urn:microsoft.com/office/officeart/2008/layout/LinedList"/>
-    <dgm:cxn modelId="{CB707E62-13A6-4FB4-9E6D-5ECF4A93FB87}" type="presParOf" srcId="{A504F2AA-2EB7-4FC0-A804-C437DA0EB877}" destId="{20454F85-A833-4338-A77A-FAF4181B704D}" srcOrd="0" destOrd="0" presId="urn:microsoft.com/office/officeart/2008/layout/LinedList"/>
-    <dgm:cxn modelId="{D38A5F2F-EE95-40E1-AECE-641166B0BA4E}" type="presParOf" srcId="{A504F2AA-2EB7-4FC0-A804-C437DA0EB877}" destId="{927D4A44-A953-41E9-AE36-E0FE08356D3D}" srcOrd="1" destOrd="0" presId="urn:microsoft.com/office/officeart/2008/layout/LinedList"/>
-    <dgm:cxn modelId="{1C70E83B-FDE1-4CFF-A100-8EC4343F30F0}" type="presParOf" srcId="{A504F2AA-2EB7-4FC0-A804-C437DA0EB877}" destId="{38819FFB-5B99-434E-9F6A-D54D8890964E}" srcOrd="2" destOrd="0" presId="urn:microsoft.com/office/officeart/2008/layout/LinedList"/>
-    <dgm:cxn modelId="{CB86A0EC-EE16-4540-996E-3C5C43BB7B51}" type="presParOf" srcId="{D4C85C15-8886-428A-A285-B627ED4A399A}" destId="{AB9B5F45-E666-416F-BD9E-4F28D70B8C2B}" srcOrd="5" destOrd="0" presId="urn:microsoft.com/office/officeart/2008/layout/LinedList"/>
-    <dgm:cxn modelId="{C9EBCA98-688F-41AB-B7EB-888B6E2775EE}" type="presParOf" srcId="{D4C85C15-8886-428A-A285-B627ED4A399A}" destId="{6FA66FE9-E7D4-4D04-ACB9-48B5EC0CB934}" srcOrd="6" destOrd="0" presId="urn:microsoft.com/office/officeart/2008/layout/LinedList"/>
-    <dgm:cxn modelId="{D38F1AC7-0255-4DDD-B071-4CE46CA136A4}" type="presParOf" srcId="{D4C85C15-8886-428A-A285-B627ED4A399A}" destId="{1140C8AD-6292-4DC0-BC2D-036D4CDE0EE2}" srcOrd="7" destOrd="0" presId="urn:microsoft.com/office/officeart/2008/layout/LinedList"/>
-    <dgm:cxn modelId="{7C6417D8-2E4E-4123-BFEB-A8186638A58B}" type="presParOf" srcId="{1140C8AD-6292-4DC0-BC2D-036D4CDE0EE2}" destId="{71A33887-615C-4156-8022-3FF00EE74621}" srcOrd="0" destOrd="0" presId="urn:microsoft.com/office/officeart/2008/layout/LinedList"/>
-    <dgm:cxn modelId="{C7651F13-E788-467B-A39A-92A3B845FB5C}" type="presParOf" srcId="{1140C8AD-6292-4DC0-BC2D-036D4CDE0EE2}" destId="{2D309A9E-08CD-4F59-A85C-6399A2778EF4}" srcOrd="1" destOrd="0" presId="urn:microsoft.com/office/officeart/2008/layout/LinedList"/>
-    <dgm:cxn modelId="{0ACF3B80-4DA0-45C1-AAF0-7BB273485BC6}" type="presParOf" srcId="{1140C8AD-6292-4DC0-BC2D-036D4CDE0EE2}" destId="{F80D045E-4980-462B-9A68-B9CE6E79DBAD}" srcOrd="2" destOrd="0" presId="urn:microsoft.com/office/officeart/2008/layout/LinedList"/>
-    <dgm:cxn modelId="{1C20EDAE-0107-4068-B50B-995C8EC81467}" type="presParOf" srcId="{D4C85C15-8886-428A-A285-B627ED4A399A}" destId="{2114FC93-5E4E-45A8-8A18-6F1F974D5582}" srcOrd="8" destOrd="0" presId="urn:microsoft.com/office/officeart/2008/layout/LinedList"/>
-    <dgm:cxn modelId="{F09C3A57-A890-4A9F-8E01-3E27B881770B}" type="presParOf" srcId="{D4C85C15-8886-428A-A285-B627ED4A399A}" destId="{E1C4A552-5439-4F4A-8045-A914CBAE2F29}" srcOrd="9" destOrd="0" presId="urn:microsoft.com/office/officeart/2008/layout/LinedList"/>
-  </dgm:cxnLst>
-  <dgm:bg/>
-  <dgm:whole/>
-  <dgm:extLst>
-    <a:ext uri="http://schemas.microsoft.com/office/drawing/2008/diagram">
-      <dsp:dataModelExt xmlns:dsp="http://schemas.microsoft.com/office/drawing/2008/diagram" relId="rId7" minVer="http://schemas.openxmlformats.org/drawingml/2006/diagram"/>
-    </a:ext>
-  </dgm:extLst>
-</dgm:dataModel>
-</file>
-
-<file path=ppt/diagrams/drawing1.xml><?xml version="1.0" encoding="utf-8"?>
-<dsp:drawing xmlns:dgm="http://schemas.openxmlformats.org/drawingml/2006/diagram" xmlns:dsp="http://schemas.microsoft.com/office/drawing/2008/diagram" xmlns:a="http://schemas.openxmlformats.org/drawingml/2006/main">
-  <dsp:spTree>
-    <dsp:nvGrpSpPr>
-      <dsp:cNvPr id="0" name=""/>
-      <dsp:cNvGrpSpPr/>
-    </dsp:nvGrpSpPr>
-    <dsp:grpSpPr/>
-    <dsp:sp modelId="{AF35626A-E8A6-43E1-BB8B-0A6CECAEDE45}">
-      <dsp:nvSpPr>
-        <dsp:cNvPr id="0" name=""/>
-        <dsp:cNvSpPr/>
-      </dsp:nvSpPr>
-      <dsp:spPr>
-        <a:xfrm>
-          <a:off x="0" y="0"/>
-          <a:ext cx="9067800" cy="0"/>
-        </a:xfrm>
-        <a:prstGeom prst="line">
-          <a:avLst/>
-        </a:prstGeom>
-        <a:solidFill>
-          <a:schemeClr val="accent1">
-            <a:hueOff val="0"/>
-            <a:satOff val="0"/>
-            <a:lumOff val="0"/>
-            <a:alphaOff val="0"/>
-          </a:schemeClr>
-        </a:solidFill>
-        <a:ln w="25400" cap="flat" cmpd="sng" algn="ctr">
-          <a:solidFill>
-            <a:schemeClr val="accent1">
-              <a:hueOff val="0"/>
-              <a:satOff val="0"/>
-              <a:lumOff val="0"/>
-              <a:alphaOff val="0"/>
-            </a:schemeClr>
-          </a:solidFill>
-          <a:prstDash val="solid"/>
-        </a:ln>
-        <a:effectLst/>
-      </dsp:spPr>
-      <dsp:style>
-        <a:lnRef idx="2">
-          <a:scrgbClr r="0" g="0" b="0"/>
-        </a:lnRef>
-        <a:fillRef idx="1">
-          <a:scrgbClr r="0" g="0" b="0"/>
-        </a:fillRef>
-        <a:effectRef idx="0">
-          <a:scrgbClr r="0" g="0" b="0"/>
-        </a:effectRef>
-        <a:fontRef idx="minor">
-          <a:schemeClr val="lt1"/>
-        </a:fontRef>
-      </dsp:style>
-    </dsp:sp>
-    <dsp:sp modelId="{F9001BFB-65F4-45BB-88F2-C3A6A75824BD}">
-      <dsp:nvSpPr>
-        <dsp:cNvPr id="0" name=""/>
-        <dsp:cNvSpPr/>
-      </dsp:nvSpPr>
-      <dsp:spPr>
-        <a:xfrm>
-          <a:off x="0" y="0"/>
-          <a:ext cx="1813560" cy="4191000"/>
-        </a:xfrm>
-        <a:prstGeom prst="rect">
-          <a:avLst/>
-        </a:prstGeom>
-        <a:noFill/>
-        <a:ln>
-          <a:noFill/>
-        </a:ln>
-        <a:effectLst/>
-      </dsp:spPr>
-      <dsp:style>
-        <a:lnRef idx="0">
-          <a:scrgbClr r="0" g="0" b="0"/>
-        </a:lnRef>
-        <a:fillRef idx="0">
-          <a:scrgbClr r="0" g="0" b="0"/>
-        </a:fillRef>
-        <a:effectRef idx="0">
-          <a:scrgbClr r="0" g="0" b="0"/>
-        </a:effectRef>
-        <a:fontRef idx="minor"/>
-      </dsp:style>
-      <dsp:txBody>
-        <a:bodyPr spcFirstLastPara="0" vert="horz" wrap="square" lIns="91440" tIns="91440" rIns="91440" bIns="91440" numCol="1" spcCol="1270" anchor="t" anchorCtr="0">
-          <a:noAutofit/>
-        </a:bodyPr>
-        <a:lstStyle/>
-        <a:p>
-          <a:pPr lvl="0" algn="l" defTabSz="1066800">
-            <a:lnSpc>
-              <a:spcPct val="90000"/>
-            </a:lnSpc>
-            <a:spcBef>
-              <a:spcPct val="0"/>
-            </a:spcBef>
-            <a:spcAft>
-              <a:spcPct val="35000"/>
-            </a:spcAft>
-          </a:pPr>
-          <a:r>
-            <a:rPr lang="en-US" sz="2400" u="sng" kern="1200" dirty="0" smtClean="0"/>
-            <a:t>Technologies Currently </a:t>
-          </a:r>
-          <a:r>
-            <a:rPr lang="en-US" sz="2400" u="sng" kern="1200" dirty="0" smtClean="0"/>
-            <a:t>Used</a:t>
-          </a:r>
-          <a:endParaRPr lang="en-US" sz="2400" u="sng" kern="1200" dirty="0"/>
-        </a:p>
-      </dsp:txBody>
-      <dsp:txXfrm>
-        <a:off x="0" y="0"/>
-        <a:ext cx="1813560" cy="4191000"/>
-      </dsp:txXfrm>
-    </dsp:sp>
-    <dsp:sp modelId="{01E41227-73FD-40E9-B136-BDE8A5B00073}">
-      <dsp:nvSpPr>
-        <dsp:cNvPr id="0" name=""/>
-        <dsp:cNvSpPr/>
-      </dsp:nvSpPr>
-      <dsp:spPr>
-        <a:xfrm>
-          <a:off x="1949576" y="65484"/>
-          <a:ext cx="7118223" cy="1309687"/>
-        </a:xfrm>
-        <a:prstGeom prst="rect">
-          <a:avLst/>
-        </a:prstGeom>
-        <a:gradFill rotWithShape="1">
-          <a:gsLst>
-            <a:gs pos="0">
-              <a:schemeClr val="accent1">
-                <a:tint val="50000"/>
-                <a:satMod val="300000"/>
-              </a:schemeClr>
-            </a:gs>
-            <a:gs pos="35000">
-              <a:schemeClr val="accent1">
-                <a:tint val="37000"/>
-                <a:satMod val="300000"/>
-              </a:schemeClr>
-            </a:gs>
-            <a:gs pos="100000">
-              <a:schemeClr val="accent1">
-                <a:tint val="15000"/>
-                <a:satMod val="350000"/>
-              </a:schemeClr>
-            </a:gs>
-          </a:gsLst>
-          <a:lin ang="16200000" scaled="1"/>
-        </a:gradFill>
-        <a:ln w="9525" cap="flat" cmpd="sng" algn="ctr">
-          <a:solidFill>
-            <a:schemeClr val="accent1">
-              <a:shade val="95000"/>
-              <a:satMod val="105000"/>
-            </a:schemeClr>
-          </a:solidFill>
-          <a:prstDash val="solid"/>
-        </a:ln>
-        <a:effectLst>
-          <a:outerShdw blurRad="40000" dist="20000" dir="5400000" rotWithShape="0">
-            <a:srgbClr val="000000">
-              <a:alpha val="38000"/>
-            </a:srgbClr>
-          </a:outerShdw>
-        </a:effectLst>
-      </dsp:spPr>
-      <dsp:style>
-        <a:lnRef idx="1">
-          <a:schemeClr val="accent1"/>
-        </a:lnRef>
-        <a:fillRef idx="2">
-          <a:schemeClr val="accent1"/>
-        </a:fillRef>
-        <a:effectRef idx="1">
-          <a:schemeClr val="accent1"/>
-        </a:effectRef>
-        <a:fontRef idx="minor">
-          <a:schemeClr val="dk1"/>
-        </a:fontRef>
-      </dsp:style>
-      <dsp:txBody>
-        <a:bodyPr spcFirstLastPara="0" vert="horz" wrap="square" lIns="72390" tIns="72390" rIns="72390" bIns="72390" numCol="1" spcCol="1270" anchor="t" anchorCtr="0">
-          <a:noAutofit/>
-        </a:bodyPr>
-        <a:lstStyle/>
-        <a:p>
-          <a:pPr lvl="0" algn="l" defTabSz="844550">
-            <a:lnSpc>
-              <a:spcPct val="90000"/>
-            </a:lnSpc>
-            <a:spcBef>
-              <a:spcPct val="0"/>
-            </a:spcBef>
-            <a:spcAft>
-              <a:spcPct val="35000"/>
-            </a:spcAft>
-          </a:pPr>
-          <a:r>
-            <a:rPr lang="en-US" sz="1900" kern="1200" dirty="0" smtClean="0"/>
-            <a:t>HTML 5:</a:t>
-          </a:r>
-        </a:p>
-        <a:p>
-          <a:pPr lvl="0" algn="l" defTabSz="844550">
-            <a:lnSpc>
-              <a:spcPct val="90000"/>
-            </a:lnSpc>
-            <a:spcBef>
-              <a:spcPct val="0"/>
-            </a:spcBef>
-            <a:spcAft>
-              <a:spcPct val="35000"/>
-            </a:spcAft>
-          </a:pPr>
-          <a:r>
-            <a:rPr lang="en-US" sz="1900" kern="1200" dirty="0" smtClean="0"/>
-            <a:t>	</a:t>
-          </a:r>
-          <a:r>
-            <a:rPr lang="en-US" sz="1900" b="0" i="0" kern="1200" dirty="0" smtClean="0"/>
-            <a:t>HTML5 is becoming a new standard, thus removes dead end 	technologies from the project.</a:t>
-          </a:r>
-          <a:endParaRPr lang="en-US" sz="1900" kern="1200" dirty="0"/>
-        </a:p>
-      </dsp:txBody>
-      <dsp:txXfrm>
-        <a:off x="1949576" y="65484"/>
-        <a:ext cx="7118223" cy="1309687"/>
-      </dsp:txXfrm>
-    </dsp:sp>
-    <dsp:sp modelId="{5E0208CC-E89A-4FA8-9EEE-3C2CA58815E7}">
-      <dsp:nvSpPr>
-        <dsp:cNvPr id="0" name=""/>
-        <dsp:cNvSpPr/>
-      </dsp:nvSpPr>
-      <dsp:spPr>
-        <a:xfrm>
-          <a:off x="1813559" y="1375171"/>
-          <a:ext cx="7254240" cy="0"/>
-        </a:xfrm>
-        <a:prstGeom prst="line">
-          <a:avLst/>
-        </a:prstGeom>
-        <a:solidFill>
-          <a:schemeClr val="accent1">
-            <a:hueOff val="0"/>
-            <a:satOff val="0"/>
-            <a:lumOff val="0"/>
-            <a:alphaOff val="0"/>
-          </a:schemeClr>
-        </a:solidFill>
-        <a:ln w="25400" cap="flat" cmpd="sng" algn="ctr">
-          <a:solidFill>
-            <a:schemeClr val="accent1">
-              <a:tint val="50000"/>
-              <a:hueOff val="0"/>
-              <a:satOff val="0"/>
-              <a:lumOff val="0"/>
-              <a:alphaOff val="0"/>
-            </a:schemeClr>
-          </a:solidFill>
-          <a:prstDash val="solid"/>
-        </a:ln>
-        <a:effectLst/>
-      </dsp:spPr>
-      <dsp:style>
-        <a:lnRef idx="2">
-          <a:scrgbClr r="0" g="0" b="0"/>
-        </a:lnRef>
-        <a:fillRef idx="1">
-          <a:scrgbClr r="0" g="0" b="0"/>
-        </a:fillRef>
-        <a:effectRef idx="0">
-          <a:scrgbClr r="0" g="0" b="0"/>
-        </a:effectRef>
-        <a:fontRef idx="minor"/>
-      </dsp:style>
-    </dsp:sp>
-    <dsp:sp modelId="{927D4A44-A953-41E9-AE36-E0FE08356D3D}">
-      <dsp:nvSpPr>
-        <dsp:cNvPr id="0" name=""/>
-        <dsp:cNvSpPr/>
-      </dsp:nvSpPr>
-      <dsp:spPr>
-        <a:xfrm>
-          <a:off x="1949576" y="1440656"/>
-          <a:ext cx="7118223" cy="1309687"/>
-        </a:xfrm>
-        <a:prstGeom prst="rect">
-          <a:avLst/>
-        </a:prstGeom>
-        <a:gradFill rotWithShape="1">
-          <a:gsLst>
-            <a:gs pos="0">
-              <a:schemeClr val="dk1">
-                <a:tint val="50000"/>
-                <a:satMod val="300000"/>
-              </a:schemeClr>
-            </a:gs>
-            <a:gs pos="35000">
-              <a:schemeClr val="dk1">
-                <a:tint val="37000"/>
-                <a:satMod val="300000"/>
-              </a:schemeClr>
-            </a:gs>
-            <a:gs pos="100000">
-              <a:schemeClr val="dk1">
-                <a:tint val="15000"/>
-                <a:satMod val="350000"/>
-              </a:schemeClr>
-            </a:gs>
-          </a:gsLst>
-          <a:lin ang="16200000" scaled="1"/>
-        </a:gradFill>
-        <a:ln w="9525" cap="flat" cmpd="sng" algn="ctr">
-          <a:solidFill>
-            <a:schemeClr val="dk1">
-              <a:shade val="95000"/>
-              <a:satMod val="105000"/>
-            </a:schemeClr>
-          </a:solidFill>
-          <a:prstDash val="solid"/>
-        </a:ln>
-        <a:effectLst>
-          <a:outerShdw blurRad="40000" dist="20000" dir="5400000" rotWithShape="0">
-            <a:srgbClr val="000000">
-              <a:alpha val="38000"/>
-            </a:srgbClr>
-          </a:outerShdw>
-        </a:effectLst>
-      </dsp:spPr>
-      <dsp:style>
-        <a:lnRef idx="1">
-          <a:schemeClr val="dk1"/>
-        </a:lnRef>
-        <a:fillRef idx="2">
-          <a:schemeClr val="dk1"/>
-        </a:fillRef>
-        <a:effectRef idx="1">
-          <a:schemeClr val="dk1"/>
-        </a:effectRef>
-        <a:fontRef idx="minor">
-          <a:schemeClr val="dk1"/>
-        </a:fontRef>
-      </dsp:style>
-      <dsp:txBody>
-        <a:bodyPr spcFirstLastPara="0" vert="horz" wrap="square" lIns="72390" tIns="72390" rIns="72390" bIns="72390" numCol="1" spcCol="1270" anchor="t" anchorCtr="0">
-          <a:noAutofit/>
-        </a:bodyPr>
-        <a:lstStyle/>
-        <a:p>
-          <a:pPr lvl="0" algn="l" defTabSz="844550">
-            <a:lnSpc>
-              <a:spcPct val="90000"/>
-            </a:lnSpc>
-            <a:spcBef>
-              <a:spcPct val="0"/>
-            </a:spcBef>
-            <a:spcAft>
-              <a:spcPct val="35000"/>
-            </a:spcAft>
-          </a:pPr>
-          <a:r>
-            <a:rPr lang="en-US" sz="1900" kern="1200" dirty="0" smtClean="0"/>
-            <a:t>CSS 3 (Twitter Bootstrap):</a:t>
-          </a:r>
-        </a:p>
-        <a:p>
-          <a:pPr lvl="0" algn="l" defTabSz="844550">
-            <a:lnSpc>
-              <a:spcPct val="90000"/>
-            </a:lnSpc>
-            <a:spcBef>
-              <a:spcPct val="0"/>
-            </a:spcBef>
-            <a:spcAft>
-              <a:spcPct val="35000"/>
-            </a:spcAft>
-          </a:pPr>
-          <a:r>
-            <a:rPr lang="en-US" sz="1900" kern="1200" dirty="0" smtClean="0"/>
-            <a:t>	Makes the pages responsive so that it is compatible with more 	screen sizes</a:t>
-          </a:r>
-          <a:endParaRPr lang="en-US" sz="1900" kern="1200" dirty="0"/>
-        </a:p>
-      </dsp:txBody>
-      <dsp:txXfrm>
-        <a:off x="1949576" y="1440656"/>
-        <a:ext cx="7118223" cy="1309687"/>
-      </dsp:txXfrm>
-    </dsp:sp>
-    <dsp:sp modelId="{AB9B5F45-E666-416F-BD9E-4F28D70B8C2B}">
-      <dsp:nvSpPr>
-        <dsp:cNvPr id="0" name=""/>
-        <dsp:cNvSpPr/>
-      </dsp:nvSpPr>
-      <dsp:spPr>
-        <a:xfrm>
-          <a:off x="1813559" y="2750343"/>
-          <a:ext cx="7254240" cy="0"/>
-        </a:xfrm>
-        <a:prstGeom prst="line">
-          <a:avLst/>
-        </a:prstGeom>
-        <a:solidFill>
-          <a:schemeClr val="accent1">
-            <a:hueOff val="0"/>
-            <a:satOff val="0"/>
-            <a:lumOff val="0"/>
-            <a:alphaOff val="0"/>
-          </a:schemeClr>
-        </a:solidFill>
-        <a:ln w="25400" cap="flat" cmpd="sng" algn="ctr">
-          <a:solidFill>
-            <a:schemeClr val="accent1">
-              <a:tint val="50000"/>
-              <a:hueOff val="0"/>
-              <a:satOff val="0"/>
-              <a:lumOff val="0"/>
-              <a:alphaOff val="0"/>
-            </a:schemeClr>
-          </a:solidFill>
-          <a:prstDash val="solid"/>
-        </a:ln>
-        <a:effectLst/>
-      </dsp:spPr>
-      <dsp:style>
-        <a:lnRef idx="2">
-          <a:scrgbClr r="0" g="0" b="0"/>
-        </a:lnRef>
-        <a:fillRef idx="1">
-          <a:scrgbClr r="0" g="0" b="0"/>
-        </a:fillRef>
-        <a:effectRef idx="0">
-          <a:scrgbClr r="0" g="0" b="0"/>
-        </a:effectRef>
-        <a:fontRef idx="minor"/>
-      </dsp:style>
-    </dsp:sp>
-    <dsp:sp modelId="{2D309A9E-08CD-4F59-A85C-6399A2778EF4}">
-      <dsp:nvSpPr>
-        <dsp:cNvPr id="0" name=""/>
-        <dsp:cNvSpPr/>
-      </dsp:nvSpPr>
-      <dsp:spPr>
-        <a:xfrm>
-          <a:off x="1949576" y="2815828"/>
-          <a:ext cx="7118223" cy="1309687"/>
-        </a:xfrm>
-        <a:prstGeom prst="rect">
-          <a:avLst/>
-        </a:prstGeom>
-        <a:gradFill rotWithShape="1">
-          <a:gsLst>
-            <a:gs pos="0">
-              <a:schemeClr val="accent2">
-                <a:tint val="50000"/>
-                <a:satMod val="300000"/>
-              </a:schemeClr>
-            </a:gs>
-            <a:gs pos="35000">
-              <a:schemeClr val="accent2">
-                <a:tint val="37000"/>
-                <a:satMod val="300000"/>
-              </a:schemeClr>
-            </a:gs>
-            <a:gs pos="100000">
-              <a:schemeClr val="accent2">
-                <a:tint val="15000"/>
-                <a:satMod val="350000"/>
-              </a:schemeClr>
-            </a:gs>
-          </a:gsLst>
-          <a:lin ang="16200000" scaled="1"/>
-        </a:gradFill>
-        <a:ln w="9525" cap="flat" cmpd="sng" algn="ctr">
-          <a:solidFill>
-            <a:schemeClr val="accent2">
-              <a:shade val="95000"/>
-              <a:satMod val="105000"/>
-            </a:schemeClr>
-          </a:solidFill>
-          <a:prstDash val="solid"/>
-        </a:ln>
-        <a:effectLst>
-          <a:outerShdw blurRad="40000" dist="20000" dir="5400000" rotWithShape="0">
-            <a:srgbClr val="000000">
-              <a:alpha val="38000"/>
-            </a:srgbClr>
-          </a:outerShdw>
-        </a:effectLst>
-      </dsp:spPr>
-      <dsp:style>
-        <a:lnRef idx="1">
-          <a:schemeClr val="accent2"/>
-        </a:lnRef>
-        <a:fillRef idx="2">
-          <a:schemeClr val="accent2"/>
-        </a:fillRef>
-        <a:effectRef idx="1">
-          <a:schemeClr val="accent2"/>
-        </a:effectRef>
-        <a:fontRef idx="minor">
-          <a:schemeClr val="dk1"/>
-        </a:fontRef>
-      </dsp:style>
-      <dsp:txBody>
-        <a:bodyPr spcFirstLastPara="0" vert="horz" wrap="square" lIns="72390" tIns="72390" rIns="72390" bIns="72390" numCol="1" spcCol="1270" anchor="t" anchorCtr="0">
-          <a:noAutofit/>
-        </a:bodyPr>
-        <a:lstStyle/>
-        <a:p>
-          <a:pPr lvl="0" algn="l" defTabSz="844550">
-            <a:lnSpc>
-              <a:spcPct val="90000"/>
-            </a:lnSpc>
-            <a:spcBef>
-              <a:spcPct val="0"/>
-            </a:spcBef>
-            <a:spcAft>
-              <a:spcPct val="35000"/>
-            </a:spcAft>
-          </a:pPr>
-          <a:r>
-            <a:rPr lang="en-US" sz="1900" kern="1200" dirty="0" err="1" smtClean="0"/>
-            <a:t>AngularJS</a:t>
-          </a:r>
-          <a:r>
-            <a:rPr lang="en-US" sz="1900" kern="1200" dirty="0" smtClean="0"/>
-            <a:t>:</a:t>
-          </a:r>
-          <a:endParaRPr lang="en-US" sz="1900" kern="1200" dirty="0" smtClean="0"/>
-        </a:p>
-        <a:p>
-          <a:pPr lvl="0" algn="l" defTabSz="844550">
-            <a:lnSpc>
-              <a:spcPct val="90000"/>
-            </a:lnSpc>
-            <a:spcBef>
-              <a:spcPct val="0"/>
-            </a:spcBef>
-            <a:spcAft>
-              <a:spcPct val="35000"/>
-            </a:spcAft>
-          </a:pPr>
-          <a:r>
-            <a:rPr lang="en-US" sz="1900" kern="1200" dirty="0" smtClean="0"/>
-            <a:t>	Declarative approach to the UI makes the project more 	readable. Two way binding feature can be utilized if the page 	should be made editable </a:t>
-          </a:r>
-          <a:endParaRPr lang="en-US" sz="1900" kern="1200" dirty="0"/>
-        </a:p>
-      </dsp:txBody>
-      <dsp:txXfrm>
-        <a:off x="1949576" y="2815828"/>
-        <a:ext cx="7118223" cy="1309687"/>
-      </dsp:txXfrm>
-    </dsp:sp>
-    <dsp:sp modelId="{2114FC93-5E4E-45A8-8A18-6F1F974D5582}">
-      <dsp:nvSpPr>
-        <dsp:cNvPr id="0" name=""/>
-        <dsp:cNvSpPr/>
-      </dsp:nvSpPr>
-      <dsp:spPr>
-        <a:xfrm>
-          <a:off x="1813559" y="4125515"/>
-          <a:ext cx="7254240" cy="0"/>
-        </a:xfrm>
-        <a:prstGeom prst="line">
-          <a:avLst/>
-        </a:prstGeom>
-        <a:solidFill>
-          <a:schemeClr val="accent1">
-            <a:hueOff val="0"/>
-            <a:satOff val="0"/>
-            <a:lumOff val="0"/>
-            <a:alphaOff val="0"/>
-          </a:schemeClr>
-        </a:solidFill>
-        <a:ln w="25400" cap="flat" cmpd="sng" algn="ctr">
-          <a:solidFill>
-            <a:schemeClr val="accent1">
-              <a:tint val="50000"/>
-              <a:hueOff val="0"/>
-              <a:satOff val="0"/>
-              <a:lumOff val="0"/>
-              <a:alphaOff val="0"/>
-            </a:schemeClr>
-          </a:solidFill>
-          <a:prstDash val="solid"/>
-        </a:ln>
-        <a:effectLst/>
-      </dsp:spPr>
-      <dsp:style>
-        <a:lnRef idx="2">
-          <a:scrgbClr r="0" g="0" b="0"/>
-        </a:lnRef>
-        <a:fillRef idx="1">
-          <a:scrgbClr r="0" g="0" b="0"/>
-        </a:fillRef>
-        <a:effectRef idx="0">
-          <a:scrgbClr r="0" g="0" b="0"/>
-        </a:effectRef>
-        <a:fontRef idx="minor"/>
-      </dsp:style>
-    </dsp:sp>
-  </dsp:spTree>
-</dsp:drawing>
-</file>
-
-<file path=ppt/diagrams/layout1.xml><?xml version="1.0" encoding="utf-8"?>
-<dgm:layoutDef xmlns:dgm="http://schemas.openxmlformats.org/drawingml/2006/diagram" xmlns:a="http://schemas.openxmlformats.org/drawingml/2006/main" uniqueId="urn:microsoft.com/office/officeart/2008/layout/LinedList">
-  <dgm:title val=""/>
-  <dgm:desc val=""/>
-  <dgm:catLst>
-    <dgm:cat type="hierarchy" pri="8000"/>
-    <dgm:cat type="list" pri="2500"/>
-  </dgm:catLst>
-  <dgm:sampData>
-    <dgm:dataModel>
-      <dgm:ptLst>
-        <dgm:pt modelId="0" type="doc"/>
-        <dgm:pt modelId="1">
-          <dgm:prSet phldr="1"/>
-        </dgm:pt>
-        <dgm:pt modelId="11">
-          <dgm:prSet phldr="1"/>
-        </dgm:pt>
-        <dgm:pt modelId="12">
-          <dgm:prSet phldr="1"/>
-        </dgm:pt>
-        <dgm:pt modelId="13">
-          <dgm:prSet phldr="1"/>
-        </dgm:pt>
-      </dgm:ptLst>
-      <dgm:cxnLst>
-        <dgm:cxn modelId="2" srcId="0" destId="1" srcOrd="0" destOrd="0"/>
-        <dgm:cxn modelId="3" srcId="1" destId="11" srcOrd="0" destOrd="0"/>
-        <dgm:cxn modelId="4" srcId="1" destId="12" srcOrd="1" destOrd="0"/>
-        <dgm:cxn modelId="5" srcId="1" destId="13" srcOrd="2" destOrd="0"/>
-      </dgm:cxnLst>
-      <dgm:bg/>
-      <dgm:whole/>
-    </dgm:dataModel>
-  </dgm:sampData>
-  <dgm:styleData>
-    <dgm:dataModel>
-      <dgm:ptLst>
-        <dgm:pt modelId="0" type="doc"/>
-        <dgm:pt modelId="1">
-          <dgm:prSet phldr="1"/>
-        </dgm:pt>
-        <dgm:pt modelId="11">
-          <dgm:prSet phldr="1"/>
-        </dgm:pt>
-        <dgm:pt modelId="12">
-          <dgm:prSet phldr="1"/>
-        </dgm:pt>
-      </dgm:ptLst>
-      <dgm:cxnLst>
-        <dgm:cxn modelId="2" srcId="0" destId="1" srcOrd="0" destOrd="0"/>
-        <dgm:cxn modelId="3" srcId="1" destId="11" srcOrd="0" destOrd="0"/>
-        <dgm:cxn modelId="4" srcId="1" destId="12" srcOrd="1" destOrd="0"/>
-      </dgm:cxnLst>
-      <dgm:bg/>
-      <dgm:whole/>
-    </dgm:dataModel>
-  </dgm:styleData>
-  <dgm:clrData>
-    <dgm:dataModel>
-      <dgm:ptLst>
-        <dgm:pt modelId="0" type="doc"/>
-        <dgm:pt modelId="1">
-          <dgm:prSet phldr="1"/>
-        </dgm:pt>
-        <dgm:pt modelId="11">
-          <dgm:prSet phldr="1"/>
-        </dgm:pt>
-        <dgm:pt modelId="12">
-          <dgm:prSet phldr="1"/>
-        </dgm:pt>
-      </dgm:ptLst>
-      <dgm:cxnLst>
-        <dgm:cxn modelId="2" srcId="0" destId="1" srcOrd="0" destOrd="0"/>
-        <dgm:cxn modelId="3" srcId="1" destId="11" srcOrd="0" destOrd="0"/>
-        <dgm:cxn modelId="4" srcId="1" destId="12" srcOrd="1" destOrd="0"/>
-      </dgm:cxnLst>
-      <dgm:bg/>
-      <dgm:whole/>
-    </dgm:dataModel>
-  </dgm:clrData>
-  <dgm:layoutNode name="vert0">
-    <dgm:varLst>
-      <dgm:dir/>
-      <dgm:animOne val="branch"/>
-      <dgm:animLvl val="lvl"/>
-    </dgm:varLst>
-    <dgm:choose name="Name0">
-      <dgm:if name="Name1" func="var" arg="dir" op="equ" val="norm">
-        <dgm:alg type="lin">
-          <dgm:param type="linDir" val="fromT"/>
-          <dgm:param type="nodeHorzAlign" val="l"/>
-        </dgm:alg>
-      </dgm:if>
-      <dgm:else name="Name2">
-        <dgm:alg type="lin">
-          <dgm:param type="linDir" val="fromT"/>
-          <dgm:param type="nodeHorzAlign" val="r"/>
-        </dgm:alg>
-      </dgm:else>
-    </dgm:choose>
-    <dgm:shape xmlns:r="http://schemas.openxmlformats.org/officeDocument/2006/relationships" r:blip="">
-      <dgm:adjLst/>
-    </dgm:shape>
-    <dgm:presOf/>
-    <dgm:constrLst>
-      <dgm:constr type="w" for="ch" forName="horz1" refType="w"/>
-      <dgm:constr type="h" for="ch" forName="horz1" refType="h"/>
-      <dgm:constr type="h" for="des" forName="vert1" refType="h"/>
-      <dgm:constr type="h" for="des" forName="tx1" refType="h"/>
-      <dgm:constr type="h" for="des" forName="horz2" refType="h"/>
-      <dgm:constr type="h" for="des" forName="vert2" refType="h"/>
-      <dgm:constr type="h" for="des" forName="horz3" refType="h"/>
-      <dgm:constr type="h" for="des" forName="vert3" refType="h"/>
-      <dgm:constr type="h" for="des" forName="horz4" refType="h"/>
-      <dgm:constr type="h" for="des" ptType="node" refType="h"/>
-      <dgm:constr type="primFontSz" for="des" forName="tx1" op="equ" val="65"/>
-      <dgm:constr type="primFontSz" for="des" forName="tx2" op="equ" val="65"/>
-      <dgm:constr type="primFontSz" for="des" forName="tx3" op="equ" val="65"/>
-      <dgm:constr type="primFontSz" for="des" forName="tx4" op="equ" val="65"/>
-      <dgm:constr type="w" for="des" forName="thickLine" refType="w"/>
-      <dgm:constr type="h" for="des" forName="thickLine"/>
-      <dgm:constr type="h" for="des" forName="thinLine1"/>
-      <dgm:constr type="h" for="des" forName="thinLine2b"/>
-      <dgm:constr type="h" for="des" forName="thinLine3"/>
-      <dgm:constr type="h" for="des" forName="vertSpace2a" refType="h" fact="0.05"/>
-      <dgm:constr type="h" for="des" forName="vertSpace2b" refType="h" refFor="des" refForName="vertSpace2a"/>
-    </dgm:constrLst>
-    <dgm:forEach name="Name3" axis="ch" ptType="node">
-      <dgm:layoutNode name="thickLine" styleLbl="alignNode1">
-        <dgm:alg type="sp"/>
-        <dgm:shape xmlns:r="http://schemas.openxmlformats.org/officeDocument/2006/relationships" type="line" r:blip="">
-          <dgm:adjLst/>
-        </dgm:shape>
-        <dgm:presOf/>
-      </dgm:layoutNode>
-      <dgm:layoutNode name="horz1">
-        <dgm:choose name="Name4">
-          <dgm:if name="Name5" func="var" arg="dir" op="equ" val="norm">
-            <dgm:alg type="lin">
-              <dgm:param type="linDir" val="fromL"/>
-              <dgm:param type="nodeVertAlign" val="t"/>
-            </dgm:alg>
-          </dgm:if>
-          <dgm:else name="Name6">
-            <dgm:alg type="lin">
-              <dgm:param type="linDir" val="fromR"/>
-              <dgm:param type="nodeVertAlign" val="t"/>
-            </dgm:alg>
-          </dgm:else>
-        </dgm:choose>
-        <dgm:shape xmlns:r="http://schemas.openxmlformats.org/officeDocument/2006/relationships" r:blip="">
-          <dgm:adjLst/>
-        </dgm:shape>
-        <dgm:presOf/>
-        <dgm:choose name="Name7">
-          <dgm:if name="Name8" axis="root des" func="maxDepth" op="equ" val="1">
-            <dgm:constrLst>
-              <dgm:constr type="w" for="ch" forName="tx1" refType="w"/>
-            </dgm:constrLst>
-          </dgm:if>
-          <dgm:if name="Name9" axis="root des" func="maxDepth" op="equ" val="2">
-            <dgm:constrLst>
-              <dgm:constr type="w" for="ch" forName="tx1" refType="w" fact="0.2"/>
-              <dgm:constr type="w" for="des" forName="tx2" refType="w" fact="0.785"/>
-              <dgm:constr type="w" for="des" forName="horzSpace2" refType="w" fact="0.015"/>
-              <dgm:constr type="w" for="des" forName="thinLine2b" refType="w" fact="0.8"/>
-            </dgm:constrLst>
-          </dgm:if>
-          <dgm:if name="Name10" axis="root des" func="maxDepth" op="equ" val="3">
-            <dgm:constrLst>
-              <dgm:constr type="w" for="ch" forName="tx1" refType="w" fact="0.2"/>
-              <dgm:constr type="w" for="des" forName="tx2" refType="w" fact="0.385"/>
-              <dgm:constr type="w" for="des" forName="tx3" refType="w" fact="0.385"/>
-              <dgm:constr type="w" for="des" forName="horzSpace2" refType="w" fact="0.015"/>
-              <dgm:constr type="w" for="des" forName="horzSpace3" refType="w" fact="0.015"/>
-              <dgm:constr type="w" for="des" forName="thinLine2b" refType="w" fact="0.8"/>
-              <dgm:constr type="w" for="des" forName="thinLine3" refType="w" fact="0.385"/>
-            </dgm:constrLst>
-          </dgm:if>
-          <dgm:if name="Name11" axis="root des" func="maxDepth" op="gte" val="4">
-            <dgm:constrLst>
-              <dgm:constr type="w" for="ch" forName="tx1" refType="w" fact="0.2"/>
-              <dgm:constr type="w" for="des" forName="tx2" refType="w" fact="0.2516"/>
-              <dgm:constr type="w" for="des" forName="tx3" refType="w" fact="0.2516"/>
-              <dgm:constr type="w" for="des" forName="tx4" refType="w" fact="0.2516"/>
-              <dgm:constr type="w" for="des" forName="horzSpace2" refType="w" fact="0.015"/>
-              <dgm:constr type="w" for="des" forName="horzSpace3" refType="w" fact="0.015"/>
-              <dgm:constr type="w" for="des" forName="horzSpace4" refType="w" fact="0.015"/>
-              <dgm:constr type="w" for="des" forName="thinLine2b" refType="w" fact="0.8"/>
-              <dgm:constr type="w" for="des" forName="thinLine3" refType="w" fact="0.5332"/>
-            </dgm:constrLst>
-          </dgm:if>
-          <dgm:else name="Name12"/>
-        </dgm:choose>
-        <dgm:layoutNode name="tx1" styleLbl="revTx">
-          <dgm:alg type="tx">
-            <dgm:param type="parTxLTRAlign" val="l"/>
-            <dgm:param type="parTxRTLAlign" val="r"/>
-            <dgm:param type="txAnchorVert" val="t"/>
-          </dgm:alg>
-          <dgm:shape xmlns:r="http://schemas.openxmlformats.org/officeDocument/2006/relationships" type="rect" r:blip="">
-            <dgm:adjLst/>
-          </dgm:shape>
-          <dgm:presOf axis="self"/>
-          <dgm:constrLst>
-            <dgm:constr type="tMarg" refType="primFontSz" fact="0.3"/>
-            <dgm:constr type="bMarg" refType="primFontSz" fact="0.3"/>
-            <dgm:constr type="lMarg" refType="primFontSz" fact="0.3"/>
-            <dgm:constr type="rMarg" refType="primFontSz" fact="0.3"/>
-          </dgm:constrLst>
-          <dgm:ruleLst>
-            <dgm:rule type="primFontSz" val="5" fact="NaN" max="NaN"/>
-          </dgm:ruleLst>
-        </dgm:layoutNode>
-        <dgm:layoutNode name="vert1">
-          <dgm:choose name="Name13">
-            <dgm:if name="Name14" func="var" arg="dir" op="equ" val="norm">
-              <dgm:alg type="lin">
-                <dgm:param type="linDir" val="fromT"/>
-                <dgm:param type="nodeHorzAlign" val="l"/>
-              </dgm:alg>
-            </dgm:if>
-            <dgm:else name="Name15">
-              <dgm:alg type="lin">
-                <dgm:param type="linDir" val="fromT"/>
-                <dgm:param type="nodeHorzAlign" val="r"/>
-              </dgm:alg>
-            </dgm:else>
-          </dgm:choose>
-          <dgm:shape xmlns:r="http://schemas.openxmlformats.org/officeDocument/2006/relationships" r:blip="">
-            <dgm:adjLst/>
-          </dgm:shape>
-          <dgm:presOf/>
-          <dgm:forEach name="Name16" axis="ch" ptType="node">
-            <dgm:choose name="Name17">
-              <dgm:if name="Name18" axis="self" ptType="node" func="pos" op="equ" val="1">
-                <dgm:layoutNode name="vertSpace2a">
-                  <dgm:alg type="sp"/>
-                  <dgm:shape xmlns:r="http://schemas.openxmlformats.org/officeDocument/2006/relationships" r:blip="">
-                    <dgm:adjLst/>
-                  </dgm:shape>
-                  <dgm:presOf/>
-                </dgm:layoutNode>
-              </dgm:if>
-              <dgm:else name="Name19"/>
-            </dgm:choose>
-            <dgm:layoutNode name="horz2">
-              <dgm:choose name="Name20">
-                <dgm:if name="Name21" func="var" arg="dir" op="equ" val="norm">
-                  <dgm:alg type="lin">
-                    <dgm:param type="linDir" val="fromL"/>
-                    <dgm:param type="nodeVertAlign" val="t"/>
-                  </dgm:alg>
-                </dgm:if>
-                <dgm:else name="Name22">
-                  <dgm:alg type="lin">
-                    <dgm:param type="linDir" val="fromR"/>
-                    <dgm:param type="nodeVertAlign" val="t"/>
-                  </dgm:alg>
-                </dgm:else>
-              </dgm:choose>
-              <dgm:shape xmlns:r="http://schemas.openxmlformats.org/officeDocument/2006/relationships" r:blip="">
-                <dgm:adjLst/>
-              </dgm:shape>
-              <dgm:presOf/>
-              <dgm:layoutNode name="horzSpace2">
-                <dgm:alg type="sp"/>
-                <dgm:shape xmlns:r="http://schemas.openxmlformats.org/officeDocument/2006/relationships" r:blip="">
-                  <dgm:adjLst/>
-                </dgm:shape>
-                <dgm:presOf/>
-              </dgm:layoutNode>
-              <dgm:layoutNode name="tx2" styleLbl="revTx">
-                <dgm:alg type="tx">
-                  <dgm:param type="parTxLTRAlign" val="l"/>
-                  <dgm:param type="parTxRTLAlign" val="r"/>
-                  <dgm:param type="txAnchorVert" val="t"/>
-                </dgm:alg>
-                <dgm:shape xmlns:r="http://schemas.openxmlformats.org/officeDocument/2006/relationships" type="rect" r:blip="">
-                  <dgm:adjLst/>
-                </dgm:shape>
-                <dgm:presOf axis="self"/>
-                <dgm:constrLst>
-                  <dgm:constr type="tMarg" refType="primFontSz" fact="0.3"/>
-                  <dgm:constr type="bMarg" refType="primFontSz" fact="0.3"/>
-                  <dgm:constr type="lMarg" refType="primFontSz" fact="0.3"/>
-                  <dgm:constr type="rMarg" refType="primFontSz" fact="0.3"/>
-                </dgm:constrLst>
-                <dgm:ruleLst>
-                  <dgm:rule type="primFontSz" val="5" fact="NaN" max="NaN"/>
-                </dgm:ruleLst>
-              </dgm:layoutNode>
-              <dgm:layoutNode name="vert2">
-                <dgm:choose name="Name23">
-                  <dgm:if name="Name24" func="var" arg="dir" op="equ" val="norm">
-                    <dgm:alg type="lin">
-                      <dgm:param type="linDir" val="fromT"/>
-                      <dgm:param type="nodeHorzAlign" val="l"/>
-                    </dgm:alg>
-                  </dgm:if>
-                  <dgm:else name="Name25">
-                    <dgm:alg type="lin">
-                      <dgm:param type="linDir" val="fromT"/>
-                      <dgm:param type="nodeHorzAlign" val="r"/>
-                    </dgm:alg>
-                  </dgm:else>
-                </dgm:choose>
-                <dgm:shape xmlns:r="http://schemas.openxmlformats.org/officeDocument/2006/relationships" r:blip="">
-                  <dgm:adjLst/>
-                </dgm:shape>
-                <dgm:presOf/>
-                <dgm:forEach name="Name26" axis="ch" ptType="node">
-                  <dgm:layoutNode name="horz3">
-                    <dgm:choose name="Name27">
-                      <dgm:if name="Name28" func="var" arg="dir" op="equ" val="norm">
-                        <dgm:alg type="lin">
-                          <dgm:param type="linDir" val="fromL"/>
-                          <dgm:param type="nodeVertAlign" val="t"/>
-                        </dgm:alg>
-                      </dgm:if>
-                      <dgm:else name="Name29">
-                        <dgm:alg type="lin">
-                          <dgm:param type="linDir" val="fromR"/>
-                          <dgm:param type="nodeVertAlign" val="t"/>
-                        </dgm:alg>
-                      </dgm:else>
-                    </dgm:choose>
-                    <dgm:shape xmlns:r="http://schemas.openxmlformats.org/officeDocument/2006/relationships" r:blip="">
-                      <dgm:adjLst/>
-                    </dgm:shape>
-                    <dgm:presOf/>
-                    <dgm:layoutNode name="horzSpace3">
-                      <dgm:alg type="sp"/>
-                      <dgm:shape xmlns:r="http://schemas.openxmlformats.org/officeDocument/2006/relationships" r:blip="">
-                        <dgm:adjLst/>
-                      </dgm:shape>
-                      <dgm:presOf/>
-                    </dgm:layoutNode>
-                    <dgm:layoutNode name="tx3" styleLbl="revTx">
-                      <dgm:alg type="tx">
-                        <dgm:param type="parTxLTRAlign" val="l"/>
-                        <dgm:param type="parTxRTLAlign" val="r"/>
-                        <dgm:param type="txAnchorVert" val="t"/>
-                      </dgm:alg>
-                      <dgm:shape xmlns:r="http://schemas.openxmlformats.org/officeDocument/2006/relationships" type="rect" r:blip="">
-                        <dgm:adjLst/>
-                      </dgm:shape>
-                      <dgm:presOf axis="self"/>
-                      <dgm:constrLst>
-                        <dgm:constr type="tMarg" refType="primFontSz" fact="0.3"/>
-                        <dgm:constr type="bMarg" refType="primFontSz" fact="0.3"/>
-                        <dgm:constr type="lMarg" refType="primFontSz" fact="0.3"/>
-                        <dgm:constr type="rMarg" refType="primFontSz" fact="0.3"/>
-                      </dgm:constrLst>
-                      <dgm:ruleLst>
-                        <dgm:rule type="primFontSz" val="5" fact="NaN" max="NaN"/>
-                      </dgm:ruleLst>
-                    </dgm:layoutNode>
-                    <dgm:layoutNode name="vert3">
-                      <dgm:choose name="Name30">
-                        <dgm:if name="Name31" func="var" arg="dir" op="equ" val="norm">
-                          <dgm:alg type="lin">
-                            <dgm:param type="linDir" val="fromT"/>
-                            <dgm:param type="nodeHorzAlign" val="l"/>
-                          </dgm:alg>
-                        </dgm:if>
-                        <dgm:else name="Name32">
-                          <dgm:alg type="lin">
-                            <dgm:param type="linDir" val="fromT"/>
-                            <dgm:param type="nodeHorzAlign" val="r"/>
-                          </dgm:alg>
-                        </dgm:else>
-                      </dgm:choose>
-                      <dgm:shape xmlns:r="http://schemas.openxmlformats.org/officeDocument/2006/relationships" r:blip="">
-                        <dgm:adjLst/>
-                      </dgm:shape>
-                      <dgm:presOf/>
-                      <dgm:forEach name="Name33" axis="ch" ptType="node">
-                        <dgm:layoutNode name="horz4">
-                          <dgm:choose name="Name34">
-                            <dgm:if name="Name35" func="var" arg="dir" op="equ" val="norm">
-                              <dgm:alg type="lin">
-                                <dgm:param type="linDir" val="fromL"/>
-                                <dgm:param type="nodeVertAlign" val="t"/>
-                              </dgm:alg>
-                            </dgm:if>
-                            <dgm:else name="Name36">
-                              <dgm:alg type="lin">
-                                <dgm:param type="linDir" val="fromR"/>
-                                <dgm:param type="nodeVertAlign" val="t"/>
-                              </dgm:alg>
-                            </dgm:else>
-                          </dgm:choose>
-                          <dgm:shape xmlns:r="http://schemas.openxmlformats.org/officeDocument/2006/relationships" r:blip="">
-                            <dgm:adjLst/>
-                          </dgm:shape>
-                          <dgm:presOf/>
-                          <dgm:layoutNode name="horzSpace4">
-                            <dgm:alg type="sp"/>
-                            <dgm:shape xmlns:r="http://schemas.openxmlformats.org/officeDocument/2006/relationships" r:blip="">
-                              <dgm:adjLst/>
-                            </dgm:shape>
-                            <dgm:presOf/>
-                          </dgm:layoutNode>
-                          <dgm:layoutNode name="tx4" styleLbl="revTx">
-                            <dgm:varLst>
-                              <dgm:bulletEnabled val="1"/>
-                            </dgm:varLst>
-                            <dgm:alg type="tx">
-                              <dgm:param type="parTxLTRAlign" val="l"/>
-                              <dgm:param type="parTxRTLAlign" val="r"/>
-                              <dgm:param type="txAnchorVert" val="t"/>
-                            </dgm:alg>
-                            <dgm:shape xmlns:r="http://schemas.openxmlformats.org/officeDocument/2006/relationships" type="rect" r:blip="">
-                              <dgm:adjLst/>
-                            </dgm:shape>
-                            <dgm:presOf axis="desOrSelf" ptType="node"/>
-                            <dgm:constrLst>
-                              <dgm:constr type="tMarg" refType="primFontSz" fact="0.3"/>
-                              <dgm:constr type="bMarg" refType="primFontSz" fact="0.3"/>
-                              <dgm:constr type="lMarg" refType="primFontSz" fact="0.3"/>
-                              <dgm:constr type="rMarg" refType="primFontSz" fact="0.3"/>
-                            </dgm:constrLst>
-                            <dgm:ruleLst>
-                              <dgm:rule type="primFontSz" val="5" fact="NaN" max="NaN"/>
-                            </dgm:ruleLst>
-                          </dgm:layoutNode>
-                        </dgm:layoutNode>
-                      </dgm:forEach>
-                    </dgm:layoutNode>
-                  </dgm:layoutNode>
-                  <dgm:forEach name="Name37" axis="followSib" ptType="sibTrans" cnt="1">
-                    <dgm:layoutNode name="thinLine3" styleLbl="callout">
-                      <dgm:alg type="sp"/>
-                      <dgm:shape xmlns:r="http://schemas.openxmlformats.org/officeDocument/2006/relationships" type="line" r:blip="">
-                        <dgm:adjLst/>
-                      </dgm:shape>
-                      <dgm:presOf/>
-                    </dgm:layoutNode>
-                  </dgm:forEach>
-                </dgm:forEach>
-              </dgm:layoutNode>
-            </dgm:layoutNode>
-            <dgm:layoutNode name="thinLine2b" styleLbl="callout">
-              <dgm:alg type="sp"/>
-              <dgm:shape xmlns:r="http://schemas.openxmlformats.org/officeDocument/2006/relationships" type="line" r:blip="">
-                <dgm:adjLst/>
-              </dgm:shape>
-              <dgm:presOf/>
-            </dgm:layoutNode>
-            <dgm:layoutNode name="vertSpace2b">
-              <dgm:alg type="sp"/>
-              <dgm:shape xmlns:r="http://schemas.openxmlformats.org/officeDocument/2006/relationships" r:blip="">
-                <dgm:adjLst/>
-              </dgm:shape>
-              <dgm:presOf/>
-            </dgm:layoutNode>
-          </dgm:forEach>
-        </dgm:layoutNode>
-      </dgm:layoutNode>
-    </dgm:forEach>
-  </dgm:layoutNode>
-</dgm:layoutDef>
-</file>
-
-<file path=ppt/diagrams/quickStyle1.xml><?xml version="1.0" encoding="utf-8"?>
-<dgm:styleDef xmlns:dgm="http://schemas.openxmlformats.org/drawingml/2006/diagram" xmlns:a="http://schemas.openxmlformats.org/drawingml/2006/main" uniqueId="urn:microsoft.com/office/officeart/2005/8/quickstyle/simple1">
-  <dgm:title val=""/>
-  <dgm:desc val=""/>
-  <dgm:catLst>
-    <dgm:cat type="simple" pri="10100"/>
-  </dgm:catLst>
-  <dgm:scene3d>
-    <a:camera prst="orthographicFront"/>
-    <a:lightRig rig="threePt" dir="t"/>
-  </dgm:scene3d>
-  <dgm:styleLbl name="node0">
-    <dgm:scene3d>
-      <a:camera prst="orthographicFront"/>
-      <a:lightRig rig="threePt" dir="t"/>
-    </dgm:scene3d>
-    <dgm:sp3d/>
-    <dgm:txPr/>
-    <dgm:style>
-      <a:lnRef idx="2">
-        <a:scrgbClr r="0" g="0" b="0"/>
-      </a:lnRef>
-      <a:fillRef idx="1">
-        <a:scrgbClr r="0" g="0" b="0"/>
-      </a:fillRef>
-      <a:effectRef idx="0">
-        <a:scrgbClr r="0" g="0" b="0"/>
-      </a:effectRef>
-      <a:fontRef idx="minor">
-        <a:schemeClr val="lt1"/>
-      </a:fontRef>
-    </dgm:style>
-  </dgm:styleLbl>
-  <dgm:styleLbl name="lnNode1">
-    <dgm:scene3d>
-      <a:camera prst="orthographicFront"/>
-      <a:lightRig rig="threePt" dir="t"/>
-    </dgm:scene3d>
-    <dgm:sp3d/>
-    <dgm:txPr/>
-    <dgm:style>
-      <a:lnRef idx="2">
-        <a:scrgbClr r="0" g="0" b="0"/>
-      </a:lnRef>
-      <a:fillRef idx="1">
-        <a:scrgbClr r="0" g="0" b="0"/>
-      </a:fillRef>
-      <a:effectRef idx="0">
-        <a:scrgbClr r="0" g="0" b="0"/>
-      </a:effectRef>
-      <a:fontRef idx="minor">
-        <a:schemeClr val="lt1"/>
-      </a:fontRef>
-    </dgm:style>
-  </dgm:styleLbl>
-  <dgm:styleLbl name="vennNode1">
-    <dgm:scene3d>
-      <a:camera prst="orthographicFront"/>
-      <a:lightRig rig="threePt" dir="t"/>
-    </dgm:scene3d>
-    <dgm:sp3d/>
-    <dgm:txPr/>
-    <dgm:style>
-      <a:lnRef idx="2">
-        <a:scrgbClr r="0" g="0" b="0"/>
-      </a:lnRef>
-      <a:fillRef idx="1">
-        <a:scrgbClr r="0" g="0" b="0"/>
-      </a:fillRef>
-      <a:effectRef idx="0">
-        <a:scrgbClr r="0" g="0" b="0"/>
-      </a:effectRef>
-      <a:fontRef idx="minor">
-        <a:schemeClr val="tx1"/>
-      </a:fontRef>
-    </dgm:style>
-  </dgm:styleLbl>
-  <dgm:styleLbl name="alignNode1">
-    <dgm:scene3d>
-      <a:camera prst="orthographicFront"/>
-      <a:lightRig rig="threePt" dir="t"/>
-    </dgm:scene3d>
-    <dgm:sp3d/>
-    <dgm:txPr/>
-    <dgm:style>
-      <a:lnRef idx="2">
-        <a:scrgbClr r="0" g="0" b="0"/>
-      </a:lnRef>
-      <a:fillRef idx="1">
-        <a:scrgbClr r="0" g="0" b="0"/>
-      </a:fillRef>
-      <a:effectRef idx="0">
-        <a:scrgbClr r="0" g="0" b="0"/>
-      </a:effectRef>
-      <a:fontRef idx="minor">
-        <a:schemeClr val="lt1"/>
-      </a:fontRef>
-    </dgm:style>
-  </dgm:styleLbl>
-  <dgm:styleLbl name="node1">
-    <dgm:scene3d>
-      <a:camera prst="orthographicFront"/>
-      <a:lightRig rig="threePt" dir="t"/>
-    </dgm:scene3d>
-    <dgm:sp3d/>
-    <dgm:txPr/>
-    <dgm:style>
-      <a:lnRef idx="2">
-        <a:scrgbClr r="0" g="0" b="0"/>
-      </a:lnRef>
-      <a:fillRef idx="1">
-        <a:scrgbClr r="0" g="0" b="0"/>
-      </a:fillRef>
-      <a:effectRef idx="0">
-        <a:scrgbClr r="0" g="0" b="0"/>
-      </a:effectRef>
-      <a:fontRef idx="minor">
-        <a:schemeClr val="lt1"/>
-      </a:fontRef>
-    </dgm:style>
-  </dgm:styleLbl>
-  <dgm:styleLbl name="node2">
-    <dgm:scene3d>
-      <a:camera prst="orthographicFront"/>
-      <a:lightRig rig="threePt" dir="t"/>
-    </dgm:scene3d>
-    <dgm:sp3d/>
-    <dgm:txPr/>
-    <dgm:style>
-      <a:lnRef idx="2">
-        <a:scrgbClr r="0" g="0" b="0"/>
-      </a:lnRef>
-      <a:fillRef idx="1">
-        <a:scrgbClr r="0" g="0" b="0"/>
-      </a:fillRef>
-      <a:effectRef idx="0">
-        <a:scrgbClr r="0" g="0" b="0"/>
-      </a:effectRef>
-      <a:fontRef idx="minor">
-        <a:schemeClr val="lt1"/>
-      </a:fontRef>
-    </dgm:style>
-  </dgm:styleLbl>
-  <dgm:styleLbl name="node3">
-    <dgm:scene3d>
-      <a:camera prst="orthographicFront"/>
-      <a:lightRig rig="threePt" dir="t"/>
-    </dgm:scene3d>
-    <dgm:sp3d/>
-    <dgm:txPr/>
-    <dgm:style>
-      <a:lnRef idx="2">
-        <a:scrgbClr r="0" g="0" b="0"/>
-      </a:lnRef>
-      <a:fillRef idx="1">
-        <a:scrgbClr r="0" g="0" b="0"/>
-      </a:fillRef>
-      <a:effectRef idx="0">
-        <a:scrgbClr r="0" g="0" b="0"/>
-      </a:effectRef>
-      <a:fontRef idx="minor">
-        <a:schemeClr val="lt1"/>
-      </a:fontRef>
-    </dgm:style>
-  </dgm:styleLbl>
-  <dgm:styleLbl name="node4">
-    <dgm:scene3d>
-      <a:camera prst="orthographicFront"/>
-      <a:lightRig rig="threePt" dir="t"/>
-    </dgm:scene3d>
-    <dgm:sp3d/>
-    <dgm:txPr/>
-    <dgm:style>
-      <a:lnRef idx="2">
-        <a:scrgbClr r="0" g="0" b="0"/>
-      </a:lnRef>
-      <a:fillRef idx="1">
-        <a:scrgbClr r="0" g="0" b="0"/>
-      </a:fillRef>
-      <a:effectRef idx="0">
-        <a:scrgbClr r="0" g="0" b="0"/>
-      </a:effectRef>
-      <a:fontRef idx="minor">
-        <a:schemeClr val="lt1"/>
-      </a:fontRef>
-    </dgm:style>
-  </dgm:styleLbl>
-  <dgm:styleLbl name="fgImgPlace1">
-    <dgm:scene3d>
-      <a:camera prst="orthographicFront"/>
-      <a:lightRig rig="threePt" dir="t"/>
-    </dgm:scene3d>
-    <dgm:sp3d/>
-    <dgm:txPr/>
-    <dgm:style>
-      <a:lnRef idx="2">
-        <a:scrgbClr r="0" g="0" b="0"/>
-      </a:lnRef>
-      <a:fillRef idx="1">
-        <a:scrgbClr r="0" g="0" b="0"/>
-      </a:fillRef>
-      <a:effectRef idx="0">
-        <a:scrgbClr r="0" g="0" b="0"/>
-      </a:effectRef>
-      <a:fontRef idx="minor"/>
-    </dgm:style>
-  </dgm:styleLbl>
-  <dgm:styleLbl name="alignImgPlace1">
-    <dgm:scene3d>
-      <a:camera prst="orthographicFront"/>
-      <a:lightRig rig="threePt" dir="t"/>
-    </dgm:scene3d>
-    <dgm:sp3d/>
-    <dgm:txPr/>
-    <dgm:style>
-      <a:lnRef idx="2">
-        <a:scrgbClr r="0" g="0" b="0"/>
-      </a:lnRef>
-      <a:fillRef idx="1">
-        <a:scrgbClr r="0" g="0" b="0"/>
-      </a:fillRef>
-      <a:effectRef idx="0">
-        <a:scrgbClr r="0" g="0" b="0"/>
-      </a:effectRef>
-      <a:fontRef idx="minor"/>
-    </dgm:style>
-  </dgm:styleLbl>
-  <dgm:styleLbl name="bgImgPlace1">
-    <dgm:scene3d>
-      <a:camera prst="orthographicFront"/>
-      <a:lightRig rig="threePt" dir="t"/>
-    </dgm:scene3d>
-    <dgm:sp3d/>
-    <dgm:txPr/>
-    <dgm:style>
-      <a:lnRef idx="2">
-        <a:scrgbClr r="0" g="0" b="0"/>
-      </a:lnRef>
-      <a:fillRef idx="1">
-        <a:scrgbClr r="0" g="0" b="0"/>
-      </a:fillRef>
-      <a:effectRef idx="0">
-        <a:scrgbClr r="0" g="0" b="0"/>
-      </a:effectRef>
-      <a:fontRef idx="minor"/>
-    </dgm:style>
-  </dgm:styleLbl>
-  <dgm:styleLbl name="sibTrans2D1">
-    <dgm:scene3d>
-      <a:camera prst="orthographicFront"/>
-      <a:lightRig rig="threePt" dir="t"/>
-    </dgm:scene3d>
-    <dgm:sp3d/>
-    <dgm:txPr/>
-    <dgm:style>
-      <a:lnRef idx="0">
-        <a:scrgbClr r="0" g="0" b="0"/>
-      </a:lnRef>
-      <a:fillRef idx="1">
-        <a:scrgbClr r="0" g="0" b="0"/>
-      </a:fillRef>
-      <a:effectRef idx="0">
-        <a:scrgbClr r="0" g="0" b="0"/>
-      </a:effectRef>
-      <a:fontRef idx="minor">
-        <a:schemeClr val="lt1"/>
-      </a:fontRef>
-    </dgm:style>
-  </dgm:styleLbl>
-  <dgm:styleLbl name="fgSibTrans2D1">
-    <dgm:scene3d>
-      <a:camera prst="orthographicFront"/>
-      <a:lightRig rig="threePt" dir="t"/>
-    </dgm:scene3d>
-    <dgm:sp3d/>
-    <dgm:txPr/>
-    <dgm:style>
-      <a:lnRef idx="0">
-        <a:scrgbClr r="0" g="0" b="0"/>
-      </a:lnRef>
-      <a:fillRef idx="1">
-        <a:scrgbClr r="0" g="0" b="0"/>
-      </a:fillRef>
-      <a:effectRef idx="0">
-        <a:scrgbClr r="0" g="0" b="0"/>
-      </a:effectRef>
-      <a:fontRef idx="minor">
-        <a:schemeClr val="lt1"/>
-      </a:fontRef>
-    </dgm:style>
-  </dgm:styleLbl>
-  <dgm:styleLbl name="bgSibTrans2D1">
-    <dgm:scene3d>
-      <a:camera prst="orthographicFront"/>
-      <a:lightRig rig="threePt" dir="t"/>
-    </dgm:scene3d>
-    <dgm:sp3d/>
-    <dgm:txPr/>
-    <dgm:style>
-      <a:lnRef idx="0">
-        <a:scrgbClr r="0" g="0" b="0"/>
-      </a:lnRef>
-      <a:fillRef idx="1">
-        <a:scrgbClr r="0" g="0" b="0"/>
-      </a:fillRef>
-      <a:effectRef idx="0">
-        <a:scrgbClr r="0" g="0" b="0"/>
-      </a:effectRef>
-      <a:fontRef idx="minor">
-        <a:schemeClr val="lt1"/>
-      </a:fontRef>
-    </dgm:style>
-  </dgm:styleLbl>
-  <dgm:styleLbl name="sibTrans1D1">
-    <dgm:scene3d>
-      <a:camera prst="orthographicFront"/>
-      <a:lightRig rig="threePt" dir="t"/>
-    </dgm:scene3d>
-    <dgm:sp3d/>
-    <dgm:txPr/>
-    <dgm:style>
-      <a:lnRef idx="1">
-        <a:scrgbClr r="0" g="0" b="0"/>
-      </a:lnRef>
-      <a:fillRef idx="0">
-        <a:scrgbClr r="0" g="0" b="0"/>
-      </a:fillRef>
-      <a:effectRef idx="0">
-        <a:scrgbClr r="0" g="0" b="0"/>
-      </a:effectRef>
-      <a:fontRef idx="minor"/>
-    </dgm:style>
-  </dgm:styleLbl>
-  <dgm:styleLbl name="callout">
-    <dgm:scene3d>
-      <a:camera prst="orthographicFront"/>
-      <a:lightRig rig="threePt" dir="t"/>
-    </dgm:scene3d>
-    <dgm:sp3d/>
-    <dgm:txPr/>
-    <dgm:style>
-      <a:lnRef idx="2">
-        <a:scrgbClr r="0" g="0" b="0"/>
-      </a:lnRef>
-      <a:fillRef idx="1">
-        <a:scrgbClr r="0" g="0" b="0"/>
-      </a:fillRef>
-      <a:effectRef idx="0">
-        <a:scrgbClr r="0" g="0" b="0"/>
-      </a:effectRef>
-      <a:fontRef idx="minor"/>
-    </dgm:style>
-  </dgm:styleLbl>
-  <dgm:styleLbl name="asst0">
-    <dgm:scene3d>
-      <a:camera prst="orthographicFront"/>
-      <a:lightRig rig="threePt" dir="t"/>
-    </dgm:scene3d>
-    <dgm:sp3d/>
-    <dgm:txPr/>
-    <dgm:style>
-      <a:lnRef idx="2">
-        <a:scrgbClr r="0" g="0" b="0"/>
-      </a:lnRef>
-      <a:fillRef idx="1">
-        <a:scrgbClr r="0" g="0" b="0"/>
-      </a:fillRef>
-      <a:effectRef idx="0">
-        <a:scrgbClr r="0" g="0" b="0"/>
-      </a:effectRef>
-      <a:fontRef idx="minor">
-        <a:schemeClr val="lt1"/>
-      </a:fontRef>
-    </dgm:style>
-  </dgm:styleLbl>
-  <dgm:styleLbl name="asst1">
-    <dgm:scene3d>
-      <a:camera prst="orthographicFront"/>
-      <a:lightRig rig="threePt" dir="t"/>
-    </dgm:scene3d>
-    <dgm:sp3d/>
-    <dgm:txPr/>
-    <dgm:style>
-      <a:lnRef idx="2">
-        <a:scrgbClr r="0" g="0" b="0"/>
-      </a:lnRef>
-      <a:fillRef idx="1">
-        <a:scrgbClr r="0" g="0" b="0"/>
-      </a:fillRef>
-      <a:effectRef idx="0">
-        <a:scrgbClr r="0" g="0" b="0"/>
-      </a:effectRef>
-      <a:fontRef idx="minor">
-        <a:schemeClr val="lt1"/>
-      </a:fontRef>
-    </dgm:style>
-  </dgm:styleLbl>
-  <dgm:styleLbl name="asst2">
-    <dgm:scene3d>
-      <a:camera prst="orthographicFront"/>
-      <a:lightRig rig="threePt" dir="t"/>
-    </dgm:scene3d>
-    <dgm:sp3d/>
-    <dgm:txPr/>
-    <dgm:style>
-      <a:lnRef idx="2">
-        <a:scrgbClr r="0" g="0" b="0"/>
-      </a:lnRef>
-      <a:fillRef idx="1">
-        <a:scrgbClr r="0" g="0" b="0"/>
-      </a:fillRef>
-      <a:effectRef idx="0">
-        <a:scrgbClr r="0" g="0" b="0"/>
-      </a:effectRef>
-      <a:fontRef idx="minor">
-        <a:schemeClr val="lt1"/>
-      </a:fontRef>
-    </dgm:style>
-  </dgm:styleLbl>
-  <dgm:styleLbl name="asst3">
-    <dgm:scene3d>
-      <a:camera prst="orthographicFront"/>
-      <a:lightRig rig="threePt" dir="t"/>
-    </dgm:scene3d>
-    <dgm:sp3d/>
-    <dgm:txPr/>
-    <dgm:style>
-      <a:lnRef idx="2">
-        <a:scrgbClr r="0" g="0" b="0"/>
-      </a:lnRef>
-      <a:fillRef idx="1">
-        <a:scrgbClr r="0" g="0" b="0"/>
-      </a:fillRef>
-      <a:effectRef idx="0">
-        <a:scrgbClr r="0" g="0" b="0"/>
-      </a:effectRef>
-      <a:fontRef idx="minor">
-        <a:schemeClr val="lt1"/>
-      </a:fontRef>
-    </dgm:style>
-  </dgm:styleLbl>
-  <dgm:styleLbl name="asst4">
-    <dgm:scene3d>
-      <a:camera prst="orthographicFront"/>
-      <a:lightRig rig="threePt" dir="t"/>
-    </dgm:scene3d>
-    <dgm:sp3d/>
-    <dgm:txPr/>
-    <dgm:style>
-      <a:lnRef idx="2">
-        <a:scrgbClr r="0" g="0" b="0"/>
-      </a:lnRef>
-      <a:fillRef idx="1">
-        <a:scrgbClr r="0" g="0" b="0"/>
-      </a:fillRef>
-      <a:effectRef idx="0">
-        <a:scrgbClr r="0" g="0" b="0"/>
-      </a:effectRef>
-      <a:fontRef idx="minor">
-        <a:schemeClr val="lt1"/>
-      </a:fontRef>
-    </dgm:style>
-  </dgm:styleLbl>
-  <dgm:styleLbl name="parChTrans2D1">
-    <dgm:scene3d>
-      <a:camera prst="orthographicFront"/>
-      <a:lightRig rig="threePt" dir="t"/>
-    </dgm:scene3d>
-    <dgm:sp3d/>
-    <dgm:txPr/>
-    <dgm:style>
-      <a:lnRef idx="2">
-        <a:scrgbClr r="0" g="0" b="0"/>
-      </a:lnRef>
-      <a:fillRef idx="1">
-        <a:scrgbClr r="0" g="0" b="0"/>
-      </a:fillRef>
-      <a:effectRef idx="0">
-        <a:scrgbClr r="0" g="0" b="0"/>
-      </a:effectRef>
-      <a:fontRef idx="minor">
-        <a:schemeClr val="lt1"/>
-      </a:fontRef>
-    </dgm:style>
-  </dgm:styleLbl>
-  <dgm:styleLbl name="parChTrans2D2">
-    <dgm:scene3d>
-      <a:camera prst="orthographicFront"/>
-      <a:lightRig rig="threePt" dir="t"/>
-    </dgm:scene3d>
-    <dgm:sp3d/>
-    <dgm:txPr/>
-    <dgm:style>
-      <a:lnRef idx="2">
-        <a:scrgbClr r="0" g="0" b="0"/>
-      </a:lnRef>
-      <a:fillRef idx="1">
-        <a:scrgbClr r="0" g="0" b="0"/>
-      </a:fillRef>
-      <a:effectRef idx="0">
-        <a:scrgbClr r="0" g="0" b="0"/>
-      </a:effectRef>
-      <a:fontRef idx="minor">
-        <a:schemeClr val="lt1"/>
-      </a:fontRef>
-    </dgm:style>
-  </dgm:styleLbl>
-  <dgm:styleLbl name="parChTrans2D3">
-    <dgm:scene3d>
-      <a:camera prst="orthographicFront"/>
-      <a:lightRig rig="threePt" dir="t"/>
-    </dgm:scene3d>
-    <dgm:sp3d/>
-    <dgm:txPr/>
-    <dgm:style>
-      <a:lnRef idx="2">
-        <a:scrgbClr r="0" g="0" b="0"/>
-      </a:lnRef>
-      <a:fillRef idx="1">
-        <a:scrgbClr r="0" g="0" b="0"/>
-      </a:fillRef>
-      <a:effectRef idx="0">
-        <a:scrgbClr r="0" g="0" b="0"/>
-      </a:effectRef>
-      <a:fontRef idx="minor">
-        <a:schemeClr val="lt1"/>
-      </a:fontRef>
-    </dgm:style>
-  </dgm:styleLbl>
-  <dgm:styleLbl name="parChTrans2D4">
-    <dgm:scene3d>
-      <a:camera prst="orthographicFront"/>
-      <a:lightRig rig="threePt" dir="t"/>
-    </dgm:scene3d>
-    <dgm:sp3d/>
-    <dgm:txPr/>
-    <dgm:style>
-      <a:lnRef idx="2">
-        <a:scrgbClr r="0" g="0" b="0"/>
-      </a:lnRef>
-      <a:fillRef idx="1">
-        <a:scrgbClr r="0" g="0" b="0"/>
-      </a:fillRef>
-      <a:effectRef idx="0">
-        <a:scrgbClr r="0" g="0" b="0"/>
-      </a:effectRef>
-      <a:fontRef idx="minor">
-        <a:schemeClr val="lt1"/>
-      </a:fontRef>
-    </dgm:style>
-  </dgm:styleLbl>
-  <dgm:styleLbl name="parChTrans1D1">
-    <dgm:scene3d>
-      <a:camera prst="orthographicFront"/>
-      <a:lightRig rig="threePt" dir="t"/>
-    </dgm:scene3d>
-    <dgm:sp3d/>
-    <dgm:txPr/>
-    <dgm:style>
-      <a:lnRef idx="2">
-        <a:scrgbClr r="0" g="0" b="0"/>
-      </a:lnRef>
-      <a:fillRef idx="0">
-        <a:scrgbClr r="0" g="0" b="0"/>
-      </a:fillRef>
-      <a:effectRef idx="0">
-        <a:scrgbClr r="0" g="0" b="0"/>
-      </a:effectRef>
-      <a:fontRef idx="minor"/>
-    </dgm:style>
-  </dgm:styleLbl>
-  <dgm:styleLbl name="parChTrans1D2">
-    <dgm:scene3d>
-      <a:camera prst="orthographicFront"/>
-      <a:lightRig rig="threePt" dir="t"/>
-    </dgm:scene3d>
-    <dgm:sp3d/>
-    <dgm:txPr/>
-    <dgm:style>
-      <a:lnRef idx="2">
-        <a:scrgbClr r="0" g="0" b="0"/>
-      </a:lnRef>
-      <a:fillRef idx="0">
-        <a:scrgbClr r="0" g="0" b="0"/>
-      </a:fillRef>
-      <a:effectRef idx="0">
-        <a:scrgbClr r="0" g="0" b="0"/>
-      </a:effectRef>
-      <a:fontRef idx="minor"/>
-    </dgm:style>
-  </dgm:styleLbl>
-  <dgm:styleLbl name="parChTrans1D3">
-    <dgm:scene3d>
-      <a:camera prst="orthographicFront"/>
-      <a:lightRig rig="threePt" dir="t"/>
-    </dgm:scene3d>
-    <dgm:sp3d/>
-    <dgm:txPr/>
-    <dgm:style>
-      <a:lnRef idx="2">
-        <a:scrgbClr r="0" g="0" b="0"/>
-      </a:lnRef>
-      <a:fillRef idx="0">
-        <a:scrgbClr r="0" g="0" b="0"/>
-      </a:fillRef>
-      <a:effectRef idx="0">
-        <a:scrgbClr r="0" g="0" b="0"/>
-      </a:effectRef>
-      <a:fontRef idx="minor"/>
-    </dgm:style>
-  </dgm:styleLbl>
-  <dgm:styleLbl name="parChTrans1D4">
-    <dgm:scene3d>
-      <a:camera prst="orthographicFront"/>
-      <a:lightRig rig="threePt" dir="t"/>
-    </dgm:scene3d>
-    <dgm:sp3d/>
-    <dgm:txPr/>
-    <dgm:style>
-      <a:lnRef idx="2">
-        <a:scrgbClr r="0" g="0" b="0"/>
-      </a:lnRef>
-      <a:fillRef idx="0">
-        <a:scrgbClr r="0" g="0" b="0"/>
-      </a:fillRef>
-      <a:effectRef idx="0">
-        <a:scrgbClr r="0" g="0" b="0"/>
-      </a:effectRef>
-      <a:fontRef idx="minor"/>
-    </dgm:style>
-  </dgm:styleLbl>
-  <dgm:styleLbl name="fgAcc1">
-    <dgm:scene3d>
-      <a:camera prst="orthographicFront"/>
-      <a:lightRig rig="threePt" dir="t"/>
-    </dgm:scene3d>
-    <dgm:sp3d/>
-    <dgm:txPr/>
-    <dgm:style>
-      <a:lnRef idx="2">
-        <a:scrgbClr r="0" g="0" b="0"/>
-      </a:lnRef>
-      <a:fillRef idx="1">
-        <a:scrgbClr r="0" g="0" b="0"/>
-      </a:fillRef>
-      <a:effectRef idx="0">
-        <a:scrgbClr r="0" g="0" b="0"/>
-      </a:effectRef>
-      <a:fontRef idx="minor"/>
-    </dgm:style>
-  </dgm:styleLbl>
-  <dgm:styleLbl name="conFgAcc1">
-    <dgm:scene3d>
-      <a:camera prst="orthographicFront"/>
-      <a:lightRig rig="threePt" dir="t"/>
-    </dgm:scene3d>
-    <dgm:sp3d/>
-    <dgm:txPr/>
-    <dgm:style>
-      <a:lnRef idx="2">
-        <a:scrgbClr r="0" g="0" b="0"/>
-      </a:lnRef>
-      <a:fillRef idx="1">
-        <a:scrgbClr r="0" g="0" b="0"/>
-      </a:fillRef>
-      <a:effectRef idx="0">
-        <a:scrgbClr r="0" g="0" b="0"/>
-      </a:effectRef>
-      <a:fontRef idx="minor"/>
-    </dgm:style>
-  </dgm:styleLbl>
-  <dgm:styleLbl name="alignAcc1">
-    <dgm:scene3d>
-      <a:camera prst="orthographicFront"/>
-      <a:lightRig rig="threePt" dir="t"/>
-    </dgm:scene3d>
-    <dgm:sp3d/>
-    <dgm:txPr/>
-    <dgm:style>
-      <a:lnRef idx="2">
-        <a:scrgbClr r="0" g="0" b="0"/>
-      </a:lnRef>
-      <a:fillRef idx="1">
-        <a:scrgbClr r="0" g="0" b="0"/>
-      </a:fillRef>
-      <a:effectRef idx="0">
-        <a:scrgbClr r="0" g="0" b="0"/>
-      </a:effectRef>
-      <a:fontRef idx="minor"/>
-    </dgm:style>
-  </dgm:styleLbl>
-  <dgm:styleLbl name="trAlignAcc1">
-    <dgm:scene3d>
-      <a:camera prst="orthographicFront"/>
-      <a:lightRig rig="threePt" dir="t"/>
-    </dgm:scene3d>
-    <dgm:sp3d/>
-    <dgm:txPr/>
-    <dgm:style>
-      <a:lnRef idx="1">
-        <a:scrgbClr r="0" g="0" b="0"/>
-      </a:lnRef>
-      <a:fillRef idx="1">
-        <a:scrgbClr r="0" g="0" b="0"/>
-      </a:fillRef>
-      <a:effectRef idx="0">
-        <a:scrgbClr r="0" g="0" b="0"/>
-      </a:effectRef>
-      <a:fontRef idx="minor"/>
-    </dgm:style>
-  </dgm:styleLbl>
-  <dgm:styleLbl name="bgAcc1">
-    <dgm:scene3d>
-      <a:camera prst="orthographicFront"/>
-      <a:lightRig rig="threePt" dir="t"/>
-    </dgm:scene3d>
-    <dgm:sp3d/>
-    <dgm:txPr/>
-    <dgm:style>
-      <a:lnRef idx="2">
-        <a:scrgbClr r="0" g="0" b="0"/>
-      </a:lnRef>
-      <a:fillRef idx="1">
-        <a:scrgbClr r="0" g="0" b="0"/>
-      </a:fillRef>
-      <a:effectRef idx="0">
-        <a:scrgbClr r="0" g="0" b="0"/>
-      </a:effectRef>
-      <a:fontRef idx="minor"/>
-    </dgm:style>
-  </dgm:styleLbl>
-  <dgm:styleLbl name="solidFgAcc1">
-    <dgm:scene3d>
-      <a:camera prst="orthographicFront"/>
-      <a:lightRig rig="threePt" dir="t"/>
-    </dgm:scene3d>
-    <dgm:sp3d/>
-    <dgm:txPr/>
-    <dgm:style>
-      <a:lnRef idx="2">
-        <a:scrgbClr r="0" g="0" b="0"/>
-      </a:lnRef>
-      <a:fillRef idx="1">
-        <a:scrgbClr r="0" g="0" b="0"/>
-      </a:fillRef>
-      <a:effectRef idx="0">
-        <a:scrgbClr r="0" g="0" b="0"/>
-      </a:effectRef>
-      <a:fontRef idx="minor"/>
-    </dgm:style>
-  </dgm:styleLbl>
-  <dgm:styleLbl name="solidAlignAcc1">
-    <dgm:scene3d>
-      <a:camera prst="orthographicFront"/>
-      <a:lightRig rig="threePt" dir="t"/>
-    </dgm:scene3d>
-    <dgm:sp3d/>
-    <dgm:txPr/>
-    <dgm:style>
-      <a:lnRef idx="2">
-        <a:scrgbClr r="0" g="0" b="0"/>
-      </a:lnRef>
-      <a:fillRef idx="1">
-        <a:scrgbClr r="0" g="0" b="0"/>
-      </a:fillRef>
-      <a:effectRef idx="0">
-        <a:scrgbClr r="0" g="0" b="0"/>
-      </a:effectRef>
-      <a:fontRef idx="minor"/>
-    </dgm:style>
-  </dgm:styleLbl>
-  <dgm:styleLbl name="solidBgAcc1">
-    <dgm:scene3d>
-      <a:camera prst="orthographicFront"/>
-      <a:lightRig rig="threePt" dir="t"/>
-    </dgm:scene3d>
-    <dgm:sp3d/>
-    <dgm:txPr/>
-    <dgm:style>
-      <a:lnRef idx="2">
-        <a:scrgbClr r="0" g="0" b="0"/>
-      </a:lnRef>
-      <a:fillRef idx="1">
-        <a:scrgbClr r="0" g="0" b="0"/>
-      </a:fillRef>
-      <a:effectRef idx="0">
-        <a:scrgbClr r="0" g="0" b="0"/>
-      </a:effectRef>
-      <a:fontRef idx="minor"/>
-    </dgm:style>
-  </dgm:styleLbl>
-  <dgm:styleLbl name="fgAccFollowNode1">
-    <dgm:scene3d>
-      <a:camera prst="orthographicFront"/>
-      <a:lightRig rig="threePt" dir="t"/>
-    </dgm:scene3d>
-    <dgm:sp3d/>
-    <dgm:txPr/>
-    <dgm:style>
-      <a:lnRef idx="2">
-        <a:scrgbClr r="0" g="0" b="0"/>
-      </a:lnRef>
-      <a:fillRef idx="1">
-        <a:scrgbClr r="0" g="0" b="0"/>
-      </a:fillRef>
-      <a:effectRef idx="0">
-        <a:scrgbClr r="0" g="0" b="0"/>
-      </a:effectRef>
-      <a:fontRef idx="minor"/>
-    </dgm:style>
-  </dgm:styleLbl>
-  <dgm:styleLbl name="alignAccFollowNode1">
-    <dgm:scene3d>
-      <a:camera prst="orthographicFront"/>
-      <a:lightRig rig="threePt" dir="t"/>
-    </dgm:scene3d>
-    <dgm:sp3d/>
-    <dgm:txPr/>
-    <dgm:style>
-      <a:lnRef idx="2">
-        <a:scrgbClr r="0" g="0" b="0"/>
-      </a:lnRef>
-      <a:fillRef idx="1">
-        <a:scrgbClr r="0" g="0" b="0"/>
-      </a:fillRef>
-      <a:effectRef idx="0">
-        <a:scrgbClr r="0" g="0" b="0"/>
-      </a:effectRef>
-      <a:fontRef idx="minor"/>
-    </dgm:style>
-  </dgm:styleLbl>
-  <dgm:styleLbl name="bgAccFollowNode1">
-    <dgm:scene3d>
-      <a:camera prst="orthographicFront"/>
-      <a:lightRig rig="threePt" dir="t"/>
-    </dgm:scene3d>
-    <dgm:sp3d/>
-    <dgm:txPr/>
-    <dgm:style>
-      <a:lnRef idx="2">
-        <a:scrgbClr r="0" g="0" b="0"/>
-      </a:lnRef>
-      <a:fillRef idx="1">
-        <a:scrgbClr r="0" g="0" b="0"/>
-      </a:fillRef>
-      <a:effectRef idx="0">
-        <a:scrgbClr r="0" g="0" b="0"/>
-      </a:effectRef>
-      <a:fontRef idx="minor"/>
-    </dgm:style>
-  </dgm:styleLbl>
-  <dgm:styleLbl name="fgAcc0">
-    <dgm:scene3d>
-      <a:camera prst="orthographicFront"/>
-      <a:lightRig rig="threePt" dir="t"/>
-    </dgm:scene3d>
-    <dgm:sp3d/>
-    <dgm:txPr/>
-    <dgm:style>
-      <a:lnRef idx="2">
-        <a:scrgbClr r="0" g="0" b="0"/>
-      </a:lnRef>
-      <a:fillRef idx="1">
-        <a:scrgbClr r="0" g="0" b="0"/>
-      </a:fillRef>
-      <a:effectRef idx="0">
-        <a:scrgbClr r="0" g="0" b="0"/>
-      </a:effectRef>
-      <a:fontRef idx="minor"/>
-    </dgm:style>
-  </dgm:styleLbl>
-  <dgm:styleLbl name="fgAcc2">
-    <dgm:scene3d>
-      <a:camera prst="orthographicFront"/>
-      <a:lightRig rig="threePt" dir="t"/>
-    </dgm:scene3d>
-    <dgm:sp3d/>
-    <dgm:txPr/>
-    <dgm:style>
-      <a:lnRef idx="2">
-        <a:scrgbClr r="0" g="0" b="0"/>
-      </a:lnRef>
-      <a:fillRef idx="1">
-        <a:scrgbClr r="0" g="0" b="0"/>
-      </a:fillRef>
-      <a:effectRef idx="0">
-        <a:scrgbClr r="0" g="0" b="0"/>
-      </a:effectRef>
-      <a:fontRef idx="minor"/>
-    </dgm:style>
-  </dgm:styleLbl>
-  <dgm:styleLbl name="fgAcc3">
-    <dgm:scene3d>
-      <a:camera prst="orthographicFront"/>
-      <a:lightRig rig="threePt" dir="t"/>
-    </dgm:scene3d>
-    <dgm:sp3d/>
-    <dgm:txPr/>
-    <dgm:style>
-      <a:lnRef idx="2">
-        <a:scrgbClr r="0" g="0" b="0"/>
-      </a:lnRef>
-      <a:fillRef idx="1">
-        <a:scrgbClr r="0" g="0" b="0"/>
-      </a:fillRef>
-      <a:effectRef idx="0">
-        <a:scrgbClr r="0" g="0" b="0"/>
-      </a:effectRef>
-      <a:fontRef idx="minor"/>
-    </dgm:style>
-  </dgm:styleLbl>
-  <dgm:styleLbl name="fgAcc4">
-    <dgm:scene3d>
-      <a:camera prst="orthographicFront"/>
-      <a:lightRig rig="threePt" dir="t"/>
-    </dgm:scene3d>
-    <dgm:sp3d/>
-    <dgm:txPr/>
-    <dgm:style>
-      <a:lnRef idx="2">
-        <a:scrgbClr r="0" g="0" b="0"/>
-      </a:lnRef>
-      <a:fillRef idx="1">
-        <a:scrgbClr r="0" g="0" b="0"/>
-      </a:fillRef>
-      <a:effectRef idx="0">
-        <a:scrgbClr r="0" g="0" b="0"/>
-      </a:effectRef>
-      <a:fontRef idx="minor"/>
-    </dgm:style>
-  </dgm:styleLbl>
-  <dgm:styleLbl name="bgShp">
-    <dgm:scene3d>
-      <a:camera prst="orthographicFront"/>
-      <a:lightRig rig="threePt" dir="t"/>
-    </dgm:scene3d>
-    <dgm:sp3d/>
-    <dgm:txPr/>
-    <dgm:style>
-      <a:lnRef idx="0">
-        <a:scrgbClr r="0" g="0" b="0"/>
-      </a:lnRef>
-      <a:fillRef idx="1">
-        <a:scrgbClr r="0" g="0" b="0"/>
-      </a:fillRef>
-      <a:effectRef idx="0">
-        <a:scrgbClr r="0" g="0" b="0"/>
-      </a:effectRef>
-      <a:fontRef idx="minor"/>
-    </dgm:style>
-  </dgm:styleLbl>
-  <dgm:styleLbl name="dkBgShp">
-    <dgm:scene3d>
-      <a:camera prst="orthographicFront"/>
-      <a:lightRig rig="threePt" dir="t"/>
-    </dgm:scene3d>
-    <dgm:sp3d/>
-    <dgm:txPr/>
-    <dgm:style>
-      <a:lnRef idx="0">
-        <a:scrgbClr r="0" g="0" b="0"/>
-      </a:lnRef>
-      <a:fillRef idx="1">
-        <a:scrgbClr r="0" g="0" b="0"/>
-      </a:fillRef>
-      <a:effectRef idx="0">
-        <a:scrgbClr r="0" g="0" b="0"/>
-      </a:effectRef>
-      <a:fontRef idx="minor"/>
-    </dgm:style>
-  </dgm:styleLbl>
-  <dgm:styleLbl name="trBgShp">
-    <dgm:scene3d>
-      <a:camera prst="orthographicFront"/>
-      <a:lightRig rig="threePt" dir="t"/>
-    </dgm:scene3d>
-    <dgm:sp3d/>
-    <dgm:txPr/>
-    <dgm:style>
-      <a:lnRef idx="0">
-        <a:scrgbClr r="0" g="0" b="0"/>
-      </a:lnRef>
-      <a:fillRef idx="1">
-        <a:scrgbClr r="0" g="0" b="0"/>
-      </a:fillRef>
-      <a:effectRef idx="0">
-        <a:scrgbClr r="0" g="0" b="0"/>
-      </a:effectRef>
-      <a:fontRef idx="minor"/>
-    </dgm:style>
-  </dgm:styleLbl>
-  <dgm:styleLbl name="fgShp">
-    <dgm:scene3d>
-      <a:camera prst="orthographicFront"/>
-      <a:lightRig rig="threePt" dir="t"/>
-    </dgm:scene3d>
-    <dgm:sp3d/>
-    <dgm:txPr/>
-    <dgm:style>
-      <a:lnRef idx="2">
-        <a:scrgbClr r="0" g="0" b="0"/>
-      </a:lnRef>
-      <a:fillRef idx="1">
-        <a:scrgbClr r="0" g="0" b="0"/>
-      </a:fillRef>
-      <a:effectRef idx="0">
-        <a:scrgbClr r="0" g="0" b="0"/>
-      </a:effectRef>
-      <a:fontRef idx="minor"/>
-    </dgm:style>
-  </dgm:styleLbl>
-  <dgm:styleLbl name="revTx">
-    <dgm:scene3d>
-      <a:camera prst="orthographicFront"/>
-      <a:lightRig rig="threePt" dir="t"/>
-    </dgm:scene3d>
-    <dgm:sp3d/>
-    <dgm:txPr/>
-    <dgm:style>
-      <a:lnRef idx="0">
-        <a:scrgbClr r="0" g="0" b="0"/>
-      </a:lnRef>
-      <a:fillRef idx="0">
-        <a:scrgbClr r="0" g="0" b="0"/>
-      </a:fillRef>
-      <a:effectRef idx="0">
-        <a:scrgbClr r="0" g="0" b="0"/>
-      </a:effectRef>
-      <a:fontRef idx="minor"/>
-    </dgm:style>
-  </dgm:styleLbl>
-</dgm:styleDef>
 </file>
 
 <file path=ppt/notesMasters/notesMaster1.xml><?xml version="1.0" encoding="utf-8"?>
@@ -3820,90 +535,6 @@
     <p:extLst>
       <p:ext uri="{BB962C8B-B14F-4D97-AF65-F5344CB8AC3E}">
         <p14:creationId xmlns:p14="http://schemas.microsoft.com/office/powerpoint/2010/main" val="2994260122"/>
-      </p:ext>
-    </p:extLst>
-  </p:cSld>
-  <p:clrMapOvr>
-    <a:masterClrMapping/>
-  </p:clrMapOvr>
-</p:notes>
-</file>
-
-<file path=ppt/notesSlides/notesSlide2.xml><?xml version="1.0" encoding="utf-8"?>
-<p:notes xmlns:a="http://schemas.openxmlformats.org/drawingml/2006/main" xmlns:r="http://schemas.openxmlformats.org/officeDocument/2006/relationships" xmlns:p="http://schemas.openxmlformats.org/presentationml/2006/main">
-  <p:cSld>
-    <p:spTree>
-      <p:nvGrpSpPr>
-        <p:cNvPr id="1" name=""/>
-        <p:cNvGrpSpPr/>
-        <p:nvPr/>
-      </p:nvGrpSpPr>
-      <p:grpSpPr>
-        <a:xfrm>
-          <a:off x="0" y="0"/>
-          <a:ext cx="0" cy="0"/>
-          <a:chOff x="0" y="0"/>
-          <a:chExt cx="0" cy="0"/>
-        </a:xfrm>
-      </p:grpSpPr>
-      <p:sp>
-        <p:nvSpPr>
-          <p:cNvPr id="2" name="Slide Image Placeholder 1"/>
-          <p:cNvSpPr>
-            <a:spLocks noGrp="1" noRot="1" noChangeAspect="1"/>
-          </p:cNvSpPr>
-          <p:nvPr>
-            <p:ph type="sldImg"/>
-          </p:nvPr>
-        </p:nvSpPr>
-        <p:spPr/>
-      </p:sp>
-      <p:sp>
-        <p:nvSpPr>
-          <p:cNvPr id="3" name="Notes Placeholder 2"/>
-          <p:cNvSpPr>
-            <a:spLocks noGrp="1"/>
-          </p:cNvSpPr>
-          <p:nvPr>
-            <p:ph type="body" idx="1"/>
-          </p:nvPr>
-        </p:nvSpPr>
-        <p:spPr/>
-        <p:txBody>
-          <a:bodyPr/>
-          <a:lstStyle/>
-          <a:p>
-            <a:endParaRPr lang="en-US"/>
-          </a:p>
-        </p:txBody>
-      </p:sp>
-      <p:sp>
-        <p:nvSpPr>
-          <p:cNvPr id="4" name="Slide Number Placeholder 3"/>
-          <p:cNvSpPr>
-            <a:spLocks noGrp="1"/>
-          </p:cNvSpPr>
-          <p:nvPr>
-            <p:ph type="sldNum" sz="quarter" idx="10"/>
-          </p:nvPr>
-        </p:nvSpPr>
-        <p:spPr/>
-        <p:txBody>
-          <a:bodyPr/>
-          <a:lstStyle/>
-          <a:p>
-            <a:fld id="{3B41542B-EADF-43A2-B847-B76398EC00D1}" type="slidenum">
-              <a:rPr lang="en-US" smtClean="0"/>
-              <a:t>2</a:t>
-            </a:fld>
-            <a:endParaRPr lang="en-US"/>
-          </a:p>
-        </p:txBody>
-      </p:sp>
-    </p:spTree>
-    <p:extLst>
-      <p:ext uri="{BB962C8B-B14F-4D97-AF65-F5344CB8AC3E}">
-        <p14:creationId xmlns:p14="http://schemas.microsoft.com/office/powerpoint/2010/main" val="3245442418"/>
       </p:ext>
     </p:extLst>
   </p:cSld>
@@ -6909,9 +3540,9 @@
         </p:nvGrpSpPr>
         <p:grpSpPr>
           <a:xfrm>
-            <a:off x="1905000" y="837097"/>
+            <a:off x="1892228" y="801229"/>
             <a:ext cx="6851072" cy="533400"/>
-            <a:chOff x="2133600" y="523101"/>
+            <a:chOff x="2124509" y="487233"/>
             <a:chExt cx="4876800" cy="533400"/>
           </a:xfrm>
         </p:grpSpPr>
@@ -6923,7 +3554,7 @@
           </p:nvSpPr>
           <p:spPr>
             <a:xfrm>
-              <a:off x="2133600" y="523101"/>
+              <a:off x="2124509" y="487233"/>
               <a:ext cx="4876800" cy="533400"/>
             </a:xfrm>
             <a:prstGeom prst="roundRect">
@@ -6951,7 +3582,7 @@
               <a:pPr algn="ctr"/>
               <a:r>
                 <a:rPr lang="en-US" dirty="0" smtClean="0"/>
-                <a:t>HTML5/JavaScript</a:t>
+                <a:t>HTML5/JavaScript/CSS3</a:t>
               </a:r>
               <a:endParaRPr lang="en-US" dirty="0"/>
             </a:p>
@@ -6965,8 +3596,8 @@
           </p:nvSpPr>
           <p:spPr>
             <a:xfrm>
-              <a:off x="2133600" y="523101"/>
-              <a:ext cx="762000" cy="276999"/>
+              <a:off x="2133599" y="523101"/>
+              <a:ext cx="1447143" cy="276999"/>
             </a:xfrm>
             <a:prstGeom prst="rect">
               <a:avLst/>
@@ -6987,7 +3618,7 @@
                     </a:schemeClr>
                   </a:solidFill>
                 </a:rPr>
-                <a:t>Web UI</a:t>
+                <a:t>Web UI – Responsive UI</a:t>
               </a:r>
               <a:endParaRPr lang="en-US" sz="1200" b="1" dirty="0">
                 <a:solidFill>
@@ -7008,7 +3639,7 @@
         </p:nvGrpSpPr>
         <p:grpSpPr>
           <a:xfrm>
-            <a:off x="2004870" y="3237420"/>
+            <a:off x="2004870" y="3429000"/>
             <a:ext cx="6446402" cy="552361"/>
             <a:chOff x="2146234" y="2367665"/>
             <a:chExt cx="4864166" cy="627010"/>
@@ -7107,7 +3738,7 @@
         </p:nvGrpSpPr>
         <p:grpSpPr>
           <a:xfrm>
-            <a:off x="1988127" y="2344671"/>
+            <a:off x="1988127" y="2641763"/>
             <a:ext cx="6463147" cy="711037"/>
             <a:chOff x="2147454" y="4017727"/>
             <a:chExt cx="5334000" cy="407964"/>
@@ -7206,9 +3837,9 @@
         </p:nvGrpSpPr>
         <p:grpSpPr>
           <a:xfrm>
-            <a:off x="1988126" y="3984707"/>
-            <a:ext cx="6463145" cy="818432"/>
-            <a:chOff x="2147454" y="3359129"/>
+            <a:off x="1988126" y="4066809"/>
+            <a:ext cx="6463145" cy="657591"/>
+            <a:chOff x="2147454" y="3424155"/>
             <a:chExt cx="5334000" cy="520820"/>
           </a:xfrm>
         </p:grpSpPr>
@@ -7220,7 +3851,7 @@
           </p:nvSpPr>
           <p:spPr>
             <a:xfrm>
-              <a:off x="2147454" y="3359129"/>
+              <a:off x="2147454" y="3424155"/>
               <a:ext cx="5334000" cy="520820"/>
             </a:xfrm>
             <a:prstGeom prst="roundRect">
@@ -7247,8 +3878,12 @@
             <a:p>
               <a:pPr algn="ctr"/>
               <a:r>
+                <a:rPr lang="en-US" dirty="0" err="1" smtClean="0"/>
+                <a:t>ADO.Net</a:t>
+              </a:r>
+              <a:r>
                 <a:rPr lang="en-US" dirty="0" smtClean="0"/>
-                <a:t>Entity Framework</a:t>
+                <a:t>/Entity Framework</a:t>
               </a:r>
               <a:endParaRPr lang="en-US" dirty="0"/>
             </a:p>
@@ -7506,7 +4141,7 @@
         <p:spPr>
           <a:xfrm>
             <a:off x="7194449" y="5047259"/>
-            <a:ext cx="1136074" cy="338554"/>
+            <a:ext cx="1136074" cy="1077218"/>
           </a:xfrm>
           <a:prstGeom prst="rect">
             <a:avLst/>
@@ -7526,7 +4161,7 @@
                   <a:srgbClr val="0070C0"/>
                 </a:solidFill>
               </a:rPr>
-              <a:t>Data Load</a:t>
+              <a:t>Data Load from external systems</a:t>
             </a:r>
             <a:endParaRPr lang="en-US" sz="1600" b="1" dirty="0">
               <a:solidFill>
@@ -7928,8 +4563,8 @@
         </p:nvSpPr>
         <p:spPr>
           <a:xfrm>
-            <a:off x="248450" y="2260319"/>
-            <a:ext cx="1586345" cy="4267200"/>
+            <a:off x="305883" y="2641763"/>
+            <a:ext cx="1586345" cy="3987637"/>
           </a:xfrm>
           <a:prstGeom prst="roundRect">
             <a:avLst/>
@@ -7969,7 +4604,7 @@
         </p:nvSpPr>
         <p:spPr>
           <a:xfrm>
-            <a:off x="381000" y="2288120"/>
+            <a:off x="381000" y="2678668"/>
             <a:ext cx="1524000" cy="369332"/>
           </a:xfrm>
           <a:prstGeom prst="rect">
@@ -8142,8 +4777,8 @@
         </p:nvSpPr>
         <p:spPr>
           <a:xfrm>
-            <a:off x="1905001" y="2144773"/>
-            <a:ext cx="6851072" cy="4710004"/>
+            <a:off x="305882" y="2202462"/>
+            <a:ext cx="8609518" cy="4510476"/>
           </a:xfrm>
           <a:prstGeom prst="rect">
             <a:avLst/>
@@ -8179,7 +4814,7 @@
           <a:lstStyle/>
           <a:p>
             <a:pPr algn="ctr"/>
-            <a:endParaRPr lang="en-US"/>
+            <a:endParaRPr lang="en-US" dirty="0"/>
           </a:p>
         </p:txBody>
       </p:sp>
@@ -8425,8 +5060,8 @@
         </p:nvSpPr>
         <p:spPr>
           <a:xfrm>
-            <a:off x="3387697" y="56634"/>
-            <a:ext cx="2275948" cy="707886"/>
+            <a:off x="457200" y="127000"/>
+            <a:ext cx="8305800" cy="523220"/>
           </a:xfrm>
           <a:prstGeom prst="rect">
             <a:avLst/>
@@ -8441,10 +5076,85 @@
           <a:p>
             <a:pPr algn="ctr"/>
             <a:r>
-              <a:rPr lang="en-US" sz="4000" dirty="0" smtClean="0"/>
-              <a:t>LAYERS</a:t>
-            </a:r>
-            <a:endParaRPr lang="en-US" sz="4000" dirty="0"/>
+              <a:rPr lang="en-US" sz="2800" u="sng" dirty="0" smtClean="0"/>
+              <a:t>GCM Print Fax View</a:t>
+            </a:r>
+            <a:endParaRPr lang="en-US" sz="2800" u="sng" dirty="0"/>
+          </a:p>
+        </p:txBody>
+      </p:sp>
+      <p:cxnSp>
+        <p:nvCxnSpPr>
+          <p:cNvPr id="12" name="Straight Connector 11"/>
+          <p:cNvCxnSpPr/>
+          <p:nvPr/>
+        </p:nvCxnSpPr>
+        <p:spPr>
+          <a:xfrm flipV="1">
+            <a:off x="381000" y="2169724"/>
+            <a:ext cx="8534400" cy="20038"/>
+          </a:xfrm>
+          <a:prstGeom prst="line">
+            <a:avLst/>
+          </a:prstGeom>
+          <a:ln w="19050">
+            <a:prstDash val="sysDash"/>
+          </a:ln>
+        </p:spPr>
+        <p:style>
+          <a:lnRef idx="1">
+            <a:schemeClr val="accent1"/>
+          </a:lnRef>
+          <a:fillRef idx="0">
+            <a:schemeClr val="accent1"/>
+          </a:fillRef>
+          <a:effectRef idx="0">
+            <a:schemeClr val="accent1"/>
+          </a:effectRef>
+          <a:fontRef idx="minor">
+            <a:schemeClr val="tx1"/>
+          </a:fontRef>
+        </p:style>
+      </p:cxnSp>
+      <p:sp>
+        <p:nvSpPr>
+          <p:cNvPr id="24" name="TextBox 23"/>
+          <p:cNvSpPr txBox="1"/>
+          <p:nvPr/>
+        </p:nvSpPr>
+        <p:spPr>
+          <a:xfrm>
+            <a:off x="3432200" y="2202462"/>
+            <a:ext cx="3574996" cy="338554"/>
+          </a:xfrm>
+          <a:prstGeom prst="rect">
+            <a:avLst/>
+          </a:prstGeom>
+          <a:noFill/>
+        </p:spPr>
+        <p:txBody>
+          <a:bodyPr wrap="square" rtlCol="0">
+            <a:spAutoFit/>
+          </a:bodyPr>
+          <a:lstStyle/>
+          <a:p>
+            <a:r>
+              <a:rPr lang="en-US" sz="1600" kern="1600" spc="600" dirty="0" smtClean="0">
+                <a:solidFill>
+                  <a:schemeClr val="bg2">
+                    <a:lumMod val="75000"/>
+                  </a:schemeClr>
+                </a:solidFill>
+              </a:rPr>
+              <a:t>SERVICE BOUNDARY</a:t>
+            </a:r>
+            <a:endParaRPr lang="en-US" sz="1600" kern="1600" spc="600" dirty="0">
+              <a:solidFill>
+                <a:schemeClr val="bg2">
+                  <a:lumMod val="75000"/>
+                </a:schemeClr>
+              </a:solidFill>
+            </a:endParaRPr>
           </a:p>
         </p:txBody>
       </p:sp>
@@ -8452,65 +5162,6 @@
     <p:extLst>
       <p:ext uri="{BB962C8B-B14F-4D97-AF65-F5344CB8AC3E}">
         <p14:creationId xmlns:p14="http://schemas.microsoft.com/office/powerpoint/2010/main" val="1336615962"/>
-      </p:ext>
-    </p:extLst>
-  </p:cSld>
-  <p:clrMapOvr>
-    <a:masterClrMapping/>
-  </p:clrMapOvr>
-  <p:timing>
-    <p:tnLst>
-      <p:par>
-        <p:cTn id="1" dur="indefinite" restart="never" nodeType="tmRoot"/>
-      </p:par>
-    </p:tnLst>
-  </p:timing>
-</p:sld>
-</file>
-
-<file path=ppt/slides/slide2.xml><?xml version="1.0" encoding="utf-8"?>
-<p:sld xmlns:a="http://schemas.openxmlformats.org/drawingml/2006/main" xmlns:r="http://schemas.openxmlformats.org/officeDocument/2006/relationships" xmlns:p="http://schemas.openxmlformats.org/presentationml/2006/main">
-  <p:cSld>
-    <p:spTree>
-      <p:nvGrpSpPr>
-        <p:cNvPr id="1" name=""/>
-        <p:cNvGrpSpPr/>
-        <p:nvPr/>
-      </p:nvGrpSpPr>
-      <p:grpSpPr>
-        <a:xfrm>
-          <a:off x="0" y="0"/>
-          <a:ext cx="0" cy="0"/>
-          <a:chOff x="0" y="0"/>
-          <a:chExt cx="0" cy="0"/>
-        </a:xfrm>
-      </p:grpSpPr>
-      <p:graphicFrame>
-        <p:nvGraphicFramePr>
-          <p:cNvPr id="7" name="Diagram 6"/>
-          <p:cNvGraphicFramePr/>
-          <p:nvPr>
-            <p:extLst>
-              <p:ext uri="{D42A27DB-BD31-4B8C-83A1-F6EECF244321}">
-                <p14:modId xmlns:p14="http://schemas.microsoft.com/office/powerpoint/2010/main" val="4202402404"/>
-              </p:ext>
-            </p:extLst>
-          </p:nvPr>
-        </p:nvGraphicFramePr>
-        <p:xfrm>
-          <a:off x="0" y="762000"/>
-          <a:ext cx="9067800" cy="4191000"/>
-        </p:xfrm>
-        <a:graphic>
-          <a:graphicData uri="http://schemas.openxmlformats.org/drawingml/2006/diagram">
-            <dgm:relIds xmlns:dgm="http://schemas.openxmlformats.org/drawingml/2006/diagram" xmlns:r="http://schemas.openxmlformats.org/officeDocument/2006/relationships" r:dm="rId3" r:lo="rId4" r:qs="rId5" r:cs="rId6"/>
-          </a:graphicData>
-        </a:graphic>
-      </p:graphicFrame>
-    </p:spTree>
-    <p:extLst>
-      <p:ext uri="{BB962C8B-B14F-4D97-AF65-F5344CB8AC3E}">
-        <p14:creationId xmlns:p14="http://schemas.microsoft.com/office/powerpoint/2010/main" val="1045598442"/>
       </p:ext>
     </p:extLst>
   </p:cSld>

--- a/PPT/GCM UI.pptx
+++ b/PPT/GCM UI.pptx
@@ -5,10 +5,11 @@
     <p:sldMasterId id="2147483648" r:id="rId1"/>
   </p:sldMasterIdLst>
   <p:notesMasterIdLst>
-    <p:notesMasterId r:id="rId3"/>
+    <p:notesMasterId r:id="rId4"/>
   </p:notesMasterIdLst>
   <p:sldIdLst>
     <p:sldId id="256" r:id="rId2"/>
+    <p:sldId id="257" r:id="rId3"/>
   </p:sldIdLst>
   <p:sldSz cx="9144000" cy="6858000" type="screen4x3"/>
   <p:notesSz cx="6858000" cy="9144000"/>
@@ -108,6 +109,4438 @@
     </a:lvl9pPr>
   </p:defaultTextStyle>
 </p:presentation>
+</file>
+
+<file path=ppt/diagrams/colors1.xml><?xml version="1.0" encoding="utf-8"?>
+<dgm:colorsDef xmlns:dgm="http://schemas.openxmlformats.org/drawingml/2006/diagram" xmlns:a="http://schemas.openxmlformats.org/drawingml/2006/main" uniqueId="urn:microsoft.com/office/officeart/2005/8/colors/colorful1">
+  <dgm:title val=""/>
+  <dgm:desc val=""/>
+  <dgm:catLst>
+    <dgm:cat type="colorful" pri="10100"/>
+  </dgm:catLst>
+  <dgm:styleLbl name="node0">
+    <dgm:fillClrLst meth="repeat">
+      <a:schemeClr val="accent1"/>
+    </dgm:fillClrLst>
+    <dgm:linClrLst meth="repeat">
+      <a:schemeClr val="lt1"/>
+    </dgm:linClrLst>
+    <dgm:effectClrLst/>
+    <dgm:txLinClrLst/>
+    <dgm:txFillClrLst/>
+    <dgm:txEffectClrLst/>
+  </dgm:styleLbl>
+  <dgm:styleLbl name="node1">
+    <dgm:fillClrLst meth="repeat">
+      <a:schemeClr val="accent2"/>
+      <a:schemeClr val="accent3"/>
+      <a:schemeClr val="accent4"/>
+      <a:schemeClr val="accent5"/>
+      <a:schemeClr val="accent6"/>
+    </dgm:fillClrLst>
+    <dgm:linClrLst meth="repeat">
+      <a:schemeClr val="lt1"/>
+    </dgm:linClrLst>
+    <dgm:effectClrLst/>
+    <dgm:txLinClrLst/>
+    <dgm:txFillClrLst/>
+    <dgm:txEffectClrLst/>
+  </dgm:styleLbl>
+  <dgm:styleLbl name="alignNode1">
+    <dgm:fillClrLst meth="repeat">
+      <a:schemeClr val="accent2"/>
+      <a:schemeClr val="accent3"/>
+      <a:schemeClr val="accent4"/>
+      <a:schemeClr val="accent5"/>
+      <a:schemeClr val="accent6"/>
+    </dgm:fillClrLst>
+    <dgm:linClrLst meth="repeat">
+      <a:schemeClr val="accent2"/>
+      <a:schemeClr val="accent3"/>
+      <a:schemeClr val="accent4"/>
+      <a:schemeClr val="accent5"/>
+      <a:schemeClr val="accent6"/>
+    </dgm:linClrLst>
+    <dgm:effectClrLst/>
+    <dgm:txLinClrLst/>
+    <dgm:txFillClrLst/>
+    <dgm:txEffectClrLst/>
+  </dgm:styleLbl>
+  <dgm:styleLbl name="lnNode1">
+    <dgm:fillClrLst meth="repeat">
+      <a:schemeClr val="accent2"/>
+      <a:schemeClr val="accent3"/>
+      <a:schemeClr val="accent4"/>
+      <a:schemeClr val="accent5"/>
+      <a:schemeClr val="accent6"/>
+    </dgm:fillClrLst>
+    <dgm:linClrLst meth="repeat">
+      <a:schemeClr val="lt1"/>
+    </dgm:linClrLst>
+    <dgm:effectClrLst/>
+    <dgm:txLinClrLst/>
+    <dgm:txFillClrLst/>
+    <dgm:txEffectClrLst/>
+  </dgm:styleLbl>
+  <dgm:styleLbl name="vennNode1">
+    <dgm:fillClrLst meth="repeat">
+      <a:schemeClr val="accent2">
+        <a:alpha val="50000"/>
+      </a:schemeClr>
+      <a:schemeClr val="accent3">
+        <a:alpha val="50000"/>
+      </a:schemeClr>
+      <a:schemeClr val="accent4">
+        <a:alpha val="50000"/>
+      </a:schemeClr>
+      <a:schemeClr val="accent5">
+        <a:alpha val="50000"/>
+      </a:schemeClr>
+      <a:schemeClr val="accent6">
+        <a:alpha val="50000"/>
+      </a:schemeClr>
+    </dgm:fillClrLst>
+    <dgm:linClrLst meth="repeat">
+      <a:schemeClr val="lt1"/>
+    </dgm:linClrLst>
+    <dgm:effectClrLst/>
+    <dgm:txLinClrLst/>
+    <dgm:txFillClrLst/>
+    <dgm:txEffectClrLst/>
+  </dgm:styleLbl>
+  <dgm:styleLbl name="node2">
+    <dgm:fillClrLst>
+      <a:schemeClr val="accent2"/>
+    </dgm:fillClrLst>
+    <dgm:linClrLst meth="repeat">
+      <a:schemeClr val="lt1"/>
+    </dgm:linClrLst>
+    <dgm:effectClrLst/>
+    <dgm:txLinClrLst/>
+    <dgm:txFillClrLst/>
+    <dgm:txEffectClrLst/>
+  </dgm:styleLbl>
+  <dgm:styleLbl name="node3">
+    <dgm:fillClrLst>
+      <a:schemeClr val="accent3"/>
+    </dgm:fillClrLst>
+    <dgm:linClrLst meth="repeat">
+      <a:schemeClr val="lt1"/>
+    </dgm:linClrLst>
+    <dgm:effectClrLst/>
+    <dgm:txLinClrLst/>
+    <dgm:txFillClrLst/>
+    <dgm:txEffectClrLst/>
+  </dgm:styleLbl>
+  <dgm:styleLbl name="node4">
+    <dgm:fillClrLst>
+      <a:schemeClr val="accent4"/>
+    </dgm:fillClrLst>
+    <dgm:linClrLst meth="repeat">
+      <a:schemeClr val="lt1"/>
+    </dgm:linClrLst>
+    <dgm:effectClrLst/>
+    <dgm:txLinClrLst/>
+    <dgm:txFillClrLst/>
+    <dgm:txEffectClrLst/>
+  </dgm:styleLbl>
+  <dgm:styleLbl name="fgImgPlace1">
+    <dgm:fillClrLst meth="repeat">
+      <a:schemeClr val="accent2">
+        <a:tint val="50000"/>
+      </a:schemeClr>
+      <a:schemeClr val="accent3">
+        <a:tint val="50000"/>
+      </a:schemeClr>
+      <a:schemeClr val="accent4">
+        <a:tint val="50000"/>
+      </a:schemeClr>
+      <a:schemeClr val="accent5">
+        <a:tint val="50000"/>
+      </a:schemeClr>
+      <a:schemeClr val="accent6">
+        <a:tint val="50000"/>
+      </a:schemeClr>
+    </dgm:fillClrLst>
+    <dgm:linClrLst meth="repeat">
+      <a:schemeClr val="lt1"/>
+    </dgm:linClrLst>
+    <dgm:effectClrLst/>
+    <dgm:txLinClrLst/>
+    <dgm:txFillClrLst meth="repeat">
+      <a:schemeClr val="lt1"/>
+    </dgm:txFillClrLst>
+    <dgm:txEffectClrLst/>
+  </dgm:styleLbl>
+  <dgm:styleLbl name="alignImgPlace1">
+    <dgm:fillClrLst>
+      <a:schemeClr val="accent1">
+        <a:tint val="50000"/>
+      </a:schemeClr>
+      <a:schemeClr val="accent2">
+        <a:tint val="20000"/>
+      </a:schemeClr>
+    </dgm:fillClrLst>
+    <dgm:linClrLst meth="repeat">
+      <a:schemeClr val="lt1"/>
+    </dgm:linClrLst>
+    <dgm:effectClrLst/>
+    <dgm:txLinClrLst/>
+    <dgm:txFillClrLst meth="repeat">
+      <a:schemeClr val="lt1"/>
+    </dgm:txFillClrLst>
+    <dgm:txEffectClrLst/>
+  </dgm:styleLbl>
+  <dgm:styleLbl name="bgImgPlace1">
+    <dgm:fillClrLst>
+      <a:schemeClr val="accent1">
+        <a:tint val="50000"/>
+      </a:schemeClr>
+      <a:schemeClr val="accent2">
+        <a:tint val="20000"/>
+      </a:schemeClr>
+    </dgm:fillClrLst>
+    <dgm:linClrLst meth="repeat">
+      <a:schemeClr val="lt1"/>
+    </dgm:linClrLst>
+    <dgm:effectClrLst/>
+    <dgm:txLinClrLst/>
+    <dgm:txFillClrLst meth="repeat">
+      <a:schemeClr val="lt1"/>
+    </dgm:txFillClrLst>
+    <dgm:txEffectClrLst/>
+  </dgm:styleLbl>
+  <dgm:styleLbl name="sibTrans2D1">
+    <dgm:fillClrLst meth="repeat">
+      <a:schemeClr val="accent2"/>
+      <a:schemeClr val="accent3"/>
+      <a:schemeClr val="accent4"/>
+      <a:schemeClr val="accent5"/>
+      <a:schemeClr val="accent6"/>
+    </dgm:fillClrLst>
+    <dgm:linClrLst meth="cycle">
+      <a:schemeClr val="lt1"/>
+    </dgm:linClrLst>
+    <dgm:effectClrLst/>
+    <dgm:txLinClrLst/>
+    <dgm:txFillClrLst/>
+    <dgm:txEffectClrLst/>
+  </dgm:styleLbl>
+  <dgm:styleLbl name="fgSibTrans2D1">
+    <dgm:fillClrLst meth="repeat">
+      <a:schemeClr val="accent2"/>
+      <a:schemeClr val="accent3"/>
+      <a:schemeClr val="accent4"/>
+      <a:schemeClr val="accent5"/>
+      <a:schemeClr val="accent6"/>
+    </dgm:fillClrLst>
+    <dgm:linClrLst meth="cycle">
+      <a:schemeClr val="lt1"/>
+    </dgm:linClrLst>
+    <dgm:effectClrLst/>
+    <dgm:txLinClrLst/>
+    <dgm:txFillClrLst meth="repeat">
+      <a:schemeClr val="lt1"/>
+    </dgm:txFillClrLst>
+    <dgm:txEffectClrLst/>
+  </dgm:styleLbl>
+  <dgm:styleLbl name="bgSibTrans2D1">
+    <dgm:fillClrLst meth="repeat">
+      <a:schemeClr val="accent2"/>
+      <a:schemeClr val="accent3"/>
+      <a:schemeClr val="accent4"/>
+      <a:schemeClr val="accent5"/>
+      <a:schemeClr val="accent6"/>
+    </dgm:fillClrLst>
+    <dgm:linClrLst meth="cycle">
+      <a:schemeClr val="lt1"/>
+    </dgm:linClrLst>
+    <dgm:effectClrLst/>
+    <dgm:txLinClrLst/>
+    <dgm:txFillClrLst meth="repeat">
+      <a:schemeClr val="lt1"/>
+    </dgm:txFillClrLst>
+    <dgm:txEffectClrLst/>
+  </dgm:styleLbl>
+  <dgm:styleLbl name="sibTrans1D1">
+    <dgm:fillClrLst meth="repeat">
+      <a:schemeClr val="accent2"/>
+      <a:schemeClr val="accent3"/>
+      <a:schemeClr val="accent4"/>
+      <a:schemeClr val="accent5"/>
+      <a:schemeClr val="accent6"/>
+    </dgm:fillClrLst>
+    <dgm:linClrLst meth="repeat">
+      <a:schemeClr val="accent2"/>
+      <a:schemeClr val="accent3"/>
+      <a:schemeClr val="accent4"/>
+      <a:schemeClr val="accent5"/>
+      <a:schemeClr val="accent6"/>
+    </dgm:linClrLst>
+    <dgm:effectClrLst/>
+    <dgm:txLinClrLst/>
+    <dgm:txFillClrLst meth="repeat">
+      <a:schemeClr val="tx1"/>
+    </dgm:txFillClrLst>
+    <dgm:txEffectClrLst/>
+  </dgm:styleLbl>
+  <dgm:styleLbl name="callout">
+    <dgm:fillClrLst meth="repeat">
+      <a:schemeClr val="accent2"/>
+    </dgm:fillClrLst>
+    <dgm:linClrLst meth="repeat">
+      <a:schemeClr val="accent2">
+        <a:tint val="50000"/>
+      </a:schemeClr>
+    </dgm:linClrLst>
+    <dgm:effectClrLst/>
+    <dgm:txLinClrLst/>
+    <dgm:txFillClrLst meth="repeat">
+      <a:schemeClr val="tx1"/>
+    </dgm:txFillClrLst>
+    <dgm:txEffectClrLst/>
+  </dgm:styleLbl>
+  <dgm:styleLbl name="asst0">
+    <dgm:fillClrLst meth="repeat">
+      <a:schemeClr val="accent1"/>
+    </dgm:fillClrLst>
+    <dgm:linClrLst meth="repeat">
+      <a:schemeClr val="lt1"/>
+    </dgm:linClrLst>
+    <dgm:effectClrLst/>
+    <dgm:txLinClrLst/>
+    <dgm:txFillClrLst/>
+    <dgm:txEffectClrLst/>
+  </dgm:styleLbl>
+  <dgm:styleLbl name="asst1">
+    <dgm:fillClrLst meth="repeat">
+      <a:schemeClr val="accent2"/>
+    </dgm:fillClrLst>
+    <dgm:linClrLst meth="repeat">
+      <a:schemeClr val="lt1"/>
+    </dgm:linClrLst>
+    <dgm:effectClrLst/>
+    <dgm:txLinClrLst/>
+    <dgm:txFillClrLst/>
+    <dgm:txEffectClrLst/>
+  </dgm:styleLbl>
+  <dgm:styleLbl name="asst2">
+    <dgm:fillClrLst>
+      <a:schemeClr val="accent3"/>
+    </dgm:fillClrLst>
+    <dgm:linClrLst meth="repeat">
+      <a:schemeClr val="lt1"/>
+    </dgm:linClrLst>
+    <dgm:effectClrLst/>
+    <dgm:txLinClrLst/>
+    <dgm:txFillClrLst/>
+    <dgm:txEffectClrLst/>
+  </dgm:styleLbl>
+  <dgm:styleLbl name="asst3">
+    <dgm:fillClrLst>
+      <a:schemeClr val="accent4"/>
+    </dgm:fillClrLst>
+    <dgm:linClrLst meth="repeat">
+      <a:schemeClr val="lt1"/>
+    </dgm:linClrLst>
+    <dgm:effectClrLst/>
+    <dgm:txLinClrLst/>
+    <dgm:txFillClrLst/>
+    <dgm:txEffectClrLst/>
+  </dgm:styleLbl>
+  <dgm:styleLbl name="asst4">
+    <dgm:fillClrLst>
+      <a:schemeClr val="accent5"/>
+    </dgm:fillClrLst>
+    <dgm:linClrLst meth="repeat">
+      <a:schemeClr val="lt1"/>
+    </dgm:linClrLst>
+    <dgm:effectClrLst/>
+    <dgm:txLinClrLst/>
+    <dgm:txFillClrLst/>
+    <dgm:txEffectClrLst/>
+  </dgm:styleLbl>
+  <dgm:styleLbl name="parChTrans2D1">
+    <dgm:fillClrLst meth="repeat">
+      <a:schemeClr val="accent2"/>
+    </dgm:fillClrLst>
+    <dgm:linClrLst meth="repeat">
+      <a:schemeClr val="lt1"/>
+    </dgm:linClrLst>
+    <dgm:effectClrLst/>
+    <dgm:txLinClrLst/>
+    <dgm:txFillClrLst meth="repeat">
+      <a:schemeClr val="lt1"/>
+    </dgm:txFillClrLst>
+    <dgm:txEffectClrLst/>
+  </dgm:styleLbl>
+  <dgm:styleLbl name="parChTrans2D2">
+    <dgm:fillClrLst meth="repeat">
+      <a:schemeClr val="accent3"/>
+    </dgm:fillClrLst>
+    <dgm:linClrLst meth="repeat">
+      <a:schemeClr val="lt1"/>
+    </dgm:linClrLst>
+    <dgm:effectClrLst/>
+    <dgm:txLinClrLst/>
+    <dgm:txFillClrLst/>
+    <dgm:txEffectClrLst/>
+  </dgm:styleLbl>
+  <dgm:styleLbl name="parChTrans2D3">
+    <dgm:fillClrLst meth="repeat">
+      <a:schemeClr val="accent4"/>
+    </dgm:fillClrLst>
+    <dgm:linClrLst meth="repeat">
+      <a:schemeClr val="lt1"/>
+    </dgm:linClrLst>
+    <dgm:effectClrLst/>
+    <dgm:txLinClrLst/>
+    <dgm:txFillClrLst/>
+    <dgm:txEffectClrLst/>
+  </dgm:styleLbl>
+  <dgm:styleLbl name="parChTrans2D4">
+    <dgm:fillClrLst meth="repeat">
+      <a:schemeClr val="accent5"/>
+    </dgm:fillClrLst>
+    <dgm:linClrLst meth="repeat">
+      <a:schemeClr val="lt1"/>
+    </dgm:linClrLst>
+    <dgm:effectClrLst/>
+    <dgm:txLinClrLst/>
+    <dgm:txFillClrLst meth="repeat">
+      <a:schemeClr val="lt1"/>
+    </dgm:txFillClrLst>
+    <dgm:txEffectClrLst/>
+  </dgm:styleLbl>
+  <dgm:styleLbl name="parChTrans1D1">
+    <dgm:fillClrLst meth="repeat">
+      <a:schemeClr val="accent2"/>
+    </dgm:fillClrLst>
+    <dgm:linClrLst meth="repeat">
+      <a:schemeClr val="accent1"/>
+    </dgm:linClrLst>
+    <dgm:effectClrLst/>
+    <dgm:txLinClrLst/>
+    <dgm:txFillClrLst meth="repeat">
+      <a:schemeClr val="tx1"/>
+    </dgm:txFillClrLst>
+    <dgm:txEffectClrLst/>
+  </dgm:styleLbl>
+  <dgm:styleLbl name="parChTrans1D2">
+    <dgm:fillClrLst meth="repeat">
+      <a:schemeClr val="accent3">
+        <a:tint val="90000"/>
+      </a:schemeClr>
+    </dgm:fillClrLst>
+    <dgm:linClrLst meth="repeat">
+      <a:schemeClr val="accent2"/>
+    </dgm:linClrLst>
+    <dgm:effectClrLst/>
+    <dgm:txLinClrLst/>
+    <dgm:txFillClrLst meth="repeat">
+      <a:schemeClr val="tx1"/>
+    </dgm:txFillClrLst>
+    <dgm:txEffectClrLst/>
+  </dgm:styleLbl>
+  <dgm:styleLbl name="parChTrans1D3">
+    <dgm:fillClrLst meth="repeat">
+      <a:schemeClr val="accent4">
+        <a:tint val="70000"/>
+      </a:schemeClr>
+    </dgm:fillClrLst>
+    <dgm:linClrLst meth="repeat">
+      <a:schemeClr val="accent3"/>
+    </dgm:linClrLst>
+    <dgm:effectClrLst/>
+    <dgm:txLinClrLst/>
+    <dgm:txFillClrLst meth="repeat">
+      <a:schemeClr val="tx1"/>
+    </dgm:txFillClrLst>
+    <dgm:txEffectClrLst/>
+  </dgm:styleLbl>
+  <dgm:styleLbl name="parChTrans1D4">
+    <dgm:fillClrLst meth="repeat">
+      <a:schemeClr val="accent5">
+        <a:tint val="50000"/>
+      </a:schemeClr>
+    </dgm:fillClrLst>
+    <dgm:linClrLst meth="repeat">
+      <a:schemeClr val="accent4"/>
+    </dgm:linClrLst>
+    <dgm:effectClrLst/>
+    <dgm:txLinClrLst/>
+    <dgm:txFillClrLst meth="repeat">
+      <a:schemeClr val="tx1"/>
+    </dgm:txFillClrLst>
+    <dgm:txEffectClrLst/>
+  </dgm:styleLbl>
+  <dgm:styleLbl name="fgAcc1">
+    <dgm:fillClrLst meth="repeat">
+      <a:schemeClr val="lt1">
+        <a:alpha val="90000"/>
+      </a:schemeClr>
+    </dgm:fillClrLst>
+    <dgm:linClrLst meth="repeat">
+      <a:schemeClr val="accent2"/>
+      <a:schemeClr val="accent3"/>
+      <a:schemeClr val="accent4"/>
+      <a:schemeClr val="accent5"/>
+      <a:schemeClr val="accent6"/>
+    </dgm:linClrLst>
+    <dgm:effectClrLst/>
+    <dgm:txLinClrLst/>
+    <dgm:txFillClrLst meth="repeat">
+      <a:schemeClr val="dk1"/>
+    </dgm:txFillClrLst>
+    <dgm:txEffectClrLst/>
+  </dgm:styleLbl>
+  <dgm:styleLbl name="conFgAcc1">
+    <dgm:fillClrLst meth="repeat">
+      <a:schemeClr val="lt1">
+        <a:alpha val="90000"/>
+      </a:schemeClr>
+    </dgm:fillClrLst>
+    <dgm:linClrLst meth="repeat">
+      <a:schemeClr val="accent2"/>
+      <a:schemeClr val="accent3"/>
+      <a:schemeClr val="accent4"/>
+      <a:schemeClr val="accent5"/>
+      <a:schemeClr val="accent6"/>
+    </dgm:linClrLst>
+    <dgm:effectClrLst/>
+    <dgm:txLinClrLst/>
+    <dgm:txFillClrLst meth="repeat">
+      <a:schemeClr val="dk1"/>
+    </dgm:txFillClrLst>
+    <dgm:txEffectClrLst/>
+  </dgm:styleLbl>
+  <dgm:styleLbl name="alignAcc1">
+    <dgm:fillClrLst meth="repeat">
+      <a:schemeClr val="lt1">
+        <a:alpha val="90000"/>
+      </a:schemeClr>
+    </dgm:fillClrLst>
+    <dgm:linClrLst meth="repeat">
+      <a:schemeClr val="accent2"/>
+      <a:schemeClr val="accent3"/>
+      <a:schemeClr val="accent4"/>
+      <a:schemeClr val="accent5"/>
+      <a:schemeClr val="accent6"/>
+    </dgm:linClrLst>
+    <dgm:effectClrLst/>
+    <dgm:txLinClrLst/>
+    <dgm:txFillClrLst meth="repeat">
+      <a:schemeClr val="dk1"/>
+    </dgm:txFillClrLst>
+    <dgm:txEffectClrLst/>
+  </dgm:styleLbl>
+  <dgm:styleLbl name="trAlignAcc1">
+    <dgm:fillClrLst meth="repeat">
+      <a:schemeClr val="lt1">
+        <a:alpha val="40000"/>
+      </a:schemeClr>
+    </dgm:fillClrLst>
+    <dgm:linClrLst meth="repeat">
+      <a:schemeClr val="accent1"/>
+    </dgm:linClrLst>
+    <dgm:effectClrLst/>
+    <dgm:txLinClrLst/>
+    <dgm:txFillClrLst meth="repeat">
+      <a:schemeClr val="dk1"/>
+    </dgm:txFillClrLst>
+    <dgm:txEffectClrLst/>
+  </dgm:styleLbl>
+  <dgm:styleLbl name="bgAcc1">
+    <dgm:fillClrLst meth="repeat">
+      <a:schemeClr val="lt1">
+        <a:alpha val="90000"/>
+      </a:schemeClr>
+    </dgm:fillClrLst>
+    <dgm:linClrLst meth="repeat">
+      <a:schemeClr val="accent2"/>
+      <a:schemeClr val="accent3"/>
+      <a:schemeClr val="accent4"/>
+      <a:schemeClr val="accent5"/>
+      <a:schemeClr val="accent6"/>
+    </dgm:linClrLst>
+    <dgm:effectClrLst/>
+    <dgm:txLinClrLst/>
+    <dgm:txFillClrLst meth="repeat">
+      <a:schemeClr val="dk1"/>
+    </dgm:txFillClrLst>
+    <dgm:txEffectClrLst/>
+  </dgm:styleLbl>
+  <dgm:styleLbl name="solidFgAcc1">
+    <dgm:fillClrLst meth="repeat">
+      <a:schemeClr val="lt1"/>
+    </dgm:fillClrLst>
+    <dgm:linClrLst meth="repeat">
+      <a:schemeClr val="accent2"/>
+      <a:schemeClr val="accent3"/>
+      <a:schemeClr val="accent4"/>
+      <a:schemeClr val="accent5"/>
+      <a:schemeClr val="accent6"/>
+    </dgm:linClrLst>
+    <dgm:effectClrLst/>
+    <dgm:txLinClrLst/>
+    <dgm:txFillClrLst meth="repeat">
+      <a:schemeClr val="dk1"/>
+    </dgm:txFillClrLst>
+    <dgm:txEffectClrLst/>
+  </dgm:styleLbl>
+  <dgm:styleLbl name="solidAlignAcc1">
+    <dgm:fillClrLst meth="repeat">
+      <a:schemeClr val="lt1"/>
+    </dgm:fillClrLst>
+    <dgm:linClrLst meth="repeat">
+      <a:schemeClr val="accent2"/>
+      <a:schemeClr val="accent3"/>
+      <a:schemeClr val="accent4"/>
+      <a:schemeClr val="accent5"/>
+      <a:schemeClr val="accent6"/>
+    </dgm:linClrLst>
+    <dgm:effectClrLst/>
+    <dgm:txLinClrLst/>
+    <dgm:txFillClrLst meth="repeat">
+      <a:schemeClr val="dk1"/>
+    </dgm:txFillClrLst>
+    <dgm:txEffectClrLst/>
+  </dgm:styleLbl>
+  <dgm:styleLbl name="solidBgAcc1">
+    <dgm:fillClrLst meth="repeat">
+      <a:schemeClr val="lt1"/>
+    </dgm:fillClrLst>
+    <dgm:linClrLst meth="repeat">
+      <a:schemeClr val="accent2"/>
+      <a:schemeClr val="accent3"/>
+      <a:schemeClr val="accent4"/>
+      <a:schemeClr val="accent5"/>
+      <a:schemeClr val="accent6"/>
+    </dgm:linClrLst>
+    <dgm:effectClrLst/>
+    <dgm:txLinClrLst/>
+    <dgm:txFillClrLst meth="repeat">
+      <a:schemeClr val="dk1"/>
+    </dgm:txFillClrLst>
+    <dgm:txEffectClrLst/>
+  </dgm:styleLbl>
+  <dgm:styleLbl name="fgAccFollowNode1">
+    <dgm:fillClrLst meth="repeat">
+      <a:schemeClr val="accent2">
+        <a:tint val="40000"/>
+        <a:alpha val="90000"/>
+      </a:schemeClr>
+      <a:schemeClr val="accent3">
+        <a:tint val="40000"/>
+        <a:alpha val="90000"/>
+      </a:schemeClr>
+      <a:schemeClr val="accent4">
+        <a:tint val="40000"/>
+        <a:alpha val="90000"/>
+      </a:schemeClr>
+      <a:schemeClr val="accent5">
+        <a:tint val="40000"/>
+        <a:alpha val="90000"/>
+      </a:schemeClr>
+      <a:schemeClr val="accent6">
+        <a:tint val="40000"/>
+        <a:alpha val="90000"/>
+      </a:schemeClr>
+    </dgm:fillClrLst>
+    <dgm:linClrLst meth="repeat">
+      <a:schemeClr val="accent2">
+        <a:tint val="40000"/>
+        <a:alpha val="90000"/>
+      </a:schemeClr>
+      <a:schemeClr val="accent3">
+        <a:tint val="40000"/>
+        <a:alpha val="90000"/>
+      </a:schemeClr>
+      <a:schemeClr val="accent4">
+        <a:tint val="40000"/>
+        <a:alpha val="90000"/>
+      </a:schemeClr>
+      <a:schemeClr val="accent5">
+        <a:tint val="40000"/>
+        <a:alpha val="90000"/>
+      </a:schemeClr>
+      <a:schemeClr val="accent6">
+        <a:tint val="40000"/>
+        <a:alpha val="90000"/>
+      </a:schemeClr>
+    </dgm:linClrLst>
+    <dgm:effectClrLst/>
+    <dgm:txLinClrLst/>
+    <dgm:txFillClrLst meth="repeat">
+      <a:schemeClr val="dk1"/>
+    </dgm:txFillClrLst>
+    <dgm:txEffectClrLst/>
+  </dgm:styleLbl>
+  <dgm:styleLbl name="alignAccFollowNode1">
+    <dgm:fillClrLst meth="repeat">
+      <a:schemeClr val="accent2">
+        <a:tint val="40000"/>
+        <a:alpha val="90000"/>
+      </a:schemeClr>
+      <a:schemeClr val="accent3">
+        <a:tint val="40000"/>
+        <a:alpha val="90000"/>
+      </a:schemeClr>
+      <a:schemeClr val="accent4">
+        <a:tint val="40000"/>
+        <a:alpha val="90000"/>
+      </a:schemeClr>
+      <a:schemeClr val="accent5">
+        <a:tint val="40000"/>
+        <a:alpha val="90000"/>
+      </a:schemeClr>
+      <a:schemeClr val="accent6">
+        <a:tint val="40000"/>
+        <a:alpha val="90000"/>
+      </a:schemeClr>
+    </dgm:fillClrLst>
+    <dgm:linClrLst meth="repeat">
+      <a:schemeClr val="accent2">
+        <a:tint val="40000"/>
+        <a:alpha val="90000"/>
+      </a:schemeClr>
+      <a:schemeClr val="accent3">
+        <a:tint val="40000"/>
+        <a:alpha val="90000"/>
+      </a:schemeClr>
+      <a:schemeClr val="accent4">
+        <a:tint val="40000"/>
+        <a:alpha val="90000"/>
+      </a:schemeClr>
+      <a:schemeClr val="accent5">
+        <a:tint val="40000"/>
+        <a:alpha val="90000"/>
+      </a:schemeClr>
+      <a:schemeClr val="accent6">
+        <a:tint val="40000"/>
+        <a:alpha val="90000"/>
+      </a:schemeClr>
+    </dgm:linClrLst>
+    <dgm:effectClrLst/>
+    <dgm:txLinClrLst/>
+    <dgm:txFillClrLst meth="repeat">
+      <a:schemeClr val="dk1"/>
+    </dgm:txFillClrLst>
+    <dgm:txEffectClrLst/>
+  </dgm:styleLbl>
+  <dgm:styleLbl name="bgAccFollowNode1">
+    <dgm:fillClrLst meth="repeat">
+      <a:schemeClr val="accent2">
+        <a:tint val="40000"/>
+        <a:alpha val="90000"/>
+      </a:schemeClr>
+      <a:schemeClr val="accent3">
+        <a:tint val="40000"/>
+        <a:alpha val="90000"/>
+      </a:schemeClr>
+      <a:schemeClr val="accent4">
+        <a:tint val="40000"/>
+        <a:alpha val="90000"/>
+      </a:schemeClr>
+      <a:schemeClr val="accent5">
+        <a:tint val="40000"/>
+        <a:alpha val="90000"/>
+      </a:schemeClr>
+      <a:schemeClr val="accent6">
+        <a:tint val="40000"/>
+        <a:alpha val="90000"/>
+      </a:schemeClr>
+    </dgm:fillClrLst>
+    <dgm:linClrLst meth="repeat">
+      <a:schemeClr val="accent2">
+        <a:tint val="40000"/>
+        <a:alpha val="90000"/>
+      </a:schemeClr>
+      <a:schemeClr val="accent3">
+        <a:tint val="40000"/>
+        <a:alpha val="90000"/>
+      </a:schemeClr>
+      <a:schemeClr val="accent4">
+        <a:tint val="40000"/>
+        <a:alpha val="90000"/>
+      </a:schemeClr>
+      <a:schemeClr val="accent5">
+        <a:tint val="40000"/>
+        <a:alpha val="90000"/>
+      </a:schemeClr>
+      <a:schemeClr val="accent6">
+        <a:tint val="40000"/>
+        <a:alpha val="90000"/>
+      </a:schemeClr>
+    </dgm:linClrLst>
+    <dgm:effectClrLst/>
+    <dgm:txLinClrLst/>
+    <dgm:txFillClrLst meth="repeat">
+      <a:schemeClr val="dk1"/>
+    </dgm:txFillClrLst>
+    <dgm:txEffectClrLst/>
+  </dgm:styleLbl>
+  <dgm:styleLbl name="fgAcc0">
+    <dgm:fillClrLst meth="repeat">
+      <a:schemeClr val="lt1">
+        <a:alpha val="90000"/>
+      </a:schemeClr>
+    </dgm:fillClrLst>
+    <dgm:linClrLst>
+      <a:schemeClr val="accent1"/>
+    </dgm:linClrLst>
+    <dgm:effectClrLst/>
+    <dgm:txLinClrLst/>
+    <dgm:txFillClrLst meth="repeat">
+      <a:schemeClr val="dk1"/>
+    </dgm:txFillClrLst>
+    <dgm:txEffectClrLst/>
+  </dgm:styleLbl>
+  <dgm:styleLbl name="fgAcc2">
+    <dgm:fillClrLst meth="repeat">
+      <a:schemeClr val="lt1">
+        <a:alpha val="90000"/>
+      </a:schemeClr>
+    </dgm:fillClrLst>
+    <dgm:linClrLst>
+      <a:schemeClr val="accent2"/>
+    </dgm:linClrLst>
+    <dgm:effectClrLst/>
+    <dgm:txLinClrLst/>
+    <dgm:txFillClrLst meth="repeat">
+      <a:schemeClr val="dk1"/>
+    </dgm:txFillClrLst>
+    <dgm:txEffectClrLst/>
+  </dgm:styleLbl>
+  <dgm:styleLbl name="fgAcc3">
+    <dgm:fillClrLst meth="repeat">
+      <a:schemeClr val="lt1">
+        <a:alpha val="90000"/>
+      </a:schemeClr>
+    </dgm:fillClrLst>
+    <dgm:linClrLst>
+      <a:schemeClr val="accent3"/>
+    </dgm:linClrLst>
+    <dgm:effectClrLst/>
+    <dgm:txLinClrLst/>
+    <dgm:txFillClrLst meth="repeat">
+      <a:schemeClr val="dk1"/>
+    </dgm:txFillClrLst>
+    <dgm:txEffectClrLst/>
+  </dgm:styleLbl>
+  <dgm:styleLbl name="fgAcc4">
+    <dgm:fillClrLst meth="repeat">
+      <a:schemeClr val="lt1">
+        <a:alpha val="90000"/>
+      </a:schemeClr>
+    </dgm:fillClrLst>
+    <dgm:linClrLst>
+      <a:schemeClr val="accent4"/>
+    </dgm:linClrLst>
+    <dgm:effectClrLst/>
+    <dgm:txLinClrLst/>
+    <dgm:txFillClrLst meth="repeat">
+      <a:schemeClr val="dk1"/>
+    </dgm:txFillClrLst>
+    <dgm:txEffectClrLst/>
+  </dgm:styleLbl>
+  <dgm:styleLbl name="bgShp">
+    <dgm:fillClrLst meth="repeat">
+      <a:schemeClr val="accent2">
+        <a:tint val="40000"/>
+      </a:schemeClr>
+    </dgm:fillClrLst>
+    <dgm:linClrLst meth="repeat">
+      <a:schemeClr val="dk1"/>
+    </dgm:linClrLst>
+    <dgm:effectClrLst/>
+    <dgm:txLinClrLst/>
+    <dgm:txFillClrLst meth="repeat">
+      <a:schemeClr val="dk1"/>
+    </dgm:txFillClrLst>
+    <dgm:txEffectClrLst/>
+  </dgm:styleLbl>
+  <dgm:styleLbl name="dkBgShp">
+    <dgm:fillClrLst meth="repeat">
+      <a:schemeClr val="accent2">
+        <a:shade val="90000"/>
+      </a:schemeClr>
+    </dgm:fillClrLst>
+    <dgm:linClrLst meth="repeat">
+      <a:schemeClr val="dk1"/>
+    </dgm:linClrLst>
+    <dgm:effectClrLst/>
+    <dgm:txLinClrLst/>
+    <dgm:txFillClrLst meth="repeat">
+      <a:schemeClr val="lt1"/>
+    </dgm:txFillClrLst>
+    <dgm:txEffectClrLst/>
+  </dgm:styleLbl>
+  <dgm:styleLbl name="trBgShp">
+    <dgm:fillClrLst meth="repeat">
+      <a:schemeClr val="accent1">
+        <a:tint val="50000"/>
+        <a:alpha val="40000"/>
+      </a:schemeClr>
+    </dgm:fillClrLst>
+    <dgm:linClrLst meth="repeat">
+      <a:schemeClr val="accent2"/>
+    </dgm:linClrLst>
+    <dgm:effectClrLst/>
+    <dgm:txLinClrLst/>
+    <dgm:txFillClrLst meth="repeat">
+      <a:schemeClr val="lt1"/>
+    </dgm:txFillClrLst>
+    <dgm:txEffectClrLst/>
+  </dgm:styleLbl>
+  <dgm:styleLbl name="fgShp">
+    <dgm:fillClrLst meth="repeat">
+      <a:schemeClr val="accent2">
+        <a:tint val="40000"/>
+      </a:schemeClr>
+    </dgm:fillClrLst>
+    <dgm:linClrLst meth="repeat">
+      <a:schemeClr val="lt1"/>
+    </dgm:linClrLst>
+    <dgm:effectClrLst/>
+    <dgm:txLinClrLst/>
+    <dgm:txFillClrLst meth="repeat">
+      <a:schemeClr val="dk1"/>
+    </dgm:txFillClrLst>
+    <dgm:txEffectClrLst/>
+  </dgm:styleLbl>
+  <dgm:styleLbl name="revTx">
+    <dgm:fillClrLst meth="repeat">
+      <a:schemeClr val="lt1">
+        <a:alpha val="0"/>
+      </a:schemeClr>
+    </dgm:fillClrLst>
+    <dgm:linClrLst meth="repeat">
+      <a:schemeClr val="dk1">
+        <a:alpha val="0"/>
+      </a:schemeClr>
+    </dgm:linClrLst>
+    <dgm:effectClrLst/>
+    <dgm:txLinClrLst/>
+    <dgm:txFillClrLst meth="repeat">
+      <a:schemeClr val="tx1"/>
+    </dgm:txFillClrLst>
+    <dgm:txEffectClrLst/>
+  </dgm:styleLbl>
+</dgm:colorsDef>
+</file>
+
+<file path=ppt/diagrams/colors2.xml><?xml version="1.0" encoding="utf-8"?>
+<dgm:colorsDef xmlns:dgm="http://schemas.openxmlformats.org/drawingml/2006/diagram" xmlns:a="http://schemas.openxmlformats.org/drawingml/2006/main" uniqueId="urn:microsoft.com/office/officeart/2005/8/colors/colorful1">
+  <dgm:title val=""/>
+  <dgm:desc val=""/>
+  <dgm:catLst>
+    <dgm:cat type="colorful" pri="10100"/>
+  </dgm:catLst>
+  <dgm:styleLbl name="node0">
+    <dgm:fillClrLst meth="repeat">
+      <a:schemeClr val="accent1"/>
+    </dgm:fillClrLst>
+    <dgm:linClrLst meth="repeat">
+      <a:schemeClr val="lt1"/>
+    </dgm:linClrLst>
+    <dgm:effectClrLst/>
+    <dgm:txLinClrLst/>
+    <dgm:txFillClrLst/>
+    <dgm:txEffectClrLst/>
+  </dgm:styleLbl>
+  <dgm:styleLbl name="node1">
+    <dgm:fillClrLst meth="repeat">
+      <a:schemeClr val="accent2"/>
+      <a:schemeClr val="accent3"/>
+      <a:schemeClr val="accent4"/>
+      <a:schemeClr val="accent5"/>
+      <a:schemeClr val="accent6"/>
+    </dgm:fillClrLst>
+    <dgm:linClrLst meth="repeat">
+      <a:schemeClr val="lt1"/>
+    </dgm:linClrLst>
+    <dgm:effectClrLst/>
+    <dgm:txLinClrLst/>
+    <dgm:txFillClrLst/>
+    <dgm:txEffectClrLst/>
+  </dgm:styleLbl>
+  <dgm:styleLbl name="alignNode1">
+    <dgm:fillClrLst meth="repeat">
+      <a:schemeClr val="accent2"/>
+      <a:schemeClr val="accent3"/>
+      <a:schemeClr val="accent4"/>
+      <a:schemeClr val="accent5"/>
+      <a:schemeClr val="accent6"/>
+    </dgm:fillClrLst>
+    <dgm:linClrLst meth="repeat">
+      <a:schemeClr val="accent2"/>
+      <a:schemeClr val="accent3"/>
+      <a:schemeClr val="accent4"/>
+      <a:schemeClr val="accent5"/>
+      <a:schemeClr val="accent6"/>
+    </dgm:linClrLst>
+    <dgm:effectClrLst/>
+    <dgm:txLinClrLst/>
+    <dgm:txFillClrLst/>
+    <dgm:txEffectClrLst/>
+  </dgm:styleLbl>
+  <dgm:styleLbl name="lnNode1">
+    <dgm:fillClrLst meth="repeat">
+      <a:schemeClr val="accent2"/>
+      <a:schemeClr val="accent3"/>
+      <a:schemeClr val="accent4"/>
+      <a:schemeClr val="accent5"/>
+      <a:schemeClr val="accent6"/>
+    </dgm:fillClrLst>
+    <dgm:linClrLst meth="repeat">
+      <a:schemeClr val="lt1"/>
+    </dgm:linClrLst>
+    <dgm:effectClrLst/>
+    <dgm:txLinClrLst/>
+    <dgm:txFillClrLst/>
+    <dgm:txEffectClrLst/>
+  </dgm:styleLbl>
+  <dgm:styleLbl name="vennNode1">
+    <dgm:fillClrLst meth="repeat">
+      <a:schemeClr val="accent2">
+        <a:alpha val="50000"/>
+      </a:schemeClr>
+      <a:schemeClr val="accent3">
+        <a:alpha val="50000"/>
+      </a:schemeClr>
+      <a:schemeClr val="accent4">
+        <a:alpha val="50000"/>
+      </a:schemeClr>
+      <a:schemeClr val="accent5">
+        <a:alpha val="50000"/>
+      </a:schemeClr>
+      <a:schemeClr val="accent6">
+        <a:alpha val="50000"/>
+      </a:schemeClr>
+    </dgm:fillClrLst>
+    <dgm:linClrLst meth="repeat">
+      <a:schemeClr val="lt1"/>
+    </dgm:linClrLst>
+    <dgm:effectClrLst/>
+    <dgm:txLinClrLst/>
+    <dgm:txFillClrLst/>
+    <dgm:txEffectClrLst/>
+  </dgm:styleLbl>
+  <dgm:styleLbl name="node2">
+    <dgm:fillClrLst>
+      <a:schemeClr val="accent2"/>
+    </dgm:fillClrLst>
+    <dgm:linClrLst meth="repeat">
+      <a:schemeClr val="lt1"/>
+    </dgm:linClrLst>
+    <dgm:effectClrLst/>
+    <dgm:txLinClrLst/>
+    <dgm:txFillClrLst/>
+    <dgm:txEffectClrLst/>
+  </dgm:styleLbl>
+  <dgm:styleLbl name="node3">
+    <dgm:fillClrLst>
+      <a:schemeClr val="accent3"/>
+    </dgm:fillClrLst>
+    <dgm:linClrLst meth="repeat">
+      <a:schemeClr val="lt1"/>
+    </dgm:linClrLst>
+    <dgm:effectClrLst/>
+    <dgm:txLinClrLst/>
+    <dgm:txFillClrLst/>
+    <dgm:txEffectClrLst/>
+  </dgm:styleLbl>
+  <dgm:styleLbl name="node4">
+    <dgm:fillClrLst>
+      <a:schemeClr val="accent4"/>
+    </dgm:fillClrLst>
+    <dgm:linClrLst meth="repeat">
+      <a:schemeClr val="lt1"/>
+    </dgm:linClrLst>
+    <dgm:effectClrLst/>
+    <dgm:txLinClrLst/>
+    <dgm:txFillClrLst/>
+    <dgm:txEffectClrLst/>
+  </dgm:styleLbl>
+  <dgm:styleLbl name="fgImgPlace1">
+    <dgm:fillClrLst meth="repeat">
+      <a:schemeClr val="accent2">
+        <a:tint val="50000"/>
+      </a:schemeClr>
+      <a:schemeClr val="accent3">
+        <a:tint val="50000"/>
+      </a:schemeClr>
+      <a:schemeClr val="accent4">
+        <a:tint val="50000"/>
+      </a:schemeClr>
+      <a:schemeClr val="accent5">
+        <a:tint val="50000"/>
+      </a:schemeClr>
+      <a:schemeClr val="accent6">
+        <a:tint val="50000"/>
+      </a:schemeClr>
+    </dgm:fillClrLst>
+    <dgm:linClrLst meth="repeat">
+      <a:schemeClr val="lt1"/>
+    </dgm:linClrLst>
+    <dgm:effectClrLst/>
+    <dgm:txLinClrLst/>
+    <dgm:txFillClrLst meth="repeat">
+      <a:schemeClr val="lt1"/>
+    </dgm:txFillClrLst>
+    <dgm:txEffectClrLst/>
+  </dgm:styleLbl>
+  <dgm:styleLbl name="alignImgPlace1">
+    <dgm:fillClrLst>
+      <a:schemeClr val="accent1">
+        <a:tint val="50000"/>
+      </a:schemeClr>
+      <a:schemeClr val="accent2">
+        <a:tint val="20000"/>
+      </a:schemeClr>
+    </dgm:fillClrLst>
+    <dgm:linClrLst meth="repeat">
+      <a:schemeClr val="lt1"/>
+    </dgm:linClrLst>
+    <dgm:effectClrLst/>
+    <dgm:txLinClrLst/>
+    <dgm:txFillClrLst meth="repeat">
+      <a:schemeClr val="lt1"/>
+    </dgm:txFillClrLst>
+    <dgm:txEffectClrLst/>
+  </dgm:styleLbl>
+  <dgm:styleLbl name="bgImgPlace1">
+    <dgm:fillClrLst>
+      <a:schemeClr val="accent1">
+        <a:tint val="50000"/>
+      </a:schemeClr>
+      <a:schemeClr val="accent2">
+        <a:tint val="20000"/>
+      </a:schemeClr>
+    </dgm:fillClrLst>
+    <dgm:linClrLst meth="repeat">
+      <a:schemeClr val="lt1"/>
+    </dgm:linClrLst>
+    <dgm:effectClrLst/>
+    <dgm:txLinClrLst/>
+    <dgm:txFillClrLst meth="repeat">
+      <a:schemeClr val="lt1"/>
+    </dgm:txFillClrLst>
+    <dgm:txEffectClrLst/>
+  </dgm:styleLbl>
+  <dgm:styleLbl name="sibTrans2D1">
+    <dgm:fillClrLst meth="repeat">
+      <a:schemeClr val="accent2"/>
+      <a:schemeClr val="accent3"/>
+      <a:schemeClr val="accent4"/>
+      <a:schemeClr val="accent5"/>
+      <a:schemeClr val="accent6"/>
+    </dgm:fillClrLst>
+    <dgm:linClrLst meth="cycle">
+      <a:schemeClr val="lt1"/>
+    </dgm:linClrLst>
+    <dgm:effectClrLst/>
+    <dgm:txLinClrLst/>
+    <dgm:txFillClrLst/>
+    <dgm:txEffectClrLst/>
+  </dgm:styleLbl>
+  <dgm:styleLbl name="fgSibTrans2D1">
+    <dgm:fillClrLst meth="repeat">
+      <a:schemeClr val="accent2"/>
+      <a:schemeClr val="accent3"/>
+      <a:schemeClr val="accent4"/>
+      <a:schemeClr val="accent5"/>
+      <a:schemeClr val="accent6"/>
+    </dgm:fillClrLst>
+    <dgm:linClrLst meth="cycle">
+      <a:schemeClr val="lt1"/>
+    </dgm:linClrLst>
+    <dgm:effectClrLst/>
+    <dgm:txLinClrLst/>
+    <dgm:txFillClrLst meth="repeat">
+      <a:schemeClr val="lt1"/>
+    </dgm:txFillClrLst>
+    <dgm:txEffectClrLst/>
+  </dgm:styleLbl>
+  <dgm:styleLbl name="bgSibTrans2D1">
+    <dgm:fillClrLst meth="repeat">
+      <a:schemeClr val="accent2"/>
+      <a:schemeClr val="accent3"/>
+      <a:schemeClr val="accent4"/>
+      <a:schemeClr val="accent5"/>
+      <a:schemeClr val="accent6"/>
+    </dgm:fillClrLst>
+    <dgm:linClrLst meth="cycle">
+      <a:schemeClr val="lt1"/>
+    </dgm:linClrLst>
+    <dgm:effectClrLst/>
+    <dgm:txLinClrLst/>
+    <dgm:txFillClrLst meth="repeat">
+      <a:schemeClr val="lt1"/>
+    </dgm:txFillClrLst>
+    <dgm:txEffectClrLst/>
+  </dgm:styleLbl>
+  <dgm:styleLbl name="sibTrans1D1">
+    <dgm:fillClrLst meth="repeat">
+      <a:schemeClr val="accent2"/>
+      <a:schemeClr val="accent3"/>
+      <a:schemeClr val="accent4"/>
+      <a:schemeClr val="accent5"/>
+      <a:schemeClr val="accent6"/>
+    </dgm:fillClrLst>
+    <dgm:linClrLst meth="repeat">
+      <a:schemeClr val="accent2"/>
+      <a:schemeClr val="accent3"/>
+      <a:schemeClr val="accent4"/>
+      <a:schemeClr val="accent5"/>
+      <a:schemeClr val="accent6"/>
+    </dgm:linClrLst>
+    <dgm:effectClrLst/>
+    <dgm:txLinClrLst/>
+    <dgm:txFillClrLst meth="repeat">
+      <a:schemeClr val="tx1"/>
+    </dgm:txFillClrLst>
+    <dgm:txEffectClrLst/>
+  </dgm:styleLbl>
+  <dgm:styleLbl name="callout">
+    <dgm:fillClrLst meth="repeat">
+      <a:schemeClr val="accent2"/>
+    </dgm:fillClrLst>
+    <dgm:linClrLst meth="repeat">
+      <a:schemeClr val="accent2">
+        <a:tint val="50000"/>
+      </a:schemeClr>
+    </dgm:linClrLst>
+    <dgm:effectClrLst/>
+    <dgm:txLinClrLst/>
+    <dgm:txFillClrLst meth="repeat">
+      <a:schemeClr val="tx1"/>
+    </dgm:txFillClrLst>
+    <dgm:txEffectClrLst/>
+  </dgm:styleLbl>
+  <dgm:styleLbl name="asst0">
+    <dgm:fillClrLst meth="repeat">
+      <a:schemeClr val="accent1"/>
+    </dgm:fillClrLst>
+    <dgm:linClrLst meth="repeat">
+      <a:schemeClr val="lt1"/>
+    </dgm:linClrLst>
+    <dgm:effectClrLst/>
+    <dgm:txLinClrLst/>
+    <dgm:txFillClrLst/>
+    <dgm:txEffectClrLst/>
+  </dgm:styleLbl>
+  <dgm:styleLbl name="asst1">
+    <dgm:fillClrLst meth="repeat">
+      <a:schemeClr val="accent2"/>
+    </dgm:fillClrLst>
+    <dgm:linClrLst meth="repeat">
+      <a:schemeClr val="lt1"/>
+    </dgm:linClrLst>
+    <dgm:effectClrLst/>
+    <dgm:txLinClrLst/>
+    <dgm:txFillClrLst/>
+    <dgm:txEffectClrLst/>
+  </dgm:styleLbl>
+  <dgm:styleLbl name="asst2">
+    <dgm:fillClrLst>
+      <a:schemeClr val="accent3"/>
+    </dgm:fillClrLst>
+    <dgm:linClrLst meth="repeat">
+      <a:schemeClr val="lt1"/>
+    </dgm:linClrLst>
+    <dgm:effectClrLst/>
+    <dgm:txLinClrLst/>
+    <dgm:txFillClrLst/>
+    <dgm:txEffectClrLst/>
+  </dgm:styleLbl>
+  <dgm:styleLbl name="asst3">
+    <dgm:fillClrLst>
+      <a:schemeClr val="accent4"/>
+    </dgm:fillClrLst>
+    <dgm:linClrLst meth="repeat">
+      <a:schemeClr val="lt1"/>
+    </dgm:linClrLst>
+    <dgm:effectClrLst/>
+    <dgm:txLinClrLst/>
+    <dgm:txFillClrLst/>
+    <dgm:txEffectClrLst/>
+  </dgm:styleLbl>
+  <dgm:styleLbl name="asst4">
+    <dgm:fillClrLst>
+      <a:schemeClr val="accent5"/>
+    </dgm:fillClrLst>
+    <dgm:linClrLst meth="repeat">
+      <a:schemeClr val="lt1"/>
+    </dgm:linClrLst>
+    <dgm:effectClrLst/>
+    <dgm:txLinClrLst/>
+    <dgm:txFillClrLst/>
+    <dgm:txEffectClrLst/>
+  </dgm:styleLbl>
+  <dgm:styleLbl name="parChTrans2D1">
+    <dgm:fillClrLst meth="repeat">
+      <a:schemeClr val="accent2"/>
+    </dgm:fillClrLst>
+    <dgm:linClrLst meth="repeat">
+      <a:schemeClr val="lt1"/>
+    </dgm:linClrLst>
+    <dgm:effectClrLst/>
+    <dgm:txLinClrLst/>
+    <dgm:txFillClrLst meth="repeat">
+      <a:schemeClr val="lt1"/>
+    </dgm:txFillClrLst>
+    <dgm:txEffectClrLst/>
+  </dgm:styleLbl>
+  <dgm:styleLbl name="parChTrans2D2">
+    <dgm:fillClrLst meth="repeat">
+      <a:schemeClr val="accent3"/>
+    </dgm:fillClrLst>
+    <dgm:linClrLst meth="repeat">
+      <a:schemeClr val="lt1"/>
+    </dgm:linClrLst>
+    <dgm:effectClrLst/>
+    <dgm:txLinClrLst/>
+    <dgm:txFillClrLst/>
+    <dgm:txEffectClrLst/>
+  </dgm:styleLbl>
+  <dgm:styleLbl name="parChTrans2D3">
+    <dgm:fillClrLst meth="repeat">
+      <a:schemeClr val="accent4"/>
+    </dgm:fillClrLst>
+    <dgm:linClrLst meth="repeat">
+      <a:schemeClr val="lt1"/>
+    </dgm:linClrLst>
+    <dgm:effectClrLst/>
+    <dgm:txLinClrLst/>
+    <dgm:txFillClrLst/>
+    <dgm:txEffectClrLst/>
+  </dgm:styleLbl>
+  <dgm:styleLbl name="parChTrans2D4">
+    <dgm:fillClrLst meth="repeat">
+      <a:schemeClr val="accent5"/>
+    </dgm:fillClrLst>
+    <dgm:linClrLst meth="repeat">
+      <a:schemeClr val="lt1"/>
+    </dgm:linClrLst>
+    <dgm:effectClrLst/>
+    <dgm:txLinClrLst/>
+    <dgm:txFillClrLst meth="repeat">
+      <a:schemeClr val="lt1"/>
+    </dgm:txFillClrLst>
+    <dgm:txEffectClrLst/>
+  </dgm:styleLbl>
+  <dgm:styleLbl name="parChTrans1D1">
+    <dgm:fillClrLst meth="repeat">
+      <a:schemeClr val="accent2"/>
+    </dgm:fillClrLst>
+    <dgm:linClrLst meth="repeat">
+      <a:schemeClr val="accent1"/>
+    </dgm:linClrLst>
+    <dgm:effectClrLst/>
+    <dgm:txLinClrLst/>
+    <dgm:txFillClrLst meth="repeat">
+      <a:schemeClr val="tx1"/>
+    </dgm:txFillClrLst>
+    <dgm:txEffectClrLst/>
+  </dgm:styleLbl>
+  <dgm:styleLbl name="parChTrans1D2">
+    <dgm:fillClrLst meth="repeat">
+      <a:schemeClr val="accent3">
+        <a:tint val="90000"/>
+      </a:schemeClr>
+    </dgm:fillClrLst>
+    <dgm:linClrLst meth="repeat">
+      <a:schemeClr val="accent2"/>
+    </dgm:linClrLst>
+    <dgm:effectClrLst/>
+    <dgm:txLinClrLst/>
+    <dgm:txFillClrLst meth="repeat">
+      <a:schemeClr val="tx1"/>
+    </dgm:txFillClrLst>
+    <dgm:txEffectClrLst/>
+  </dgm:styleLbl>
+  <dgm:styleLbl name="parChTrans1D3">
+    <dgm:fillClrLst meth="repeat">
+      <a:schemeClr val="accent4">
+        <a:tint val="70000"/>
+      </a:schemeClr>
+    </dgm:fillClrLst>
+    <dgm:linClrLst meth="repeat">
+      <a:schemeClr val="accent3"/>
+    </dgm:linClrLst>
+    <dgm:effectClrLst/>
+    <dgm:txLinClrLst/>
+    <dgm:txFillClrLst meth="repeat">
+      <a:schemeClr val="tx1"/>
+    </dgm:txFillClrLst>
+    <dgm:txEffectClrLst/>
+  </dgm:styleLbl>
+  <dgm:styleLbl name="parChTrans1D4">
+    <dgm:fillClrLst meth="repeat">
+      <a:schemeClr val="accent5">
+        <a:tint val="50000"/>
+      </a:schemeClr>
+    </dgm:fillClrLst>
+    <dgm:linClrLst meth="repeat">
+      <a:schemeClr val="accent4"/>
+    </dgm:linClrLst>
+    <dgm:effectClrLst/>
+    <dgm:txLinClrLst/>
+    <dgm:txFillClrLst meth="repeat">
+      <a:schemeClr val="tx1"/>
+    </dgm:txFillClrLst>
+    <dgm:txEffectClrLst/>
+  </dgm:styleLbl>
+  <dgm:styleLbl name="fgAcc1">
+    <dgm:fillClrLst meth="repeat">
+      <a:schemeClr val="lt1">
+        <a:alpha val="90000"/>
+      </a:schemeClr>
+    </dgm:fillClrLst>
+    <dgm:linClrLst meth="repeat">
+      <a:schemeClr val="accent2"/>
+      <a:schemeClr val="accent3"/>
+      <a:schemeClr val="accent4"/>
+      <a:schemeClr val="accent5"/>
+      <a:schemeClr val="accent6"/>
+    </dgm:linClrLst>
+    <dgm:effectClrLst/>
+    <dgm:txLinClrLst/>
+    <dgm:txFillClrLst meth="repeat">
+      <a:schemeClr val="dk1"/>
+    </dgm:txFillClrLst>
+    <dgm:txEffectClrLst/>
+  </dgm:styleLbl>
+  <dgm:styleLbl name="conFgAcc1">
+    <dgm:fillClrLst meth="repeat">
+      <a:schemeClr val="lt1">
+        <a:alpha val="90000"/>
+      </a:schemeClr>
+    </dgm:fillClrLst>
+    <dgm:linClrLst meth="repeat">
+      <a:schemeClr val="accent2"/>
+      <a:schemeClr val="accent3"/>
+      <a:schemeClr val="accent4"/>
+      <a:schemeClr val="accent5"/>
+      <a:schemeClr val="accent6"/>
+    </dgm:linClrLst>
+    <dgm:effectClrLst/>
+    <dgm:txLinClrLst/>
+    <dgm:txFillClrLst meth="repeat">
+      <a:schemeClr val="dk1"/>
+    </dgm:txFillClrLst>
+    <dgm:txEffectClrLst/>
+  </dgm:styleLbl>
+  <dgm:styleLbl name="alignAcc1">
+    <dgm:fillClrLst meth="repeat">
+      <a:schemeClr val="lt1">
+        <a:alpha val="90000"/>
+      </a:schemeClr>
+    </dgm:fillClrLst>
+    <dgm:linClrLst meth="repeat">
+      <a:schemeClr val="accent2"/>
+      <a:schemeClr val="accent3"/>
+      <a:schemeClr val="accent4"/>
+      <a:schemeClr val="accent5"/>
+      <a:schemeClr val="accent6"/>
+    </dgm:linClrLst>
+    <dgm:effectClrLst/>
+    <dgm:txLinClrLst/>
+    <dgm:txFillClrLst meth="repeat">
+      <a:schemeClr val="dk1"/>
+    </dgm:txFillClrLst>
+    <dgm:txEffectClrLst/>
+  </dgm:styleLbl>
+  <dgm:styleLbl name="trAlignAcc1">
+    <dgm:fillClrLst meth="repeat">
+      <a:schemeClr val="lt1">
+        <a:alpha val="40000"/>
+      </a:schemeClr>
+    </dgm:fillClrLst>
+    <dgm:linClrLst meth="repeat">
+      <a:schemeClr val="accent1"/>
+    </dgm:linClrLst>
+    <dgm:effectClrLst/>
+    <dgm:txLinClrLst/>
+    <dgm:txFillClrLst meth="repeat">
+      <a:schemeClr val="dk1"/>
+    </dgm:txFillClrLst>
+    <dgm:txEffectClrLst/>
+  </dgm:styleLbl>
+  <dgm:styleLbl name="bgAcc1">
+    <dgm:fillClrLst meth="repeat">
+      <a:schemeClr val="lt1">
+        <a:alpha val="90000"/>
+      </a:schemeClr>
+    </dgm:fillClrLst>
+    <dgm:linClrLst meth="repeat">
+      <a:schemeClr val="accent2"/>
+      <a:schemeClr val="accent3"/>
+      <a:schemeClr val="accent4"/>
+      <a:schemeClr val="accent5"/>
+      <a:schemeClr val="accent6"/>
+    </dgm:linClrLst>
+    <dgm:effectClrLst/>
+    <dgm:txLinClrLst/>
+    <dgm:txFillClrLst meth="repeat">
+      <a:schemeClr val="dk1"/>
+    </dgm:txFillClrLst>
+    <dgm:txEffectClrLst/>
+  </dgm:styleLbl>
+  <dgm:styleLbl name="solidFgAcc1">
+    <dgm:fillClrLst meth="repeat">
+      <a:schemeClr val="lt1"/>
+    </dgm:fillClrLst>
+    <dgm:linClrLst meth="repeat">
+      <a:schemeClr val="accent2"/>
+      <a:schemeClr val="accent3"/>
+      <a:schemeClr val="accent4"/>
+      <a:schemeClr val="accent5"/>
+      <a:schemeClr val="accent6"/>
+    </dgm:linClrLst>
+    <dgm:effectClrLst/>
+    <dgm:txLinClrLst/>
+    <dgm:txFillClrLst meth="repeat">
+      <a:schemeClr val="dk1"/>
+    </dgm:txFillClrLst>
+    <dgm:txEffectClrLst/>
+  </dgm:styleLbl>
+  <dgm:styleLbl name="solidAlignAcc1">
+    <dgm:fillClrLst meth="repeat">
+      <a:schemeClr val="lt1"/>
+    </dgm:fillClrLst>
+    <dgm:linClrLst meth="repeat">
+      <a:schemeClr val="accent2"/>
+      <a:schemeClr val="accent3"/>
+      <a:schemeClr val="accent4"/>
+      <a:schemeClr val="accent5"/>
+      <a:schemeClr val="accent6"/>
+    </dgm:linClrLst>
+    <dgm:effectClrLst/>
+    <dgm:txLinClrLst/>
+    <dgm:txFillClrLst meth="repeat">
+      <a:schemeClr val="dk1"/>
+    </dgm:txFillClrLst>
+    <dgm:txEffectClrLst/>
+  </dgm:styleLbl>
+  <dgm:styleLbl name="solidBgAcc1">
+    <dgm:fillClrLst meth="repeat">
+      <a:schemeClr val="lt1"/>
+    </dgm:fillClrLst>
+    <dgm:linClrLst meth="repeat">
+      <a:schemeClr val="accent2"/>
+      <a:schemeClr val="accent3"/>
+      <a:schemeClr val="accent4"/>
+      <a:schemeClr val="accent5"/>
+      <a:schemeClr val="accent6"/>
+    </dgm:linClrLst>
+    <dgm:effectClrLst/>
+    <dgm:txLinClrLst/>
+    <dgm:txFillClrLst meth="repeat">
+      <a:schemeClr val="dk1"/>
+    </dgm:txFillClrLst>
+    <dgm:txEffectClrLst/>
+  </dgm:styleLbl>
+  <dgm:styleLbl name="fgAccFollowNode1">
+    <dgm:fillClrLst meth="repeat">
+      <a:schemeClr val="accent2">
+        <a:tint val="40000"/>
+        <a:alpha val="90000"/>
+      </a:schemeClr>
+      <a:schemeClr val="accent3">
+        <a:tint val="40000"/>
+        <a:alpha val="90000"/>
+      </a:schemeClr>
+      <a:schemeClr val="accent4">
+        <a:tint val="40000"/>
+        <a:alpha val="90000"/>
+      </a:schemeClr>
+      <a:schemeClr val="accent5">
+        <a:tint val="40000"/>
+        <a:alpha val="90000"/>
+      </a:schemeClr>
+      <a:schemeClr val="accent6">
+        <a:tint val="40000"/>
+        <a:alpha val="90000"/>
+      </a:schemeClr>
+    </dgm:fillClrLst>
+    <dgm:linClrLst meth="repeat">
+      <a:schemeClr val="accent2">
+        <a:tint val="40000"/>
+        <a:alpha val="90000"/>
+      </a:schemeClr>
+      <a:schemeClr val="accent3">
+        <a:tint val="40000"/>
+        <a:alpha val="90000"/>
+      </a:schemeClr>
+      <a:schemeClr val="accent4">
+        <a:tint val="40000"/>
+        <a:alpha val="90000"/>
+      </a:schemeClr>
+      <a:schemeClr val="accent5">
+        <a:tint val="40000"/>
+        <a:alpha val="90000"/>
+      </a:schemeClr>
+      <a:schemeClr val="accent6">
+        <a:tint val="40000"/>
+        <a:alpha val="90000"/>
+      </a:schemeClr>
+    </dgm:linClrLst>
+    <dgm:effectClrLst/>
+    <dgm:txLinClrLst/>
+    <dgm:txFillClrLst meth="repeat">
+      <a:schemeClr val="dk1"/>
+    </dgm:txFillClrLst>
+    <dgm:txEffectClrLst/>
+  </dgm:styleLbl>
+  <dgm:styleLbl name="alignAccFollowNode1">
+    <dgm:fillClrLst meth="repeat">
+      <a:schemeClr val="accent2">
+        <a:tint val="40000"/>
+        <a:alpha val="90000"/>
+      </a:schemeClr>
+      <a:schemeClr val="accent3">
+        <a:tint val="40000"/>
+        <a:alpha val="90000"/>
+      </a:schemeClr>
+      <a:schemeClr val="accent4">
+        <a:tint val="40000"/>
+        <a:alpha val="90000"/>
+      </a:schemeClr>
+      <a:schemeClr val="accent5">
+        <a:tint val="40000"/>
+        <a:alpha val="90000"/>
+      </a:schemeClr>
+      <a:schemeClr val="accent6">
+        <a:tint val="40000"/>
+        <a:alpha val="90000"/>
+      </a:schemeClr>
+    </dgm:fillClrLst>
+    <dgm:linClrLst meth="repeat">
+      <a:schemeClr val="accent2">
+        <a:tint val="40000"/>
+        <a:alpha val="90000"/>
+      </a:schemeClr>
+      <a:schemeClr val="accent3">
+        <a:tint val="40000"/>
+        <a:alpha val="90000"/>
+      </a:schemeClr>
+      <a:schemeClr val="accent4">
+        <a:tint val="40000"/>
+        <a:alpha val="90000"/>
+      </a:schemeClr>
+      <a:schemeClr val="accent5">
+        <a:tint val="40000"/>
+        <a:alpha val="90000"/>
+      </a:schemeClr>
+      <a:schemeClr val="accent6">
+        <a:tint val="40000"/>
+        <a:alpha val="90000"/>
+      </a:schemeClr>
+    </dgm:linClrLst>
+    <dgm:effectClrLst/>
+    <dgm:txLinClrLst/>
+    <dgm:txFillClrLst meth="repeat">
+      <a:schemeClr val="dk1"/>
+    </dgm:txFillClrLst>
+    <dgm:txEffectClrLst/>
+  </dgm:styleLbl>
+  <dgm:styleLbl name="bgAccFollowNode1">
+    <dgm:fillClrLst meth="repeat">
+      <a:schemeClr val="accent2">
+        <a:tint val="40000"/>
+        <a:alpha val="90000"/>
+      </a:schemeClr>
+      <a:schemeClr val="accent3">
+        <a:tint val="40000"/>
+        <a:alpha val="90000"/>
+      </a:schemeClr>
+      <a:schemeClr val="accent4">
+        <a:tint val="40000"/>
+        <a:alpha val="90000"/>
+      </a:schemeClr>
+      <a:schemeClr val="accent5">
+        <a:tint val="40000"/>
+        <a:alpha val="90000"/>
+      </a:schemeClr>
+      <a:schemeClr val="accent6">
+        <a:tint val="40000"/>
+        <a:alpha val="90000"/>
+      </a:schemeClr>
+    </dgm:fillClrLst>
+    <dgm:linClrLst meth="repeat">
+      <a:schemeClr val="accent2">
+        <a:tint val="40000"/>
+        <a:alpha val="90000"/>
+      </a:schemeClr>
+      <a:schemeClr val="accent3">
+        <a:tint val="40000"/>
+        <a:alpha val="90000"/>
+      </a:schemeClr>
+      <a:schemeClr val="accent4">
+        <a:tint val="40000"/>
+        <a:alpha val="90000"/>
+      </a:schemeClr>
+      <a:schemeClr val="accent5">
+        <a:tint val="40000"/>
+        <a:alpha val="90000"/>
+      </a:schemeClr>
+      <a:schemeClr val="accent6">
+        <a:tint val="40000"/>
+        <a:alpha val="90000"/>
+      </a:schemeClr>
+    </dgm:linClrLst>
+    <dgm:effectClrLst/>
+    <dgm:txLinClrLst/>
+    <dgm:txFillClrLst meth="repeat">
+      <a:schemeClr val="dk1"/>
+    </dgm:txFillClrLst>
+    <dgm:txEffectClrLst/>
+  </dgm:styleLbl>
+  <dgm:styleLbl name="fgAcc0">
+    <dgm:fillClrLst meth="repeat">
+      <a:schemeClr val="lt1">
+        <a:alpha val="90000"/>
+      </a:schemeClr>
+    </dgm:fillClrLst>
+    <dgm:linClrLst>
+      <a:schemeClr val="accent1"/>
+    </dgm:linClrLst>
+    <dgm:effectClrLst/>
+    <dgm:txLinClrLst/>
+    <dgm:txFillClrLst meth="repeat">
+      <a:schemeClr val="dk1"/>
+    </dgm:txFillClrLst>
+    <dgm:txEffectClrLst/>
+  </dgm:styleLbl>
+  <dgm:styleLbl name="fgAcc2">
+    <dgm:fillClrLst meth="repeat">
+      <a:schemeClr val="lt1">
+        <a:alpha val="90000"/>
+      </a:schemeClr>
+    </dgm:fillClrLst>
+    <dgm:linClrLst>
+      <a:schemeClr val="accent2"/>
+    </dgm:linClrLst>
+    <dgm:effectClrLst/>
+    <dgm:txLinClrLst/>
+    <dgm:txFillClrLst meth="repeat">
+      <a:schemeClr val="dk1"/>
+    </dgm:txFillClrLst>
+    <dgm:txEffectClrLst/>
+  </dgm:styleLbl>
+  <dgm:styleLbl name="fgAcc3">
+    <dgm:fillClrLst meth="repeat">
+      <a:schemeClr val="lt1">
+        <a:alpha val="90000"/>
+      </a:schemeClr>
+    </dgm:fillClrLst>
+    <dgm:linClrLst>
+      <a:schemeClr val="accent3"/>
+    </dgm:linClrLst>
+    <dgm:effectClrLst/>
+    <dgm:txLinClrLst/>
+    <dgm:txFillClrLst meth="repeat">
+      <a:schemeClr val="dk1"/>
+    </dgm:txFillClrLst>
+    <dgm:txEffectClrLst/>
+  </dgm:styleLbl>
+  <dgm:styleLbl name="fgAcc4">
+    <dgm:fillClrLst meth="repeat">
+      <a:schemeClr val="lt1">
+        <a:alpha val="90000"/>
+      </a:schemeClr>
+    </dgm:fillClrLst>
+    <dgm:linClrLst>
+      <a:schemeClr val="accent4"/>
+    </dgm:linClrLst>
+    <dgm:effectClrLst/>
+    <dgm:txLinClrLst/>
+    <dgm:txFillClrLst meth="repeat">
+      <a:schemeClr val="dk1"/>
+    </dgm:txFillClrLst>
+    <dgm:txEffectClrLst/>
+  </dgm:styleLbl>
+  <dgm:styleLbl name="bgShp">
+    <dgm:fillClrLst meth="repeat">
+      <a:schemeClr val="accent2">
+        <a:tint val="40000"/>
+      </a:schemeClr>
+    </dgm:fillClrLst>
+    <dgm:linClrLst meth="repeat">
+      <a:schemeClr val="dk1"/>
+    </dgm:linClrLst>
+    <dgm:effectClrLst/>
+    <dgm:txLinClrLst/>
+    <dgm:txFillClrLst meth="repeat">
+      <a:schemeClr val="dk1"/>
+    </dgm:txFillClrLst>
+    <dgm:txEffectClrLst/>
+  </dgm:styleLbl>
+  <dgm:styleLbl name="dkBgShp">
+    <dgm:fillClrLst meth="repeat">
+      <a:schemeClr val="accent2">
+        <a:shade val="90000"/>
+      </a:schemeClr>
+    </dgm:fillClrLst>
+    <dgm:linClrLst meth="repeat">
+      <a:schemeClr val="dk1"/>
+    </dgm:linClrLst>
+    <dgm:effectClrLst/>
+    <dgm:txLinClrLst/>
+    <dgm:txFillClrLst meth="repeat">
+      <a:schemeClr val="lt1"/>
+    </dgm:txFillClrLst>
+    <dgm:txEffectClrLst/>
+  </dgm:styleLbl>
+  <dgm:styleLbl name="trBgShp">
+    <dgm:fillClrLst meth="repeat">
+      <a:schemeClr val="accent1">
+        <a:tint val="50000"/>
+        <a:alpha val="40000"/>
+      </a:schemeClr>
+    </dgm:fillClrLst>
+    <dgm:linClrLst meth="repeat">
+      <a:schemeClr val="accent2"/>
+    </dgm:linClrLst>
+    <dgm:effectClrLst/>
+    <dgm:txLinClrLst/>
+    <dgm:txFillClrLst meth="repeat">
+      <a:schemeClr val="lt1"/>
+    </dgm:txFillClrLst>
+    <dgm:txEffectClrLst/>
+  </dgm:styleLbl>
+  <dgm:styleLbl name="fgShp">
+    <dgm:fillClrLst meth="repeat">
+      <a:schemeClr val="accent2">
+        <a:tint val="40000"/>
+      </a:schemeClr>
+    </dgm:fillClrLst>
+    <dgm:linClrLst meth="repeat">
+      <a:schemeClr val="lt1"/>
+    </dgm:linClrLst>
+    <dgm:effectClrLst/>
+    <dgm:txLinClrLst/>
+    <dgm:txFillClrLst meth="repeat">
+      <a:schemeClr val="dk1"/>
+    </dgm:txFillClrLst>
+    <dgm:txEffectClrLst/>
+  </dgm:styleLbl>
+  <dgm:styleLbl name="revTx">
+    <dgm:fillClrLst meth="repeat">
+      <a:schemeClr val="lt1">
+        <a:alpha val="0"/>
+      </a:schemeClr>
+    </dgm:fillClrLst>
+    <dgm:linClrLst meth="repeat">
+      <a:schemeClr val="dk1">
+        <a:alpha val="0"/>
+      </a:schemeClr>
+    </dgm:linClrLst>
+    <dgm:effectClrLst/>
+    <dgm:txLinClrLst/>
+    <dgm:txFillClrLst meth="repeat">
+      <a:schemeClr val="tx1"/>
+    </dgm:txFillClrLst>
+    <dgm:txEffectClrLst/>
+  </dgm:styleLbl>
+</dgm:colorsDef>
+</file>
+
+<file path=ppt/diagrams/data1.xml><?xml version="1.0" encoding="utf-8"?>
+<dgm:dataModel xmlns:dgm="http://schemas.openxmlformats.org/drawingml/2006/diagram" xmlns:a="http://schemas.openxmlformats.org/drawingml/2006/main">
+  <dgm:ptLst>
+    <dgm:pt modelId="{C200DED6-3962-4004-A5C5-6ABD54CDC8D0}" type="doc">
+      <dgm:prSet loTypeId="urn:microsoft.com/office/officeart/2005/8/layout/default" loCatId="list" qsTypeId="urn:microsoft.com/office/officeart/2005/8/quickstyle/simple3" qsCatId="simple" csTypeId="urn:microsoft.com/office/officeart/2005/8/colors/colorful1" csCatId="colorful" phldr="1"/>
+      <dgm:spPr/>
+      <dgm:t>
+        <a:bodyPr/>
+        <a:lstStyle/>
+        <a:p>
+          <a:endParaRPr lang="en-US"/>
+        </a:p>
+      </dgm:t>
+    </dgm:pt>
+    <dgm:pt modelId="{0AF2130C-7DE2-47ED-A5F5-004A4835B9EC}" type="pres">
+      <dgm:prSet presAssocID="{C200DED6-3962-4004-A5C5-6ABD54CDC8D0}" presName="diagram" presStyleCnt="0">
+        <dgm:presLayoutVars>
+          <dgm:dir/>
+          <dgm:resizeHandles val="exact"/>
+        </dgm:presLayoutVars>
+      </dgm:prSet>
+      <dgm:spPr/>
+    </dgm:pt>
+  </dgm:ptLst>
+  <dgm:cxnLst>
+    <dgm:cxn modelId="{6497D67D-160F-4655-B19D-F5CE5449C2C1}" type="presOf" srcId="{C200DED6-3962-4004-A5C5-6ABD54CDC8D0}" destId="{0AF2130C-7DE2-47ED-A5F5-004A4835B9EC}" srcOrd="0" destOrd="0" presId="urn:microsoft.com/office/officeart/2005/8/layout/default"/>
+  </dgm:cxnLst>
+  <dgm:bg/>
+  <dgm:whole/>
+  <dgm:extLst>
+    <a:ext uri="http://schemas.microsoft.com/office/drawing/2008/diagram">
+      <dsp:dataModelExt xmlns:dsp="http://schemas.microsoft.com/office/drawing/2008/diagram" relId="rId7" minVer="http://schemas.openxmlformats.org/drawingml/2006/diagram"/>
+    </a:ext>
+  </dgm:extLst>
+</dgm:dataModel>
+</file>
+
+<file path=ppt/diagrams/data2.xml><?xml version="1.0" encoding="utf-8"?>
+<dgm:dataModel xmlns:dgm="http://schemas.openxmlformats.org/drawingml/2006/diagram" xmlns:a="http://schemas.openxmlformats.org/drawingml/2006/main">
+  <dgm:ptLst>
+    <dgm:pt modelId="{D74B2A2F-C98D-4B06-B79A-CFD51CE76CAB}" type="doc">
+      <dgm:prSet loTypeId="urn:microsoft.com/office/officeart/2005/8/layout/default" loCatId="list" qsTypeId="urn:microsoft.com/office/officeart/2005/8/quickstyle/3d6" qsCatId="3D" csTypeId="urn:microsoft.com/office/officeart/2005/8/colors/colorful1" csCatId="colorful" phldr="1"/>
+      <dgm:spPr/>
+      <dgm:t>
+        <a:bodyPr/>
+        <a:lstStyle/>
+        <a:p>
+          <a:endParaRPr lang="en-US"/>
+        </a:p>
+      </dgm:t>
+    </dgm:pt>
+    <dgm:pt modelId="{88D217DC-91BA-4C58-B038-2D53913D22CE}" type="pres">
+      <dgm:prSet presAssocID="{D74B2A2F-C98D-4B06-B79A-CFD51CE76CAB}" presName="diagram" presStyleCnt="0">
+        <dgm:presLayoutVars>
+          <dgm:dir/>
+          <dgm:resizeHandles val="exact"/>
+        </dgm:presLayoutVars>
+      </dgm:prSet>
+      <dgm:spPr/>
+    </dgm:pt>
+  </dgm:ptLst>
+  <dgm:cxnLst>
+    <dgm:cxn modelId="{9E28AC40-D8BD-480A-8DAB-78B3E4AAABA3}" type="presOf" srcId="{D74B2A2F-C98D-4B06-B79A-CFD51CE76CAB}" destId="{88D217DC-91BA-4C58-B038-2D53913D22CE}" srcOrd="0" destOrd="0" presId="urn:microsoft.com/office/officeart/2005/8/layout/default"/>
+  </dgm:cxnLst>
+  <dgm:bg/>
+  <dgm:whole/>
+  <dgm:extLst>
+    <a:ext uri="http://schemas.microsoft.com/office/drawing/2008/diagram">
+      <dsp:dataModelExt xmlns:dsp="http://schemas.microsoft.com/office/drawing/2008/diagram" relId="rId12" minVer="http://schemas.openxmlformats.org/drawingml/2006/diagram"/>
+    </a:ext>
+  </dgm:extLst>
+</dgm:dataModel>
+</file>
+
+<file path=ppt/diagrams/drawing1.xml><?xml version="1.0" encoding="utf-8"?>
+<dsp:drawing xmlns:dgm="http://schemas.openxmlformats.org/drawingml/2006/diagram" xmlns:dsp="http://schemas.microsoft.com/office/drawing/2008/diagram" xmlns:a="http://schemas.openxmlformats.org/drawingml/2006/main">
+  <dsp:spTree>
+    <dsp:nvGrpSpPr>
+      <dsp:cNvPr id="0" name=""/>
+      <dsp:cNvGrpSpPr/>
+    </dsp:nvGrpSpPr>
+    <dsp:grpSpPr/>
+  </dsp:spTree>
+</dsp:drawing>
+</file>
+
+<file path=ppt/diagrams/drawing2.xml><?xml version="1.0" encoding="utf-8"?>
+<dsp:drawing xmlns:dgm="http://schemas.openxmlformats.org/drawingml/2006/diagram" xmlns:dsp="http://schemas.microsoft.com/office/drawing/2008/diagram" xmlns:a="http://schemas.openxmlformats.org/drawingml/2006/main">
+  <dsp:spTree>
+    <dsp:nvGrpSpPr>
+      <dsp:cNvPr id="0" name=""/>
+      <dsp:cNvGrpSpPr/>
+    </dsp:nvGrpSpPr>
+    <dsp:grpSpPr/>
+  </dsp:spTree>
+</dsp:drawing>
+</file>
+
+<file path=ppt/diagrams/layout1.xml><?xml version="1.0" encoding="utf-8"?>
+<dgm:layoutDef xmlns:dgm="http://schemas.openxmlformats.org/drawingml/2006/diagram" xmlns:a="http://schemas.openxmlformats.org/drawingml/2006/main" uniqueId="urn:microsoft.com/office/officeart/2005/8/layout/default">
+  <dgm:title val=""/>
+  <dgm:desc val=""/>
+  <dgm:catLst>
+    <dgm:cat type="list" pri="400"/>
+  </dgm:catLst>
+  <dgm:sampData>
+    <dgm:dataModel>
+      <dgm:ptLst>
+        <dgm:pt modelId="0" type="doc"/>
+        <dgm:pt modelId="1">
+          <dgm:prSet phldr="1"/>
+        </dgm:pt>
+        <dgm:pt modelId="2">
+          <dgm:prSet phldr="1"/>
+        </dgm:pt>
+        <dgm:pt modelId="3">
+          <dgm:prSet phldr="1"/>
+        </dgm:pt>
+        <dgm:pt modelId="4">
+          <dgm:prSet phldr="1"/>
+        </dgm:pt>
+        <dgm:pt modelId="5">
+          <dgm:prSet phldr="1"/>
+        </dgm:pt>
+      </dgm:ptLst>
+      <dgm:cxnLst>
+        <dgm:cxn modelId="6" srcId="0" destId="1" srcOrd="0" destOrd="0"/>
+        <dgm:cxn modelId="7" srcId="0" destId="2" srcOrd="1" destOrd="0"/>
+        <dgm:cxn modelId="8" srcId="0" destId="3" srcOrd="2" destOrd="0"/>
+        <dgm:cxn modelId="9" srcId="0" destId="4" srcOrd="3" destOrd="0"/>
+        <dgm:cxn modelId="10" srcId="0" destId="5" srcOrd="4" destOrd="0"/>
+      </dgm:cxnLst>
+      <dgm:bg/>
+      <dgm:whole/>
+    </dgm:dataModel>
+  </dgm:sampData>
+  <dgm:styleData>
+    <dgm:dataModel>
+      <dgm:ptLst>
+        <dgm:pt modelId="0" type="doc"/>
+        <dgm:pt modelId="1"/>
+        <dgm:pt modelId="2"/>
+      </dgm:ptLst>
+      <dgm:cxnLst>
+        <dgm:cxn modelId="3" srcId="0" destId="1" srcOrd="0" destOrd="0"/>
+        <dgm:cxn modelId="4" srcId="0" destId="2" srcOrd="1" destOrd="0"/>
+      </dgm:cxnLst>
+      <dgm:bg/>
+      <dgm:whole/>
+    </dgm:dataModel>
+  </dgm:styleData>
+  <dgm:clrData>
+    <dgm:dataModel>
+      <dgm:ptLst>
+        <dgm:pt modelId="0" type="doc"/>
+        <dgm:pt modelId="1"/>
+        <dgm:pt modelId="2"/>
+        <dgm:pt modelId="3"/>
+        <dgm:pt modelId="4"/>
+        <dgm:pt modelId="5"/>
+        <dgm:pt modelId="6"/>
+      </dgm:ptLst>
+      <dgm:cxnLst>
+        <dgm:cxn modelId="7" srcId="0" destId="1" srcOrd="0" destOrd="0"/>
+        <dgm:cxn modelId="8" srcId="0" destId="2" srcOrd="1" destOrd="0"/>
+        <dgm:cxn modelId="9" srcId="0" destId="3" srcOrd="2" destOrd="0"/>
+        <dgm:cxn modelId="10" srcId="0" destId="4" srcOrd="3" destOrd="0"/>
+        <dgm:cxn modelId="11" srcId="0" destId="5" srcOrd="4" destOrd="0"/>
+        <dgm:cxn modelId="12" srcId="0" destId="6" srcOrd="5" destOrd="0"/>
+      </dgm:cxnLst>
+      <dgm:bg/>
+      <dgm:whole/>
+    </dgm:dataModel>
+  </dgm:clrData>
+  <dgm:layoutNode name="diagram">
+    <dgm:varLst>
+      <dgm:dir/>
+      <dgm:resizeHandles val="exact"/>
+    </dgm:varLst>
+    <dgm:choose name="Name0">
+      <dgm:if name="Name1" func="var" arg="dir" op="equ" val="norm">
+        <dgm:alg type="snake">
+          <dgm:param type="grDir" val="tL"/>
+          <dgm:param type="flowDir" val="row"/>
+          <dgm:param type="contDir" val="sameDir"/>
+          <dgm:param type="off" val="ctr"/>
+        </dgm:alg>
+      </dgm:if>
+      <dgm:else name="Name2">
+        <dgm:alg type="snake">
+          <dgm:param type="grDir" val="tR"/>
+          <dgm:param type="flowDir" val="row"/>
+          <dgm:param type="contDir" val="sameDir"/>
+          <dgm:param type="off" val="ctr"/>
+        </dgm:alg>
+      </dgm:else>
+    </dgm:choose>
+    <dgm:shape xmlns:r="http://schemas.openxmlformats.org/officeDocument/2006/relationships" r:blip="">
+      <dgm:adjLst/>
+    </dgm:shape>
+    <dgm:presOf/>
+    <dgm:constrLst>
+      <dgm:constr type="w" for="ch" forName="node" refType="w"/>
+      <dgm:constr type="h" for="ch" forName="node" refType="w" refFor="ch" refForName="node" fact="0.6"/>
+      <dgm:constr type="w" for="ch" forName="sibTrans" refType="w" refFor="ch" refForName="node" fact="0.1"/>
+      <dgm:constr type="sp" refType="w" refFor="ch" refForName="sibTrans"/>
+      <dgm:constr type="primFontSz" for="ch" forName="node" op="equ" val="65"/>
+    </dgm:constrLst>
+    <dgm:ruleLst/>
+    <dgm:forEach name="Name3" axis="ch" ptType="node">
+      <dgm:layoutNode name="node">
+        <dgm:varLst>
+          <dgm:bulletEnabled val="1"/>
+        </dgm:varLst>
+        <dgm:alg type="tx"/>
+        <dgm:shape xmlns:r="http://schemas.openxmlformats.org/officeDocument/2006/relationships" type="rect" r:blip="">
+          <dgm:adjLst/>
+        </dgm:shape>
+        <dgm:presOf axis="desOrSelf" ptType="node"/>
+        <dgm:constrLst>
+          <dgm:constr type="lMarg" refType="primFontSz" fact="0.3"/>
+          <dgm:constr type="rMarg" refType="primFontSz" fact="0.3"/>
+          <dgm:constr type="tMarg" refType="primFontSz" fact="0.3"/>
+          <dgm:constr type="bMarg" refType="primFontSz" fact="0.3"/>
+        </dgm:constrLst>
+        <dgm:ruleLst>
+          <dgm:rule type="primFontSz" val="5" fact="NaN" max="NaN"/>
+        </dgm:ruleLst>
+      </dgm:layoutNode>
+      <dgm:forEach name="Name4" axis="followSib" ptType="sibTrans" cnt="1">
+        <dgm:layoutNode name="sibTrans">
+          <dgm:alg type="sp"/>
+          <dgm:shape xmlns:r="http://schemas.openxmlformats.org/officeDocument/2006/relationships" r:blip="">
+            <dgm:adjLst/>
+          </dgm:shape>
+          <dgm:presOf/>
+          <dgm:constrLst/>
+          <dgm:ruleLst/>
+        </dgm:layoutNode>
+      </dgm:forEach>
+    </dgm:forEach>
+  </dgm:layoutNode>
+</dgm:layoutDef>
+</file>
+
+<file path=ppt/diagrams/layout2.xml><?xml version="1.0" encoding="utf-8"?>
+<dgm:layoutDef xmlns:dgm="http://schemas.openxmlformats.org/drawingml/2006/diagram" xmlns:a="http://schemas.openxmlformats.org/drawingml/2006/main" uniqueId="urn:microsoft.com/office/officeart/2005/8/layout/default">
+  <dgm:title val=""/>
+  <dgm:desc val=""/>
+  <dgm:catLst>
+    <dgm:cat type="list" pri="400"/>
+  </dgm:catLst>
+  <dgm:sampData>
+    <dgm:dataModel>
+      <dgm:ptLst>
+        <dgm:pt modelId="0" type="doc"/>
+        <dgm:pt modelId="1">
+          <dgm:prSet phldr="1"/>
+        </dgm:pt>
+        <dgm:pt modelId="2">
+          <dgm:prSet phldr="1"/>
+        </dgm:pt>
+        <dgm:pt modelId="3">
+          <dgm:prSet phldr="1"/>
+        </dgm:pt>
+        <dgm:pt modelId="4">
+          <dgm:prSet phldr="1"/>
+        </dgm:pt>
+        <dgm:pt modelId="5">
+          <dgm:prSet phldr="1"/>
+        </dgm:pt>
+      </dgm:ptLst>
+      <dgm:cxnLst>
+        <dgm:cxn modelId="6" srcId="0" destId="1" srcOrd="0" destOrd="0"/>
+        <dgm:cxn modelId="7" srcId="0" destId="2" srcOrd="1" destOrd="0"/>
+        <dgm:cxn modelId="8" srcId="0" destId="3" srcOrd="2" destOrd="0"/>
+        <dgm:cxn modelId="9" srcId="0" destId="4" srcOrd="3" destOrd="0"/>
+        <dgm:cxn modelId="10" srcId="0" destId="5" srcOrd="4" destOrd="0"/>
+      </dgm:cxnLst>
+      <dgm:bg/>
+      <dgm:whole/>
+    </dgm:dataModel>
+  </dgm:sampData>
+  <dgm:styleData>
+    <dgm:dataModel>
+      <dgm:ptLst>
+        <dgm:pt modelId="0" type="doc"/>
+        <dgm:pt modelId="1"/>
+        <dgm:pt modelId="2"/>
+      </dgm:ptLst>
+      <dgm:cxnLst>
+        <dgm:cxn modelId="3" srcId="0" destId="1" srcOrd="0" destOrd="0"/>
+        <dgm:cxn modelId="4" srcId="0" destId="2" srcOrd="1" destOrd="0"/>
+      </dgm:cxnLst>
+      <dgm:bg/>
+      <dgm:whole/>
+    </dgm:dataModel>
+  </dgm:styleData>
+  <dgm:clrData>
+    <dgm:dataModel>
+      <dgm:ptLst>
+        <dgm:pt modelId="0" type="doc"/>
+        <dgm:pt modelId="1"/>
+        <dgm:pt modelId="2"/>
+        <dgm:pt modelId="3"/>
+        <dgm:pt modelId="4"/>
+        <dgm:pt modelId="5"/>
+        <dgm:pt modelId="6"/>
+      </dgm:ptLst>
+      <dgm:cxnLst>
+        <dgm:cxn modelId="7" srcId="0" destId="1" srcOrd="0" destOrd="0"/>
+        <dgm:cxn modelId="8" srcId="0" destId="2" srcOrd="1" destOrd="0"/>
+        <dgm:cxn modelId="9" srcId="0" destId="3" srcOrd="2" destOrd="0"/>
+        <dgm:cxn modelId="10" srcId="0" destId="4" srcOrd="3" destOrd="0"/>
+        <dgm:cxn modelId="11" srcId="0" destId="5" srcOrd="4" destOrd="0"/>
+        <dgm:cxn modelId="12" srcId="0" destId="6" srcOrd="5" destOrd="0"/>
+      </dgm:cxnLst>
+      <dgm:bg/>
+      <dgm:whole/>
+    </dgm:dataModel>
+  </dgm:clrData>
+  <dgm:layoutNode name="diagram">
+    <dgm:varLst>
+      <dgm:dir/>
+      <dgm:resizeHandles val="exact"/>
+    </dgm:varLst>
+    <dgm:choose name="Name0">
+      <dgm:if name="Name1" func="var" arg="dir" op="equ" val="norm">
+        <dgm:alg type="snake">
+          <dgm:param type="grDir" val="tL"/>
+          <dgm:param type="flowDir" val="row"/>
+          <dgm:param type="contDir" val="sameDir"/>
+          <dgm:param type="off" val="ctr"/>
+        </dgm:alg>
+      </dgm:if>
+      <dgm:else name="Name2">
+        <dgm:alg type="snake">
+          <dgm:param type="grDir" val="tR"/>
+          <dgm:param type="flowDir" val="row"/>
+          <dgm:param type="contDir" val="sameDir"/>
+          <dgm:param type="off" val="ctr"/>
+        </dgm:alg>
+      </dgm:else>
+    </dgm:choose>
+    <dgm:shape xmlns:r="http://schemas.openxmlformats.org/officeDocument/2006/relationships" r:blip="">
+      <dgm:adjLst/>
+    </dgm:shape>
+    <dgm:presOf/>
+    <dgm:constrLst>
+      <dgm:constr type="w" for="ch" forName="node" refType="w"/>
+      <dgm:constr type="h" for="ch" forName="node" refType="w" refFor="ch" refForName="node" fact="0.6"/>
+      <dgm:constr type="w" for="ch" forName="sibTrans" refType="w" refFor="ch" refForName="node" fact="0.1"/>
+      <dgm:constr type="sp" refType="w" refFor="ch" refForName="sibTrans"/>
+      <dgm:constr type="primFontSz" for="ch" forName="node" op="equ" val="65"/>
+    </dgm:constrLst>
+    <dgm:ruleLst/>
+    <dgm:forEach name="Name3" axis="ch" ptType="node">
+      <dgm:layoutNode name="node">
+        <dgm:varLst>
+          <dgm:bulletEnabled val="1"/>
+        </dgm:varLst>
+        <dgm:alg type="tx"/>
+        <dgm:shape xmlns:r="http://schemas.openxmlformats.org/officeDocument/2006/relationships" type="rect" r:blip="">
+          <dgm:adjLst/>
+        </dgm:shape>
+        <dgm:presOf axis="desOrSelf" ptType="node"/>
+        <dgm:constrLst>
+          <dgm:constr type="lMarg" refType="primFontSz" fact="0.3"/>
+          <dgm:constr type="rMarg" refType="primFontSz" fact="0.3"/>
+          <dgm:constr type="tMarg" refType="primFontSz" fact="0.3"/>
+          <dgm:constr type="bMarg" refType="primFontSz" fact="0.3"/>
+        </dgm:constrLst>
+        <dgm:ruleLst>
+          <dgm:rule type="primFontSz" val="5" fact="NaN" max="NaN"/>
+        </dgm:ruleLst>
+      </dgm:layoutNode>
+      <dgm:forEach name="Name4" axis="followSib" ptType="sibTrans" cnt="1">
+        <dgm:layoutNode name="sibTrans">
+          <dgm:alg type="sp"/>
+          <dgm:shape xmlns:r="http://schemas.openxmlformats.org/officeDocument/2006/relationships" r:blip="">
+            <dgm:adjLst/>
+          </dgm:shape>
+          <dgm:presOf/>
+          <dgm:constrLst/>
+          <dgm:ruleLst/>
+        </dgm:layoutNode>
+      </dgm:forEach>
+    </dgm:forEach>
+  </dgm:layoutNode>
+</dgm:layoutDef>
+</file>
+
+<file path=ppt/diagrams/quickStyle1.xml><?xml version="1.0" encoding="utf-8"?>
+<dgm:styleDef xmlns:dgm="http://schemas.openxmlformats.org/drawingml/2006/diagram" xmlns:a="http://schemas.openxmlformats.org/drawingml/2006/main" uniqueId="urn:microsoft.com/office/officeart/2005/8/quickstyle/simple3">
+  <dgm:title val=""/>
+  <dgm:desc val=""/>
+  <dgm:catLst>
+    <dgm:cat type="simple" pri="10300"/>
+  </dgm:catLst>
+  <dgm:scene3d>
+    <a:camera prst="orthographicFront"/>
+    <a:lightRig rig="threePt" dir="t"/>
+  </dgm:scene3d>
+  <dgm:styleLbl name="node0">
+    <dgm:scene3d>
+      <a:camera prst="orthographicFront"/>
+      <a:lightRig rig="flat" dir="t"/>
+    </dgm:scene3d>
+    <dgm:sp3d prstMaterial="dkEdge">
+      <a:bevelT w="8200" h="38100"/>
+    </dgm:sp3d>
+    <dgm:txPr/>
+    <dgm:style>
+      <a:lnRef idx="0">
+        <a:scrgbClr r="0" g="0" b="0"/>
+      </a:lnRef>
+      <a:fillRef idx="2">
+        <a:scrgbClr r="0" g="0" b="0"/>
+      </a:fillRef>
+      <a:effectRef idx="1">
+        <a:scrgbClr r="0" g="0" b="0"/>
+      </a:effectRef>
+      <a:fontRef idx="minor">
+        <a:schemeClr val="dk1"/>
+      </a:fontRef>
+    </dgm:style>
+  </dgm:styleLbl>
+  <dgm:styleLbl name="lnNode1">
+    <dgm:scene3d>
+      <a:camera prst="orthographicFront"/>
+      <a:lightRig rig="flat" dir="t"/>
+    </dgm:scene3d>
+    <dgm:sp3d prstMaterial="dkEdge">
+      <a:bevelT w="8200" h="38100"/>
+    </dgm:sp3d>
+    <dgm:txPr/>
+    <dgm:style>
+      <a:lnRef idx="1">
+        <a:scrgbClr r="0" g="0" b="0"/>
+      </a:lnRef>
+      <a:fillRef idx="2">
+        <a:scrgbClr r="0" g="0" b="0"/>
+      </a:fillRef>
+      <a:effectRef idx="0">
+        <a:scrgbClr r="0" g="0" b="0"/>
+      </a:effectRef>
+      <a:fontRef idx="minor">
+        <a:schemeClr val="dk1"/>
+      </a:fontRef>
+    </dgm:style>
+  </dgm:styleLbl>
+  <dgm:styleLbl name="vennNode1">
+    <dgm:scene3d>
+      <a:camera prst="orthographicFront"/>
+      <a:lightRig rig="flat" dir="t"/>
+    </dgm:scene3d>
+    <dgm:sp3d prstMaterial="dkEdge">
+      <a:bevelT w="8200" h="38100"/>
+    </dgm:sp3d>
+    <dgm:txPr/>
+    <dgm:style>
+      <a:lnRef idx="0">
+        <a:scrgbClr r="0" g="0" b="0"/>
+      </a:lnRef>
+      <a:fillRef idx="2">
+        <a:scrgbClr r="0" g="0" b="0"/>
+      </a:fillRef>
+      <a:effectRef idx="0">
+        <a:scrgbClr r="0" g="0" b="0"/>
+      </a:effectRef>
+      <a:fontRef idx="minor">
+        <a:schemeClr val="tx1"/>
+      </a:fontRef>
+    </dgm:style>
+  </dgm:styleLbl>
+  <dgm:styleLbl name="alignNode1">
+    <dgm:scene3d>
+      <a:camera prst="orthographicFront"/>
+      <a:lightRig rig="threePt" dir="t"/>
+    </dgm:scene3d>
+    <dgm:sp3d/>
+    <dgm:txPr/>
+    <dgm:style>
+      <a:lnRef idx="1">
+        <a:scrgbClr r="0" g="0" b="0"/>
+      </a:lnRef>
+      <a:fillRef idx="2">
+        <a:scrgbClr r="0" g="0" b="0"/>
+      </a:fillRef>
+      <a:effectRef idx="1">
+        <a:scrgbClr r="0" g="0" b="0"/>
+      </a:effectRef>
+      <a:fontRef idx="minor">
+        <a:schemeClr val="dk1"/>
+      </a:fontRef>
+    </dgm:style>
+  </dgm:styleLbl>
+  <dgm:styleLbl name="node1">
+    <dgm:scene3d>
+      <a:camera prst="orthographicFront"/>
+      <a:lightRig rig="flat" dir="t"/>
+    </dgm:scene3d>
+    <dgm:sp3d prstMaterial="dkEdge">
+      <a:bevelT w="8200" h="38100"/>
+    </dgm:sp3d>
+    <dgm:txPr/>
+    <dgm:style>
+      <a:lnRef idx="0">
+        <a:scrgbClr r="0" g="0" b="0"/>
+      </a:lnRef>
+      <a:fillRef idx="2">
+        <a:scrgbClr r="0" g="0" b="0"/>
+      </a:fillRef>
+      <a:effectRef idx="1">
+        <a:scrgbClr r="0" g="0" b="0"/>
+      </a:effectRef>
+      <a:fontRef idx="minor">
+        <a:schemeClr val="dk1"/>
+      </a:fontRef>
+    </dgm:style>
+  </dgm:styleLbl>
+  <dgm:styleLbl name="node2">
+    <dgm:scene3d>
+      <a:camera prst="orthographicFront"/>
+      <a:lightRig rig="flat" dir="t"/>
+    </dgm:scene3d>
+    <dgm:sp3d prstMaterial="dkEdge">
+      <a:bevelT w="8200" h="38100"/>
+    </dgm:sp3d>
+    <dgm:txPr/>
+    <dgm:style>
+      <a:lnRef idx="0">
+        <a:scrgbClr r="0" g="0" b="0"/>
+      </a:lnRef>
+      <a:fillRef idx="2">
+        <a:scrgbClr r="0" g="0" b="0"/>
+      </a:fillRef>
+      <a:effectRef idx="1">
+        <a:scrgbClr r="0" g="0" b="0"/>
+      </a:effectRef>
+      <a:fontRef idx="minor">
+        <a:schemeClr val="dk1"/>
+      </a:fontRef>
+    </dgm:style>
+  </dgm:styleLbl>
+  <dgm:styleLbl name="node3">
+    <dgm:scene3d>
+      <a:camera prst="orthographicFront"/>
+      <a:lightRig rig="flat" dir="t"/>
+    </dgm:scene3d>
+    <dgm:sp3d prstMaterial="dkEdge">
+      <a:bevelT w="8200" h="38100"/>
+    </dgm:sp3d>
+    <dgm:txPr/>
+    <dgm:style>
+      <a:lnRef idx="0">
+        <a:scrgbClr r="0" g="0" b="0"/>
+      </a:lnRef>
+      <a:fillRef idx="2">
+        <a:scrgbClr r="0" g="0" b="0"/>
+      </a:fillRef>
+      <a:effectRef idx="1">
+        <a:scrgbClr r="0" g="0" b="0"/>
+      </a:effectRef>
+      <a:fontRef idx="minor">
+        <a:schemeClr val="dk1"/>
+      </a:fontRef>
+    </dgm:style>
+  </dgm:styleLbl>
+  <dgm:styleLbl name="node4">
+    <dgm:scene3d>
+      <a:camera prst="orthographicFront"/>
+      <a:lightRig rig="flat" dir="t"/>
+    </dgm:scene3d>
+    <dgm:sp3d prstMaterial="dkEdge">
+      <a:bevelT w="8200" h="38100"/>
+    </dgm:sp3d>
+    <dgm:txPr/>
+    <dgm:style>
+      <a:lnRef idx="0">
+        <a:scrgbClr r="0" g="0" b="0"/>
+      </a:lnRef>
+      <a:fillRef idx="2">
+        <a:scrgbClr r="0" g="0" b="0"/>
+      </a:fillRef>
+      <a:effectRef idx="1">
+        <a:scrgbClr r="0" g="0" b="0"/>
+      </a:effectRef>
+      <a:fontRef idx="minor">
+        <a:schemeClr val="dk1"/>
+      </a:fontRef>
+    </dgm:style>
+  </dgm:styleLbl>
+  <dgm:styleLbl name="fgImgPlace1">
+    <dgm:scene3d>
+      <a:camera prst="orthographicFront"/>
+      <a:lightRig rig="threePt" dir="t"/>
+    </dgm:scene3d>
+    <dgm:sp3d/>
+    <dgm:txPr/>
+    <dgm:style>
+      <a:lnRef idx="1">
+        <a:scrgbClr r="0" g="0" b="0"/>
+      </a:lnRef>
+      <a:fillRef idx="1">
+        <a:scrgbClr r="0" g="0" b="0"/>
+      </a:fillRef>
+      <a:effectRef idx="1">
+        <a:scrgbClr r="0" g="0" b="0"/>
+      </a:effectRef>
+      <a:fontRef idx="minor"/>
+    </dgm:style>
+  </dgm:styleLbl>
+  <dgm:styleLbl name="alignImgPlace1">
+    <dgm:scene3d>
+      <a:camera prst="orthographicFront"/>
+      <a:lightRig rig="threePt" dir="t"/>
+    </dgm:scene3d>
+    <dgm:sp3d/>
+    <dgm:txPr/>
+    <dgm:style>
+      <a:lnRef idx="1">
+        <a:scrgbClr r="0" g="0" b="0"/>
+      </a:lnRef>
+      <a:fillRef idx="1">
+        <a:scrgbClr r="0" g="0" b="0"/>
+      </a:fillRef>
+      <a:effectRef idx="1">
+        <a:scrgbClr r="0" g="0" b="0"/>
+      </a:effectRef>
+      <a:fontRef idx="minor"/>
+    </dgm:style>
+  </dgm:styleLbl>
+  <dgm:styleLbl name="bgImgPlace1">
+    <dgm:scene3d>
+      <a:camera prst="orthographicFront"/>
+      <a:lightRig rig="threePt" dir="t"/>
+    </dgm:scene3d>
+    <dgm:sp3d/>
+    <dgm:txPr/>
+    <dgm:style>
+      <a:lnRef idx="1">
+        <a:scrgbClr r="0" g="0" b="0"/>
+      </a:lnRef>
+      <a:fillRef idx="1">
+        <a:scrgbClr r="0" g="0" b="0"/>
+      </a:fillRef>
+      <a:effectRef idx="1">
+        <a:scrgbClr r="0" g="0" b="0"/>
+      </a:effectRef>
+      <a:fontRef idx="minor"/>
+    </dgm:style>
+  </dgm:styleLbl>
+  <dgm:styleLbl name="sibTrans2D1">
+    <dgm:scene3d>
+      <a:camera prst="orthographicFront"/>
+      <a:lightRig rig="threePt" dir="t"/>
+    </dgm:scene3d>
+    <dgm:sp3d/>
+    <dgm:txPr/>
+    <dgm:style>
+      <a:lnRef idx="0">
+        <a:scrgbClr r="0" g="0" b="0"/>
+      </a:lnRef>
+      <a:fillRef idx="2">
+        <a:scrgbClr r="0" g="0" b="0"/>
+      </a:fillRef>
+      <a:effectRef idx="1">
+        <a:scrgbClr r="0" g="0" b="0"/>
+      </a:effectRef>
+      <a:fontRef idx="minor">
+        <a:schemeClr val="dk1"/>
+      </a:fontRef>
+    </dgm:style>
+  </dgm:styleLbl>
+  <dgm:styleLbl name="fgSibTrans2D1">
+    <dgm:scene3d>
+      <a:camera prst="orthographicFront"/>
+      <a:lightRig rig="threePt" dir="t"/>
+    </dgm:scene3d>
+    <dgm:sp3d/>
+    <dgm:txPr/>
+    <dgm:style>
+      <a:lnRef idx="0">
+        <a:scrgbClr r="0" g="0" b="0"/>
+      </a:lnRef>
+      <a:fillRef idx="2">
+        <a:scrgbClr r="0" g="0" b="0"/>
+      </a:fillRef>
+      <a:effectRef idx="1">
+        <a:scrgbClr r="0" g="0" b="0"/>
+      </a:effectRef>
+      <a:fontRef idx="minor">
+        <a:schemeClr val="dk1"/>
+      </a:fontRef>
+    </dgm:style>
+  </dgm:styleLbl>
+  <dgm:styleLbl name="bgSibTrans2D1">
+    <dgm:scene3d>
+      <a:camera prst="orthographicFront"/>
+      <a:lightRig rig="threePt" dir="t"/>
+    </dgm:scene3d>
+    <dgm:sp3d/>
+    <dgm:txPr/>
+    <dgm:style>
+      <a:lnRef idx="0">
+        <a:scrgbClr r="0" g="0" b="0"/>
+      </a:lnRef>
+      <a:fillRef idx="2">
+        <a:scrgbClr r="0" g="0" b="0"/>
+      </a:fillRef>
+      <a:effectRef idx="1">
+        <a:scrgbClr r="0" g="0" b="0"/>
+      </a:effectRef>
+      <a:fontRef idx="minor">
+        <a:schemeClr val="dk1"/>
+      </a:fontRef>
+    </dgm:style>
+  </dgm:styleLbl>
+  <dgm:styleLbl name="sibTrans1D1">
+    <dgm:scene3d>
+      <a:camera prst="orthographicFront"/>
+      <a:lightRig rig="threePt" dir="t"/>
+    </dgm:scene3d>
+    <dgm:sp3d/>
+    <dgm:txPr/>
+    <dgm:style>
+      <a:lnRef idx="1">
+        <a:scrgbClr r="0" g="0" b="0"/>
+      </a:lnRef>
+      <a:fillRef idx="0">
+        <a:scrgbClr r="0" g="0" b="0"/>
+      </a:fillRef>
+      <a:effectRef idx="0">
+        <a:scrgbClr r="0" g="0" b="0"/>
+      </a:effectRef>
+      <a:fontRef idx="minor"/>
+    </dgm:style>
+  </dgm:styleLbl>
+  <dgm:styleLbl name="callout">
+    <dgm:scene3d>
+      <a:camera prst="orthographicFront"/>
+      <a:lightRig rig="threePt" dir="t"/>
+    </dgm:scene3d>
+    <dgm:sp3d/>
+    <dgm:txPr/>
+    <dgm:style>
+      <a:lnRef idx="1">
+        <a:scrgbClr r="0" g="0" b="0"/>
+      </a:lnRef>
+      <a:fillRef idx="2">
+        <a:scrgbClr r="0" g="0" b="0"/>
+      </a:fillRef>
+      <a:effectRef idx="1">
+        <a:scrgbClr r="0" g="0" b="0"/>
+      </a:effectRef>
+      <a:fontRef idx="minor"/>
+    </dgm:style>
+  </dgm:styleLbl>
+  <dgm:styleLbl name="asst0">
+    <dgm:scene3d>
+      <a:camera prst="orthographicFront"/>
+      <a:lightRig rig="flat" dir="t"/>
+    </dgm:scene3d>
+    <dgm:sp3d prstMaterial="dkEdge">
+      <a:bevelT w="8200" h="38100"/>
+    </dgm:sp3d>
+    <dgm:txPr/>
+    <dgm:style>
+      <a:lnRef idx="0">
+        <a:scrgbClr r="0" g="0" b="0"/>
+      </a:lnRef>
+      <a:fillRef idx="2">
+        <a:scrgbClr r="0" g="0" b="0"/>
+      </a:fillRef>
+      <a:effectRef idx="1">
+        <a:scrgbClr r="0" g="0" b="0"/>
+      </a:effectRef>
+      <a:fontRef idx="minor">
+        <a:schemeClr val="dk1"/>
+      </a:fontRef>
+    </dgm:style>
+  </dgm:styleLbl>
+  <dgm:styleLbl name="asst1">
+    <dgm:scene3d>
+      <a:camera prst="orthographicFront"/>
+      <a:lightRig rig="flat" dir="t"/>
+    </dgm:scene3d>
+    <dgm:sp3d prstMaterial="dkEdge">
+      <a:bevelT w="8200" h="38100"/>
+    </dgm:sp3d>
+    <dgm:txPr/>
+    <dgm:style>
+      <a:lnRef idx="0">
+        <a:scrgbClr r="0" g="0" b="0"/>
+      </a:lnRef>
+      <a:fillRef idx="2">
+        <a:scrgbClr r="0" g="0" b="0"/>
+      </a:fillRef>
+      <a:effectRef idx="1">
+        <a:scrgbClr r="0" g="0" b="0"/>
+      </a:effectRef>
+      <a:fontRef idx="minor">
+        <a:schemeClr val="dk1"/>
+      </a:fontRef>
+    </dgm:style>
+  </dgm:styleLbl>
+  <dgm:styleLbl name="asst2">
+    <dgm:scene3d>
+      <a:camera prst="orthographicFront"/>
+      <a:lightRig rig="flat" dir="t"/>
+    </dgm:scene3d>
+    <dgm:sp3d prstMaterial="dkEdge">
+      <a:bevelT w="8200" h="38100"/>
+    </dgm:sp3d>
+    <dgm:txPr/>
+    <dgm:style>
+      <a:lnRef idx="0">
+        <a:scrgbClr r="0" g="0" b="0"/>
+      </a:lnRef>
+      <a:fillRef idx="2">
+        <a:scrgbClr r="0" g="0" b="0"/>
+      </a:fillRef>
+      <a:effectRef idx="1">
+        <a:scrgbClr r="0" g="0" b="0"/>
+      </a:effectRef>
+      <a:fontRef idx="minor">
+        <a:schemeClr val="dk1"/>
+      </a:fontRef>
+    </dgm:style>
+  </dgm:styleLbl>
+  <dgm:styleLbl name="asst3">
+    <dgm:scene3d>
+      <a:camera prst="orthographicFront"/>
+      <a:lightRig rig="flat" dir="t"/>
+    </dgm:scene3d>
+    <dgm:sp3d prstMaterial="dkEdge">
+      <a:bevelT w="8200" h="38100"/>
+    </dgm:sp3d>
+    <dgm:txPr/>
+    <dgm:style>
+      <a:lnRef idx="0">
+        <a:scrgbClr r="0" g="0" b="0"/>
+      </a:lnRef>
+      <a:fillRef idx="2">
+        <a:scrgbClr r="0" g="0" b="0"/>
+      </a:fillRef>
+      <a:effectRef idx="1">
+        <a:scrgbClr r="0" g="0" b="0"/>
+      </a:effectRef>
+      <a:fontRef idx="minor">
+        <a:schemeClr val="dk1"/>
+      </a:fontRef>
+    </dgm:style>
+  </dgm:styleLbl>
+  <dgm:styleLbl name="asst4">
+    <dgm:scene3d>
+      <a:camera prst="orthographicFront"/>
+      <a:lightRig rig="flat" dir="t"/>
+    </dgm:scene3d>
+    <dgm:sp3d prstMaterial="dkEdge">
+      <a:bevelT w="8200" h="38100"/>
+    </dgm:sp3d>
+    <dgm:txPr/>
+    <dgm:style>
+      <a:lnRef idx="0">
+        <a:scrgbClr r="0" g="0" b="0"/>
+      </a:lnRef>
+      <a:fillRef idx="2">
+        <a:scrgbClr r="0" g="0" b="0"/>
+      </a:fillRef>
+      <a:effectRef idx="1">
+        <a:scrgbClr r="0" g="0" b="0"/>
+      </a:effectRef>
+      <a:fontRef idx="minor">
+        <a:schemeClr val="dk1"/>
+      </a:fontRef>
+    </dgm:style>
+  </dgm:styleLbl>
+  <dgm:styleLbl name="parChTrans2D1">
+    <dgm:scene3d>
+      <a:camera prst="orthographicFront"/>
+      <a:lightRig rig="threePt" dir="t"/>
+    </dgm:scene3d>
+    <dgm:sp3d/>
+    <dgm:txPr/>
+    <dgm:style>
+      <a:lnRef idx="1">
+        <a:scrgbClr r="0" g="0" b="0"/>
+      </a:lnRef>
+      <a:fillRef idx="2">
+        <a:scrgbClr r="0" g="0" b="0"/>
+      </a:fillRef>
+      <a:effectRef idx="1">
+        <a:scrgbClr r="0" g="0" b="0"/>
+      </a:effectRef>
+      <a:fontRef idx="minor">
+        <a:schemeClr val="dk1"/>
+      </a:fontRef>
+    </dgm:style>
+  </dgm:styleLbl>
+  <dgm:styleLbl name="parChTrans2D2">
+    <dgm:scene3d>
+      <a:camera prst="orthographicFront"/>
+      <a:lightRig rig="threePt" dir="t"/>
+    </dgm:scene3d>
+    <dgm:sp3d/>
+    <dgm:txPr/>
+    <dgm:style>
+      <a:lnRef idx="1">
+        <a:scrgbClr r="0" g="0" b="0"/>
+      </a:lnRef>
+      <a:fillRef idx="2">
+        <a:scrgbClr r="0" g="0" b="0"/>
+      </a:fillRef>
+      <a:effectRef idx="1">
+        <a:scrgbClr r="0" g="0" b="0"/>
+      </a:effectRef>
+      <a:fontRef idx="minor">
+        <a:schemeClr val="dk1"/>
+      </a:fontRef>
+    </dgm:style>
+  </dgm:styleLbl>
+  <dgm:styleLbl name="parChTrans2D3">
+    <dgm:scene3d>
+      <a:camera prst="orthographicFront"/>
+      <a:lightRig rig="threePt" dir="t"/>
+    </dgm:scene3d>
+    <dgm:sp3d/>
+    <dgm:txPr/>
+    <dgm:style>
+      <a:lnRef idx="1">
+        <a:scrgbClr r="0" g="0" b="0"/>
+      </a:lnRef>
+      <a:fillRef idx="2">
+        <a:scrgbClr r="0" g="0" b="0"/>
+      </a:fillRef>
+      <a:effectRef idx="1">
+        <a:scrgbClr r="0" g="0" b="0"/>
+      </a:effectRef>
+      <a:fontRef idx="minor">
+        <a:schemeClr val="dk1"/>
+      </a:fontRef>
+    </dgm:style>
+  </dgm:styleLbl>
+  <dgm:styleLbl name="parChTrans2D4">
+    <dgm:scene3d>
+      <a:camera prst="orthographicFront"/>
+      <a:lightRig rig="threePt" dir="t"/>
+    </dgm:scene3d>
+    <dgm:sp3d/>
+    <dgm:txPr/>
+    <dgm:style>
+      <a:lnRef idx="1">
+        <a:scrgbClr r="0" g="0" b="0"/>
+      </a:lnRef>
+      <a:fillRef idx="2">
+        <a:scrgbClr r="0" g="0" b="0"/>
+      </a:fillRef>
+      <a:effectRef idx="1">
+        <a:scrgbClr r="0" g="0" b="0"/>
+      </a:effectRef>
+      <a:fontRef idx="minor">
+        <a:schemeClr val="dk1"/>
+      </a:fontRef>
+    </dgm:style>
+  </dgm:styleLbl>
+  <dgm:styleLbl name="parChTrans1D1">
+    <dgm:scene3d>
+      <a:camera prst="orthographicFront"/>
+      <a:lightRig rig="threePt" dir="t"/>
+    </dgm:scene3d>
+    <dgm:sp3d/>
+    <dgm:txPr/>
+    <dgm:style>
+      <a:lnRef idx="2">
+        <a:scrgbClr r="0" g="0" b="0"/>
+      </a:lnRef>
+      <a:fillRef idx="0">
+        <a:scrgbClr r="0" g="0" b="0"/>
+      </a:fillRef>
+      <a:effectRef idx="0">
+        <a:scrgbClr r="0" g="0" b="0"/>
+      </a:effectRef>
+      <a:fontRef idx="minor"/>
+    </dgm:style>
+  </dgm:styleLbl>
+  <dgm:styleLbl name="parChTrans1D2">
+    <dgm:scene3d>
+      <a:camera prst="orthographicFront"/>
+      <a:lightRig rig="threePt" dir="t"/>
+    </dgm:scene3d>
+    <dgm:sp3d/>
+    <dgm:txPr/>
+    <dgm:style>
+      <a:lnRef idx="2">
+        <a:scrgbClr r="0" g="0" b="0"/>
+      </a:lnRef>
+      <a:fillRef idx="0">
+        <a:scrgbClr r="0" g="0" b="0"/>
+      </a:fillRef>
+      <a:effectRef idx="0">
+        <a:scrgbClr r="0" g="0" b="0"/>
+      </a:effectRef>
+      <a:fontRef idx="minor"/>
+    </dgm:style>
+  </dgm:styleLbl>
+  <dgm:styleLbl name="parChTrans1D3">
+    <dgm:scene3d>
+      <a:camera prst="orthographicFront"/>
+      <a:lightRig rig="threePt" dir="t"/>
+    </dgm:scene3d>
+    <dgm:sp3d/>
+    <dgm:txPr/>
+    <dgm:style>
+      <a:lnRef idx="2">
+        <a:scrgbClr r="0" g="0" b="0"/>
+      </a:lnRef>
+      <a:fillRef idx="0">
+        <a:scrgbClr r="0" g="0" b="0"/>
+      </a:fillRef>
+      <a:effectRef idx="0">
+        <a:scrgbClr r="0" g="0" b="0"/>
+      </a:effectRef>
+      <a:fontRef idx="minor"/>
+    </dgm:style>
+  </dgm:styleLbl>
+  <dgm:styleLbl name="parChTrans1D4">
+    <dgm:scene3d>
+      <a:camera prst="orthographicFront"/>
+      <a:lightRig rig="threePt" dir="t"/>
+    </dgm:scene3d>
+    <dgm:sp3d/>
+    <dgm:txPr/>
+    <dgm:style>
+      <a:lnRef idx="2">
+        <a:scrgbClr r="0" g="0" b="0"/>
+      </a:lnRef>
+      <a:fillRef idx="0">
+        <a:scrgbClr r="0" g="0" b="0"/>
+      </a:fillRef>
+      <a:effectRef idx="0">
+        <a:scrgbClr r="0" g="0" b="0"/>
+      </a:effectRef>
+      <a:fontRef idx="minor"/>
+    </dgm:style>
+  </dgm:styleLbl>
+  <dgm:styleLbl name="fgAcc1">
+    <dgm:scene3d>
+      <a:camera prst="orthographicFront"/>
+      <a:lightRig rig="threePt" dir="t"/>
+    </dgm:scene3d>
+    <dgm:sp3d/>
+    <dgm:txPr/>
+    <dgm:style>
+      <a:lnRef idx="1">
+        <a:scrgbClr r="0" g="0" b="0"/>
+      </a:lnRef>
+      <a:fillRef idx="1">
+        <a:scrgbClr r="0" g="0" b="0"/>
+      </a:fillRef>
+      <a:effectRef idx="0">
+        <a:scrgbClr r="0" g="0" b="0"/>
+      </a:effectRef>
+      <a:fontRef idx="minor"/>
+    </dgm:style>
+  </dgm:styleLbl>
+  <dgm:styleLbl name="conFgAcc1">
+    <dgm:scene3d>
+      <a:camera prst="orthographicFront"/>
+      <a:lightRig rig="threePt" dir="t"/>
+    </dgm:scene3d>
+    <dgm:sp3d/>
+    <dgm:txPr/>
+    <dgm:style>
+      <a:lnRef idx="1">
+        <a:scrgbClr r="0" g="0" b="0"/>
+      </a:lnRef>
+      <a:fillRef idx="1">
+        <a:scrgbClr r="0" g="0" b="0"/>
+      </a:fillRef>
+      <a:effectRef idx="0">
+        <a:scrgbClr r="0" g="0" b="0"/>
+      </a:effectRef>
+      <a:fontRef idx="minor"/>
+    </dgm:style>
+  </dgm:styleLbl>
+  <dgm:styleLbl name="alignAcc1">
+    <dgm:scene3d>
+      <a:camera prst="orthographicFront"/>
+      <a:lightRig rig="threePt" dir="t"/>
+    </dgm:scene3d>
+    <dgm:sp3d/>
+    <dgm:txPr/>
+    <dgm:style>
+      <a:lnRef idx="1">
+        <a:scrgbClr r="0" g="0" b="0"/>
+      </a:lnRef>
+      <a:fillRef idx="1">
+        <a:scrgbClr r="0" g="0" b="0"/>
+      </a:fillRef>
+      <a:effectRef idx="0">
+        <a:scrgbClr r="0" g="0" b="0"/>
+      </a:effectRef>
+      <a:fontRef idx="minor"/>
+    </dgm:style>
+  </dgm:styleLbl>
+  <dgm:styleLbl name="trAlignAcc1">
+    <dgm:scene3d>
+      <a:camera prst="orthographicFront"/>
+      <a:lightRig rig="threePt" dir="t"/>
+    </dgm:scene3d>
+    <dgm:sp3d/>
+    <dgm:txPr/>
+    <dgm:style>
+      <a:lnRef idx="1">
+        <a:scrgbClr r="0" g="0" b="0"/>
+      </a:lnRef>
+      <a:fillRef idx="1">
+        <a:scrgbClr r="0" g="0" b="0"/>
+      </a:fillRef>
+      <a:effectRef idx="0">
+        <a:scrgbClr r="0" g="0" b="0"/>
+      </a:effectRef>
+      <a:fontRef idx="minor"/>
+    </dgm:style>
+  </dgm:styleLbl>
+  <dgm:styleLbl name="bgAcc1">
+    <dgm:scene3d>
+      <a:camera prst="orthographicFront"/>
+      <a:lightRig rig="threePt" dir="t"/>
+    </dgm:scene3d>
+    <dgm:sp3d/>
+    <dgm:txPr/>
+    <dgm:style>
+      <a:lnRef idx="1">
+        <a:scrgbClr r="0" g="0" b="0"/>
+      </a:lnRef>
+      <a:fillRef idx="1">
+        <a:scrgbClr r="0" g="0" b="0"/>
+      </a:fillRef>
+      <a:effectRef idx="0">
+        <a:scrgbClr r="0" g="0" b="0"/>
+      </a:effectRef>
+      <a:fontRef idx="minor"/>
+    </dgm:style>
+  </dgm:styleLbl>
+  <dgm:styleLbl name="solidFgAcc1">
+    <dgm:scene3d>
+      <a:camera prst="orthographicFront"/>
+      <a:lightRig rig="threePt" dir="t"/>
+    </dgm:scene3d>
+    <dgm:sp3d/>
+    <dgm:txPr/>
+    <dgm:style>
+      <a:lnRef idx="1">
+        <a:scrgbClr r="0" g="0" b="0"/>
+      </a:lnRef>
+      <a:fillRef idx="2">
+        <a:scrgbClr r="0" g="0" b="0"/>
+      </a:fillRef>
+      <a:effectRef idx="0">
+        <a:scrgbClr r="0" g="0" b="0"/>
+      </a:effectRef>
+      <a:fontRef idx="minor"/>
+    </dgm:style>
+  </dgm:styleLbl>
+  <dgm:styleLbl name="solidAlignAcc1">
+    <dgm:scene3d>
+      <a:camera prst="orthographicFront"/>
+      <a:lightRig rig="threePt" dir="t"/>
+    </dgm:scene3d>
+    <dgm:sp3d/>
+    <dgm:txPr/>
+    <dgm:style>
+      <a:lnRef idx="1">
+        <a:scrgbClr r="0" g="0" b="0"/>
+      </a:lnRef>
+      <a:fillRef idx="1">
+        <a:scrgbClr r="0" g="0" b="0"/>
+      </a:fillRef>
+      <a:effectRef idx="0">
+        <a:scrgbClr r="0" g="0" b="0"/>
+      </a:effectRef>
+      <a:fontRef idx="minor"/>
+    </dgm:style>
+  </dgm:styleLbl>
+  <dgm:styleLbl name="solidBgAcc1">
+    <dgm:scene3d>
+      <a:camera prst="orthographicFront"/>
+      <a:lightRig rig="threePt" dir="t"/>
+    </dgm:scene3d>
+    <dgm:sp3d/>
+    <dgm:txPr/>
+    <dgm:style>
+      <a:lnRef idx="1">
+        <a:scrgbClr r="0" g="0" b="0"/>
+      </a:lnRef>
+      <a:fillRef idx="1">
+        <a:scrgbClr r="0" g="0" b="0"/>
+      </a:fillRef>
+      <a:effectRef idx="0">
+        <a:scrgbClr r="0" g="0" b="0"/>
+      </a:effectRef>
+      <a:fontRef idx="minor"/>
+    </dgm:style>
+  </dgm:styleLbl>
+  <dgm:styleLbl name="fgAccFollowNode1">
+    <dgm:scene3d>
+      <a:camera prst="orthographicFront"/>
+      <a:lightRig rig="threePt" dir="t"/>
+    </dgm:scene3d>
+    <dgm:sp3d/>
+    <dgm:txPr/>
+    <dgm:style>
+      <a:lnRef idx="1">
+        <a:scrgbClr r="0" g="0" b="0"/>
+      </a:lnRef>
+      <a:fillRef idx="1">
+        <a:scrgbClr r="0" g="0" b="0"/>
+      </a:fillRef>
+      <a:effectRef idx="0">
+        <a:scrgbClr r="0" g="0" b="0"/>
+      </a:effectRef>
+      <a:fontRef idx="minor"/>
+    </dgm:style>
+  </dgm:styleLbl>
+  <dgm:styleLbl name="alignAccFollowNode1">
+    <dgm:scene3d>
+      <a:camera prst="orthographicFront"/>
+      <a:lightRig rig="threePt" dir="t"/>
+    </dgm:scene3d>
+    <dgm:sp3d/>
+    <dgm:txPr/>
+    <dgm:style>
+      <a:lnRef idx="1">
+        <a:scrgbClr r="0" g="0" b="0"/>
+      </a:lnRef>
+      <a:fillRef idx="1">
+        <a:scrgbClr r="0" g="0" b="0"/>
+      </a:fillRef>
+      <a:effectRef idx="0">
+        <a:scrgbClr r="0" g="0" b="0"/>
+      </a:effectRef>
+      <a:fontRef idx="minor"/>
+    </dgm:style>
+  </dgm:styleLbl>
+  <dgm:styleLbl name="bgAccFollowNode1">
+    <dgm:scene3d>
+      <a:camera prst="orthographicFront"/>
+      <a:lightRig rig="threePt" dir="t"/>
+    </dgm:scene3d>
+    <dgm:sp3d/>
+    <dgm:txPr/>
+    <dgm:style>
+      <a:lnRef idx="1">
+        <a:scrgbClr r="0" g="0" b="0"/>
+      </a:lnRef>
+      <a:fillRef idx="1">
+        <a:scrgbClr r="0" g="0" b="0"/>
+      </a:fillRef>
+      <a:effectRef idx="0">
+        <a:scrgbClr r="0" g="0" b="0"/>
+      </a:effectRef>
+      <a:fontRef idx="minor"/>
+    </dgm:style>
+  </dgm:styleLbl>
+  <dgm:styleLbl name="fgAcc0">
+    <dgm:scene3d>
+      <a:camera prst="orthographicFront"/>
+      <a:lightRig rig="threePt" dir="t"/>
+    </dgm:scene3d>
+    <dgm:sp3d/>
+    <dgm:txPr/>
+    <dgm:style>
+      <a:lnRef idx="1">
+        <a:scrgbClr r="0" g="0" b="0"/>
+      </a:lnRef>
+      <a:fillRef idx="1">
+        <a:scrgbClr r="0" g="0" b="0"/>
+      </a:fillRef>
+      <a:effectRef idx="0">
+        <a:scrgbClr r="0" g="0" b="0"/>
+      </a:effectRef>
+      <a:fontRef idx="minor"/>
+    </dgm:style>
+  </dgm:styleLbl>
+  <dgm:styleLbl name="fgAcc2">
+    <dgm:scene3d>
+      <a:camera prst="orthographicFront"/>
+      <a:lightRig rig="threePt" dir="t"/>
+    </dgm:scene3d>
+    <dgm:sp3d/>
+    <dgm:txPr/>
+    <dgm:style>
+      <a:lnRef idx="1">
+        <a:scrgbClr r="0" g="0" b="0"/>
+      </a:lnRef>
+      <a:fillRef idx="1">
+        <a:scrgbClr r="0" g="0" b="0"/>
+      </a:fillRef>
+      <a:effectRef idx="0">
+        <a:scrgbClr r="0" g="0" b="0"/>
+      </a:effectRef>
+      <a:fontRef idx="minor"/>
+    </dgm:style>
+  </dgm:styleLbl>
+  <dgm:styleLbl name="fgAcc3">
+    <dgm:scene3d>
+      <a:camera prst="orthographicFront"/>
+      <a:lightRig rig="threePt" dir="t"/>
+    </dgm:scene3d>
+    <dgm:sp3d/>
+    <dgm:txPr/>
+    <dgm:style>
+      <a:lnRef idx="1">
+        <a:scrgbClr r="0" g="0" b="0"/>
+      </a:lnRef>
+      <a:fillRef idx="1">
+        <a:scrgbClr r="0" g="0" b="0"/>
+      </a:fillRef>
+      <a:effectRef idx="0">
+        <a:scrgbClr r="0" g="0" b="0"/>
+      </a:effectRef>
+      <a:fontRef idx="minor"/>
+    </dgm:style>
+  </dgm:styleLbl>
+  <dgm:styleLbl name="fgAcc4">
+    <dgm:scene3d>
+      <a:camera prst="orthographicFront"/>
+      <a:lightRig rig="threePt" dir="t"/>
+    </dgm:scene3d>
+    <dgm:sp3d/>
+    <dgm:txPr/>
+    <dgm:style>
+      <a:lnRef idx="1">
+        <a:scrgbClr r="0" g="0" b="0"/>
+      </a:lnRef>
+      <a:fillRef idx="1">
+        <a:scrgbClr r="0" g="0" b="0"/>
+      </a:fillRef>
+      <a:effectRef idx="0">
+        <a:scrgbClr r="0" g="0" b="0"/>
+      </a:effectRef>
+      <a:fontRef idx="minor"/>
+    </dgm:style>
+  </dgm:styleLbl>
+  <dgm:styleLbl name="bgShp">
+    <dgm:scene3d>
+      <a:camera prst="orthographicFront"/>
+      <a:lightRig rig="threePt" dir="t"/>
+    </dgm:scene3d>
+    <dgm:sp3d/>
+    <dgm:txPr/>
+    <dgm:style>
+      <a:lnRef idx="0">
+        <a:scrgbClr r="0" g="0" b="0"/>
+      </a:lnRef>
+      <a:fillRef idx="1">
+        <a:scrgbClr r="0" g="0" b="0"/>
+      </a:fillRef>
+      <a:effectRef idx="1">
+        <a:scrgbClr r="0" g="0" b="0"/>
+      </a:effectRef>
+      <a:fontRef idx="minor"/>
+    </dgm:style>
+  </dgm:styleLbl>
+  <dgm:styleLbl name="dkBgShp">
+    <dgm:scene3d>
+      <a:camera prst="orthographicFront"/>
+      <a:lightRig rig="threePt" dir="t"/>
+    </dgm:scene3d>
+    <dgm:sp3d/>
+    <dgm:txPr/>
+    <dgm:style>
+      <a:lnRef idx="0">
+        <a:scrgbClr r="0" g="0" b="0"/>
+      </a:lnRef>
+      <a:fillRef idx="1">
+        <a:scrgbClr r="0" g="0" b="0"/>
+      </a:fillRef>
+      <a:effectRef idx="1">
+        <a:scrgbClr r="0" g="0" b="0"/>
+      </a:effectRef>
+      <a:fontRef idx="minor"/>
+    </dgm:style>
+  </dgm:styleLbl>
+  <dgm:styleLbl name="trBgShp">
+    <dgm:scene3d>
+      <a:camera prst="orthographicFront"/>
+      <a:lightRig rig="threePt" dir="t"/>
+    </dgm:scene3d>
+    <dgm:sp3d/>
+    <dgm:txPr/>
+    <dgm:style>
+      <a:lnRef idx="0">
+        <a:scrgbClr r="0" g="0" b="0"/>
+      </a:lnRef>
+      <a:fillRef idx="1">
+        <a:scrgbClr r="0" g="0" b="0"/>
+      </a:fillRef>
+      <a:effectRef idx="0">
+        <a:scrgbClr r="0" g="0" b="0"/>
+      </a:effectRef>
+      <a:fontRef idx="minor"/>
+    </dgm:style>
+  </dgm:styleLbl>
+  <dgm:styleLbl name="fgShp">
+    <dgm:scene3d>
+      <a:camera prst="orthographicFront"/>
+      <a:lightRig rig="flat" dir="t"/>
+    </dgm:scene3d>
+    <dgm:sp3d prstMaterial="dkEdge">
+      <a:bevelT w="8200" h="38100"/>
+    </dgm:sp3d>
+    <dgm:txPr/>
+    <dgm:style>
+      <a:lnRef idx="1">
+        <a:scrgbClr r="0" g="0" b="0"/>
+      </a:lnRef>
+      <a:fillRef idx="2">
+        <a:scrgbClr r="0" g="0" b="0"/>
+      </a:fillRef>
+      <a:effectRef idx="1">
+        <a:scrgbClr r="0" g="0" b="0"/>
+      </a:effectRef>
+      <a:fontRef idx="minor"/>
+    </dgm:style>
+  </dgm:styleLbl>
+  <dgm:styleLbl name="revTx">
+    <dgm:scene3d>
+      <a:camera prst="orthographicFront"/>
+      <a:lightRig rig="threePt" dir="t"/>
+    </dgm:scene3d>
+    <dgm:sp3d/>
+    <dgm:txPr/>
+    <dgm:style>
+      <a:lnRef idx="0">
+        <a:scrgbClr r="0" g="0" b="0"/>
+      </a:lnRef>
+      <a:fillRef idx="0">
+        <a:scrgbClr r="0" g="0" b="0"/>
+      </a:fillRef>
+      <a:effectRef idx="0">
+        <a:scrgbClr r="0" g="0" b="0"/>
+      </a:effectRef>
+      <a:fontRef idx="minor"/>
+    </dgm:style>
+  </dgm:styleLbl>
+</dgm:styleDef>
+</file>
+
+<file path=ppt/diagrams/quickStyle2.xml><?xml version="1.0" encoding="utf-8"?>
+<dgm:styleDef xmlns:dgm="http://schemas.openxmlformats.org/drawingml/2006/diagram" xmlns:a="http://schemas.openxmlformats.org/drawingml/2006/main" uniqueId="urn:microsoft.com/office/officeart/2005/8/quickstyle/3d6">
+  <dgm:title val=""/>
+  <dgm:desc val=""/>
+  <dgm:catLst>
+    <dgm:cat type="3D" pri="11600"/>
+  </dgm:catLst>
+  <dgm:scene3d>
+    <a:camera prst="perspectiveRelaxedModerately" zoom="92000"/>
+    <a:lightRig rig="balanced" dir="t">
+      <a:rot lat="0" lon="0" rev="12700000"/>
+    </a:lightRig>
+  </dgm:scene3d>
+  <dgm:styleLbl name="node0">
+    <dgm:scene3d>
+      <a:camera prst="orthographicFront"/>
+      <a:lightRig rig="threePt" dir="t"/>
+    </dgm:scene3d>
+    <dgm:sp3d prstMaterial="plastic">
+      <a:bevelT w="50800" h="50800"/>
+      <a:bevelB w="50800" h="50800"/>
+    </dgm:sp3d>
+    <dgm:txPr/>
+    <dgm:style>
+      <a:lnRef idx="0">
+        <a:scrgbClr r="0" g="0" b="0"/>
+      </a:lnRef>
+      <a:fillRef idx="1">
+        <a:scrgbClr r="0" g="0" b="0"/>
+      </a:fillRef>
+      <a:effectRef idx="2">
+        <a:scrgbClr r="0" g="0" b="0"/>
+      </a:effectRef>
+      <a:fontRef idx="minor">
+        <a:schemeClr val="lt1"/>
+      </a:fontRef>
+    </dgm:style>
+  </dgm:styleLbl>
+  <dgm:styleLbl name="lnNode1">
+    <dgm:scene3d>
+      <a:camera prst="orthographicFront"/>
+      <a:lightRig rig="threePt" dir="t"/>
+    </dgm:scene3d>
+    <dgm:sp3d prstMaterial="plastic">
+      <a:bevelT w="50800" h="50800"/>
+      <a:bevelB w="50800" h="50800"/>
+    </dgm:sp3d>
+    <dgm:txPr/>
+    <dgm:style>
+      <a:lnRef idx="0">
+        <a:scrgbClr r="0" g="0" b="0"/>
+      </a:lnRef>
+      <a:fillRef idx="1">
+        <a:scrgbClr r="0" g="0" b="0"/>
+      </a:fillRef>
+      <a:effectRef idx="2">
+        <a:scrgbClr r="0" g="0" b="0"/>
+      </a:effectRef>
+      <a:fontRef idx="minor">
+        <a:schemeClr val="lt1"/>
+      </a:fontRef>
+    </dgm:style>
+  </dgm:styleLbl>
+  <dgm:styleLbl name="vennNode1">
+    <dgm:scene3d>
+      <a:camera prst="orthographicFront"/>
+      <a:lightRig rig="threePt" dir="t"/>
+    </dgm:scene3d>
+    <dgm:sp3d prstMaterial="plastic">
+      <a:bevelT w="50800" h="50800"/>
+      <a:bevelB w="50800" h="50800"/>
+    </dgm:sp3d>
+    <dgm:txPr/>
+    <dgm:style>
+      <a:lnRef idx="0">
+        <a:scrgbClr r="0" g="0" b="0"/>
+      </a:lnRef>
+      <a:fillRef idx="1">
+        <a:scrgbClr r="0" g="0" b="0"/>
+      </a:fillRef>
+      <a:effectRef idx="2">
+        <a:scrgbClr r="0" g="0" b="0"/>
+      </a:effectRef>
+      <a:fontRef idx="minor">
+        <a:schemeClr val="tx1"/>
+      </a:fontRef>
+    </dgm:style>
+  </dgm:styleLbl>
+  <dgm:styleLbl name="alignNode1">
+    <dgm:scene3d>
+      <a:camera prst="orthographicFront"/>
+      <a:lightRig rig="threePt" dir="t"/>
+    </dgm:scene3d>
+    <dgm:sp3d prstMaterial="plastic">
+      <a:bevelT w="50800" h="50800"/>
+      <a:bevelB w="50800" h="50800"/>
+    </dgm:sp3d>
+    <dgm:txPr/>
+    <dgm:style>
+      <a:lnRef idx="1">
+        <a:scrgbClr r="0" g="0" b="0"/>
+      </a:lnRef>
+      <a:fillRef idx="1">
+        <a:scrgbClr r="0" g="0" b="0"/>
+      </a:fillRef>
+      <a:effectRef idx="2">
+        <a:scrgbClr r="0" g="0" b="0"/>
+      </a:effectRef>
+      <a:fontRef idx="minor">
+        <a:schemeClr val="lt1"/>
+      </a:fontRef>
+    </dgm:style>
+  </dgm:styleLbl>
+  <dgm:styleLbl name="node1">
+    <dgm:scene3d>
+      <a:camera prst="orthographicFront"/>
+      <a:lightRig rig="threePt" dir="t"/>
+    </dgm:scene3d>
+    <dgm:sp3d prstMaterial="plastic">
+      <a:bevelT w="50800" h="50800"/>
+      <a:bevelB w="50800" h="50800"/>
+    </dgm:sp3d>
+    <dgm:txPr/>
+    <dgm:style>
+      <a:lnRef idx="0">
+        <a:scrgbClr r="0" g="0" b="0"/>
+      </a:lnRef>
+      <a:fillRef idx="1">
+        <a:scrgbClr r="0" g="0" b="0"/>
+      </a:fillRef>
+      <a:effectRef idx="2">
+        <a:scrgbClr r="0" g="0" b="0"/>
+      </a:effectRef>
+      <a:fontRef idx="minor">
+        <a:schemeClr val="lt1"/>
+      </a:fontRef>
+    </dgm:style>
+  </dgm:styleLbl>
+  <dgm:styleLbl name="node2">
+    <dgm:scene3d>
+      <a:camera prst="orthographicFront"/>
+      <a:lightRig rig="threePt" dir="t"/>
+    </dgm:scene3d>
+    <dgm:sp3d prstMaterial="plastic">
+      <a:bevelT w="50800" h="50800"/>
+      <a:bevelB w="50800" h="50800"/>
+    </dgm:sp3d>
+    <dgm:txPr/>
+    <dgm:style>
+      <a:lnRef idx="0">
+        <a:scrgbClr r="0" g="0" b="0"/>
+      </a:lnRef>
+      <a:fillRef idx="1">
+        <a:scrgbClr r="0" g="0" b="0"/>
+      </a:fillRef>
+      <a:effectRef idx="2">
+        <a:scrgbClr r="0" g="0" b="0"/>
+      </a:effectRef>
+      <a:fontRef idx="minor">
+        <a:schemeClr val="lt1"/>
+      </a:fontRef>
+    </dgm:style>
+  </dgm:styleLbl>
+  <dgm:styleLbl name="node3">
+    <dgm:scene3d>
+      <a:camera prst="orthographicFront"/>
+      <a:lightRig rig="threePt" dir="t"/>
+    </dgm:scene3d>
+    <dgm:sp3d prstMaterial="plastic">
+      <a:bevelT w="50800" h="50800"/>
+      <a:bevelB w="50800" h="50800"/>
+    </dgm:sp3d>
+    <dgm:txPr/>
+    <dgm:style>
+      <a:lnRef idx="0">
+        <a:scrgbClr r="0" g="0" b="0"/>
+      </a:lnRef>
+      <a:fillRef idx="1">
+        <a:scrgbClr r="0" g="0" b="0"/>
+      </a:fillRef>
+      <a:effectRef idx="2">
+        <a:scrgbClr r="0" g="0" b="0"/>
+      </a:effectRef>
+      <a:fontRef idx="minor">
+        <a:schemeClr val="lt1"/>
+      </a:fontRef>
+    </dgm:style>
+  </dgm:styleLbl>
+  <dgm:styleLbl name="node4">
+    <dgm:scene3d>
+      <a:camera prst="orthographicFront"/>
+      <a:lightRig rig="threePt" dir="t"/>
+    </dgm:scene3d>
+    <dgm:sp3d prstMaterial="plastic">
+      <a:bevelT w="50800" h="50800"/>
+      <a:bevelB w="50800" h="50800"/>
+    </dgm:sp3d>
+    <dgm:txPr/>
+    <dgm:style>
+      <a:lnRef idx="0">
+        <a:scrgbClr r="0" g="0" b="0"/>
+      </a:lnRef>
+      <a:fillRef idx="1">
+        <a:scrgbClr r="0" g="0" b="0"/>
+      </a:fillRef>
+      <a:effectRef idx="2">
+        <a:scrgbClr r="0" g="0" b="0"/>
+      </a:effectRef>
+      <a:fontRef idx="minor">
+        <a:schemeClr val="lt1"/>
+      </a:fontRef>
+    </dgm:style>
+  </dgm:styleLbl>
+  <dgm:styleLbl name="fgImgPlace1">
+    <dgm:scene3d>
+      <a:camera prst="orthographicFront"/>
+      <a:lightRig rig="threePt" dir="t"/>
+    </dgm:scene3d>
+    <dgm:sp3d z="50080" prstMaterial="plastic">
+      <a:bevelT w="50800" h="50800"/>
+      <a:bevelB w="50800" h="50800"/>
+    </dgm:sp3d>
+    <dgm:txPr/>
+    <dgm:style>
+      <a:lnRef idx="0">
+        <a:scrgbClr r="0" g="0" b="0"/>
+      </a:lnRef>
+      <a:fillRef idx="1">
+        <a:scrgbClr r="0" g="0" b="0"/>
+      </a:fillRef>
+      <a:effectRef idx="2">
+        <a:scrgbClr r="0" g="0" b="0"/>
+      </a:effectRef>
+      <a:fontRef idx="minor"/>
+    </dgm:style>
+  </dgm:styleLbl>
+  <dgm:styleLbl name="alignImgPlace1">
+    <dgm:scene3d>
+      <a:camera prst="orthographicFront"/>
+      <a:lightRig rig="threePt" dir="t"/>
+    </dgm:scene3d>
+    <dgm:sp3d prstMaterial="plastic">
+      <a:bevelT w="50800" h="50800"/>
+      <a:bevelB w="50800" h="50800"/>
+    </dgm:sp3d>
+    <dgm:txPr/>
+    <dgm:style>
+      <a:lnRef idx="0">
+        <a:scrgbClr r="0" g="0" b="0"/>
+      </a:lnRef>
+      <a:fillRef idx="1">
+        <a:scrgbClr r="0" g="0" b="0"/>
+      </a:fillRef>
+      <a:effectRef idx="2">
+        <a:scrgbClr r="0" g="0" b="0"/>
+      </a:effectRef>
+      <a:fontRef idx="minor"/>
+    </dgm:style>
+  </dgm:styleLbl>
+  <dgm:styleLbl name="bgImgPlace1">
+    <dgm:scene3d>
+      <a:camera prst="orthographicFront"/>
+      <a:lightRig rig="threePt" dir="t"/>
+    </dgm:scene3d>
+    <dgm:sp3d z="-54000" prstMaterial="plastic">
+      <a:bevelT w="50800" h="50800"/>
+      <a:bevelB w="50800" h="50800"/>
+    </dgm:sp3d>
+    <dgm:txPr/>
+    <dgm:style>
+      <a:lnRef idx="0">
+        <a:scrgbClr r="0" g="0" b="0"/>
+      </a:lnRef>
+      <a:fillRef idx="1">
+        <a:scrgbClr r="0" g="0" b="0"/>
+      </a:fillRef>
+      <a:effectRef idx="2">
+        <a:scrgbClr r="0" g="0" b="0"/>
+      </a:effectRef>
+      <a:fontRef idx="minor"/>
+    </dgm:style>
+  </dgm:styleLbl>
+  <dgm:styleLbl name="sibTrans2D1">
+    <dgm:scene3d>
+      <a:camera prst="orthographicFront"/>
+      <a:lightRig rig="threePt" dir="t"/>
+    </dgm:scene3d>
+    <dgm:sp3d z="-25400" prstMaterial="plastic">
+      <a:bevelT w="25400" h="25400"/>
+      <a:bevelB w="25400" h="25400"/>
+    </dgm:sp3d>
+    <dgm:txPr/>
+    <dgm:style>
+      <a:lnRef idx="1">
+        <a:scrgbClr r="0" g="0" b="0"/>
+      </a:lnRef>
+      <a:fillRef idx="1">
+        <a:scrgbClr r="0" g="0" b="0"/>
+      </a:fillRef>
+      <a:effectRef idx="2">
+        <a:scrgbClr r="0" g="0" b="0"/>
+      </a:effectRef>
+      <a:fontRef idx="minor">
+        <a:schemeClr val="lt1"/>
+      </a:fontRef>
+    </dgm:style>
+  </dgm:styleLbl>
+  <dgm:styleLbl name="fgSibTrans2D1">
+    <dgm:scene3d>
+      <a:camera prst="orthographicFront"/>
+      <a:lightRig rig="threePt" dir="t"/>
+    </dgm:scene3d>
+    <dgm:sp3d z="50080" prstMaterial="plastic">
+      <a:bevelT w="25400" h="25400"/>
+      <a:bevelB w="25400" h="25400"/>
+    </dgm:sp3d>
+    <dgm:txPr/>
+    <dgm:style>
+      <a:lnRef idx="1">
+        <a:scrgbClr r="0" g="0" b="0"/>
+      </a:lnRef>
+      <a:fillRef idx="1">
+        <a:scrgbClr r="0" g="0" b="0"/>
+      </a:fillRef>
+      <a:effectRef idx="2">
+        <a:scrgbClr r="0" g="0" b="0"/>
+      </a:effectRef>
+      <a:fontRef idx="minor">
+        <a:schemeClr val="lt1"/>
+      </a:fontRef>
+    </dgm:style>
+  </dgm:styleLbl>
+  <dgm:styleLbl name="bgSibTrans2D1">
+    <dgm:scene3d>
+      <a:camera prst="orthographicFront"/>
+      <a:lightRig rig="threePt" dir="t"/>
+    </dgm:scene3d>
+    <dgm:sp3d z="-54080" prstMaterial="plastic">
+      <a:bevelT w="25400" h="25400"/>
+      <a:bevelB w="25400" h="25400"/>
+    </dgm:sp3d>
+    <dgm:txPr/>
+    <dgm:style>
+      <a:lnRef idx="1">
+        <a:scrgbClr r="0" g="0" b="0"/>
+      </a:lnRef>
+      <a:fillRef idx="1">
+        <a:scrgbClr r="0" g="0" b="0"/>
+      </a:fillRef>
+      <a:effectRef idx="2">
+        <a:scrgbClr r="0" g="0" b="0"/>
+      </a:effectRef>
+      <a:fontRef idx="minor">
+        <a:schemeClr val="lt1"/>
+      </a:fontRef>
+    </dgm:style>
+  </dgm:styleLbl>
+  <dgm:styleLbl name="sibTrans1D1">
+    <dgm:scene3d>
+      <a:camera prst="orthographicFront"/>
+      <a:lightRig rig="threePt" dir="t"/>
+    </dgm:scene3d>
+    <dgm:sp3d z="-25400" prstMaterial="plastic"/>
+    <dgm:txPr/>
+    <dgm:style>
+      <a:lnRef idx="1">
+        <a:scrgbClr r="0" g="0" b="0"/>
+      </a:lnRef>
+      <a:fillRef idx="0">
+        <a:scrgbClr r="0" g="0" b="0"/>
+      </a:fillRef>
+      <a:effectRef idx="0">
+        <a:scrgbClr r="0" g="0" b="0"/>
+      </a:effectRef>
+      <a:fontRef idx="minor"/>
+    </dgm:style>
+  </dgm:styleLbl>
+  <dgm:styleLbl name="callout">
+    <dgm:scene3d>
+      <a:camera prst="orthographicFront"/>
+      <a:lightRig rig="threePt" dir="t"/>
+    </dgm:scene3d>
+    <dgm:sp3d z="75000" prstMaterial="plastic"/>
+    <dgm:txPr/>
+    <dgm:style>
+      <a:lnRef idx="2">
+        <a:scrgbClr r="0" g="0" b="0"/>
+      </a:lnRef>
+      <a:fillRef idx="1">
+        <a:scrgbClr r="0" g="0" b="0"/>
+      </a:fillRef>
+      <a:effectRef idx="0">
+        <a:scrgbClr r="0" g="0" b="0"/>
+      </a:effectRef>
+      <a:fontRef idx="minor"/>
+    </dgm:style>
+  </dgm:styleLbl>
+  <dgm:styleLbl name="asst0">
+    <dgm:scene3d>
+      <a:camera prst="orthographicFront"/>
+      <a:lightRig rig="threePt" dir="t"/>
+    </dgm:scene3d>
+    <dgm:sp3d prstMaterial="plastic">
+      <a:bevelT w="50800" h="50800"/>
+      <a:bevelB w="50800" h="50800"/>
+    </dgm:sp3d>
+    <dgm:txPr/>
+    <dgm:style>
+      <a:lnRef idx="0">
+        <a:scrgbClr r="0" g="0" b="0"/>
+      </a:lnRef>
+      <a:fillRef idx="1">
+        <a:scrgbClr r="0" g="0" b="0"/>
+      </a:fillRef>
+      <a:effectRef idx="2">
+        <a:scrgbClr r="0" g="0" b="0"/>
+      </a:effectRef>
+      <a:fontRef idx="minor">
+        <a:schemeClr val="lt1"/>
+      </a:fontRef>
+    </dgm:style>
+  </dgm:styleLbl>
+  <dgm:styleLbl name="asst1">
+    <dgm:scene3d>
+      <a:camera prst="orthographicFront"/>
+      <a:lightRig rig="threePt" dir="t"/>
+    </dgm:scene3d>
+    <dgm:sp3d prstMaterial="plastic">
+      <a:bevelT w="50800" h="50800"/>
+      <a:bevelB w="50800" h="50800"/>
+    </dgm:sp3d>
+    <dgm:txPr/>
+    <dgm:style>
+      <a:lnRef idx="0">
+        <a:scrgbClr r="0" g="0" b="0"/>
+      </a:lnRef>
+      <a:fillRef idx="1">
+        <a:scrgbClr r="0" g="0" b="0"/>
+      </a:fillRef>
+      <a:effectRef idx="2">
+        <a:scrgbClr r="0" g="0" b="0"/>
+      </a:effectRef>
+      <a:fontRef idx="minor">
+        <a:schemeClr val="lt1"/>
+      </a:fontRef>
+    </dgm:style>
+  </dgm:styleLbl>
+  <dgm:styleLbl name="asst2">
+    <dgm:scene3d>
+      <a:camera prst="orthographicFront"/>
+      <a:lightRig rig="threePt" dir="t"/>
+    </dgm:scene3d>
+    <dgm:sp3d prstMaterial="plastic">
+      <a:bevelT w="50800" h="50800"/>
+      <a:bevelB w="50800" h="50800"/>
+    </dgm:sp3d>
+    <dgm:txPr/>
+    <dgm:style>
+      <a:lnRef idx="0">
+        <a:scrgbClr r="0" g="0" b="0"/>
+      </a:lnRef>
+      <a:fillRef idx="1">
+        <a:scrgbClr r="0" g="0" b="0"/>
+      </a:fillRef>
+      <a:effectRef idx="2">
+        <a:scrgbClr r="0" g="0" b="0"/>
+      </a:effectRef>
+      <a:fontRef idx="minor">
+        <a:schemeClr val="lt1"/>
+      </a:fontRef>
+    </dgm:style>
+  </dgm:styleLbl>
+  <dgm:styleLbl name="asst3">
+    <dgm:scene3d>
+      <a:camera prst="orthographicFront"/>
+      <a:lightRig rig="threePt" dir="t"/>
+    </dgm:scene3d>
+    <dgm:sp3d prstMaterial="plastic">
+      <a:bevelT w="50800" h="50800"/>
+      <a:bevelB w="50800" h="50800"/>
+    </dgm:sp3d>
+    <dgm:txPr/>
+    <dgm:style>
+      <a:lnRef idx="0">
+        <a:scrgbClr r="0" g="0" b="0"/>
+      </a:lnRef>
+      <a:fillRef idx="1">
+        <a:scrgbClr r="0" g="0" b="0"/>
+      </a:fillRef>
+      <a:effectRef idx="2">
+        <a:scrgbClr r="0" g="0" b="0"/>
+      </a:effectRef>
+      <a:fontRef idx="minor">
+        <a:schemeClr val="lt1"/>
+      </a:fontRef>
+    </dgm:style>
+  </dgm:styleLbl>
+  <dgm:styleLbl name="parChTrans2D1">
+    <dgm:scene3d>
+      <a:camera prst="orthographicFront"/>
+      <a:lightRig rig="threePt" dir="t"/>
+    </dgm:scene3d>
+    <dgm:sp3d z="-25400" prstMaterial="plastic">
+      <a:bevelT w="25400" h="25400"/>
+      <a:bevelB w="25400" h="25400"/>
+    </dgm:sp3d>
+    <dgm:txPr/>
+    <dgm:style>
+      <a:lnRef idx="0">
+        <a:scrgbClr r="0" g="0" b="0"/>
+      </a:lnRef>
+      <a:fillRef idx="1">
+        <a:scrgbClr r="0" g="0" b="0"/>
+      </a:fillRef>
+      <a:effectRef idx="2">
+        <a:scrgbClr r="0" g="0" b="0"/>
+      </a:effectRef>
+      <a:fontRef idx="minor">
+        <a:schemeClr val="lt1"/>
+      </a:fontRef>
+    </dgm:style>
+  </dgm:styleLbl>
+  <dgm:styleLbl name="parChTrans2D2">
+    <dgm:scene3d>
+      <a:camera prst="orthographicFront"/>
+      <a:lightRig rig="threePt" dir="t"/>
+    </dgm:scene3d>
+    <dgm:sp3d z="-25400" prstMaterial="plastic">
+      <a:bevelT w="25400" h="25400"/>
+      <a:bevelB w="25400" h="25400"/>
+    </dgm:sp3d>
+    <dgm:txPr/>
+    <dgm:style>
+      <a:lnRef idx="0">
+        <a:scrgbClr r="0" g="0" b="0"/>
+      </a:lnRef>
+      <a:fillRef idx="1">
+        <a:scrgbClr r="0" g="0" b="0"/>
+      </a:fillRef>
+      <a:effectRef idx="2">
+        <a:scrgbClr r="0" g="0" b="0"/>
+      </a:effectRef>
+      <a:fontRef idx="minor">
+        <a:schemeClr val="lt1"/>
+      </a:fontRef>
+    </dgm:style>
+  </dgm:styleLbl>
+  <dgm:styleLbl name="parChTrans2D3">
+    <dgm:scene3d>
+      <a:camera prst="orthographicFront"/>
+      <a:lightRig rig="threePt" dir="t"/>
+    </dgm:scene3d>
+    <dgm:sp3d z="-25400" prstMaterial="plastic">
+      <a:bevelT w="25400" h="25400"/>
+      <a:bevelB w="25400" h="25400"/>
+    </dgm:sp3d>
+    <dgm:txPr/>
+    <dgm:style>
+      <a:lnRef idx="0">
+        <a:scrgbClr r="0" g="0" b="0"/>
+      </a:lnRef>
+      <a:fillRef idx="1">
+        <a:scrgbClr r="0" g="0" b="0"/>
+      </a:fillRef>
+      <a:effectRef idx="2">
+        <a:scrgbClr r="0" g="0" b="0"/>
+      </a:effectRef>
+      <a:fontRef idx="minor">
+        <a:schemeClr val="lt1"/>
+      </a:fontRef>
+    </dgm:style>
+  </dgm:styleLbl>
+  <dgm:styleLbl name="parChTrans2D4">
+    <dgm:scene3d>
+      <a:camera prst="orthographicFront"/>
+      <a:lightRig rig="threePt" dir="t"/>
+    </dgm:scene3d>
+    <dgm:sp3d z="-25400" prstMaterial="plastic">
+      <a:bevelT w="25400" h="25400"/>
+      <a:bevelB w="25400" h="25400"/>
+    </dgm:sp3d>
+    <dgm:txPr/>
+    <dgm:style>
+      <a:lnRef idx="0">
+        <a:scrgbClr r="0" g="0" b="0"/>
+      </a:lnRef>
+      <a:fillRef idx="1">
+        <a:scrgbClr r="0" g="0" b="0"/>
+      </a:fillRef>
+      <a:effectRef idx="2">
+        <a:scrgbClr r="0" g="0" b="0"/>
+      </a:effectRef>
+      <a:fontRef idx="minor">
+        <a:schemeClr val="lt1"/>
+      </a:fontRef>
+    </dgm:style>
+  </dgm:styleLbl>
+  <dgm:styleLbl name="parChTrans1D1">
+    <dgm:scene3d>
+      <a:camera prst="orthographicFront"/>
+      <a:lightRig rig="threePt" dir="t"/>
+    </dgm:scene3d>
+    <dgm:sp3d z="-25400" prstMaterial="plastic"/>
+    <dgm:txPr/>
+    <dgm:style>
+      <a:lnRef idx="2">
+        <a:scrgbClr r="0" g="0" b="0"/>
+      </a:lnRef>
+      <a:fillRef idx="0">
+        <a:scrgbClr r="0" g="0" b="0"/>
+      </a:fillRef>
+      <a:effectRef idx="0">
+        <a:scrgbClr r="0" g="0" b="0"/>
+      </a:effectRef>
+      <a:fontRef idx="minor">
+        <a:schemeClr val="tx1"/>
+      </a:fontRef>
+    </dgm:style>
+  </dgm:styleLbl>
+  <dgm:styleLbl name="parChTrans1D2">
+    <dgm:scene3d>
+      <a:camera prst="orthographicFront"/>
+      <a:lightRig rig="threePt" dir="t"/>
+    </dgm:scene3d>
+    <dgm:sp3d z="-25400" prstMaterial="plastic"/>
+    <dgm:txPr/>
+    <dgm:style>
+      <a:lnRef idx="2">
+        <a:scrgbClr r="0" g="0" b="0"/>
+      </a:lnRef>
+      <a:fillRef idx="0">
+        <a:scrgbClr r="0" g="0" b="0"/>
+      </a:fillRef>
+      <a:effectRef idx="0">
+        <a:scrgbClr r="0" g="0" b="0"/>
+      </a:effectRef>
+      <a:fontRef idx="minor">
+        <a:schemeClr val="tx1"/>
+      </a:fontRef>
+    </dgm:style>
+  </dgm:styleLbl>
+  <dgm:styleLbl name="parChTrans1D3">
+    <dgm:scene3d>
+      <a:camera prst="orthographicFront"/>
+      <a:lightRig rig="threePt" dir="t"/>
+    </dgm:scene3d>
+    <dgm:sp3d z="-25400" prstMaterial="plastic"/>
+    <dgm:txPr/>
+    <dgm:style>
+      <a:lnRef idx="2">
+        <a:scrgbClr r="0" g="0" b="0"/>
+      </a:lnRef>
+      <a:fillRef idx="0">
+        <a:scrgbClr r="0" g="0" b="0"/>
+      </a:fillRef>
+      <a:effectRef idx="0">
+        <a:scrgbClr r="0" g="0" b="0"/>
+      </a:effectRef>
+      <a:fontRef idx="minor">
+        <a:schemeClr val="tx1"/>
+      </a:fontRef>
+    </dgm:style>
+  </dgm:styleLbl>
+  <dgm:styleLbl name="parChTrans1D4">
+    <dgm:scene3d>
+      <a:camera prst="orthographicFront"/>
+      <a:lightRig rig="threePt" dir="t"/>
+    </dgm:scene3d>
+    <dgm:sp3d z="-25400" prstMaterial="plastic"/>
+    <dgm:txPr/>
+    <dgm:style>
+      <a:lnRef idx="2">
+        <a:scrgbClr r="0" g="0" b="0"/>
+      </a:lnRef>
+      <a:fillRef idx="0">
+        <a:scrgbClr r="0" g="0" b="0"/>
+      </a:fillRef>
+      <a:effectRef idx="0">
+        <a:scrgbClr r="0" g="0" b="0"/>
+      </a:effectRef>
+      <a:fontRef idx="minor">
+        <a:schemeClr val="tx1"/>
+      </a:fontRef>
+    </dgm:style>
+  </dgm:styleLbl>
+  <dgm:styleLbl name="fgAcc1">
+    <dgm:scene3d>
+      <a:camera prst="orthographicFront"/>
+      <a:lightRig rig="threePt" dir="t"/>
+    </dgm:scene3d>
+    <dgm:sp3d z="50080" prstMaterial="plastic">
+      <a:bevelT w="25400" h="25400"/>
+      <a:bevelB w="25400" h="25400"/>
+    </dgm:sp3d>
+    <dgm:txPr/>
+    <dgm:style>
+      <a:lnRef idx="1">
+        <a:scrgbClr r="0" g="0" b="0"/>
+      </a:lnRef>
+      <a:fillRef idx="1">
+        <a:scrgbClr r="0" g="0" b="0"/>
+      </a:fillRef>
+      <a:effectRef idx="2">
+        <a:scrgbClr r="0" g="0" b="0"/>
+      </a:effectRef>
+      <a:fontRef idx="minor"/>
+    </dgm:style>
+  </dgm:styleLbl>
+  <dgm:styleLbl name="conFgAcc1">
+    <dgm:scene3d>
+      <a:camera prst="orthographicFront"/>
+      <a:lightRig rig="threePt" dir="t"/>
+    </dgm:scene3d>
+    <dgm:sp3d z="-152400" prstMaterial="plastic">
+      <a:bevelT w="25400" h="25400"/>
+      <a:bevelB w="25400" h="25400"/>
+    </dgm:sp3d>
+    <dgm:txPr/>
+    <dgm:style>
+      <a:lnRef idx="1">
+        <a:scrgbClr r="0" g="0" b="0"/>
+      </a:lnRef>
+      <a:fillRef idx="1">
+        <a:scrgbClr r="0" g="0" b="0"/>
+      </a:fillRef>
+      <a:effectRef idx="2">
+        <a:scrgbClr r="0" g="0" b="0"/>
+      </a:effectRef>
+      <a:fontRef idx="minor"/>
+    </dgm:style>
+  </dgm:styleLbl>
+  <dgm:styleLbl name="alignAcc1">
+    <dgm:scene3d>
+      <a:camera prst="orthographicFront"/>
+      <a:lightRig rig="threePt" dir="t"/>
+    </dgm:scene3d>
+    <dgm:sp3d prstMaterial="plastic">
+      <a:bevelT w="25400" h="25400"/>
+      <a:bevelB w="25400" h="25400"/>
+    </dgm:sp3d>
+    <dgm:txPr/>
+    <dgm:style>
+      <a:lnRef idx="1">
+        <a:scrgbClr r="0" g="0" b="0"/>
+      </a:lnRef>
+      <a:fillRef idx="1">
+        <a:scrgbClr r="0" g="0" b="0"/>
+      </a:fillRef>
+      <a:effectRef idx="2">
+        <a:scrgbClr r="0" g="0" b="0"/>
+      </a:effectRef>
+      <a:fontRef idx="minor"/>
+    </dgm:style>
+  </dgm:styleLbl>
+  <dgm:styleLbl name="trAlignAcc1">
+    <dgm:scene3d>
+      <a:camera prst="orthographicFront"/>
+      <a:lightRig rig="threePt" dir="t"/>
+    </dgm:scene3d>
+    <dgm:sp3d prstMaterial="plastic">
+      <a:bevelT w="50800" h="50800"/>
+      <a:bevelB w="50800" h="50800"/>
+    </dgm:sp3d>
+    <dgm:txPr/>
+    <dgm:style>
+      <a:lnRef idx="1">
+        <a:scrgbClr r="0" g="0" b="0"/>
+      </a:lnRef>
+      <a:fillRef idx="1">
+        <a:scrgbClr r="0" g="0" b="0"/>
+      </a:fillRef>
+      <a:effectRef idx="2">
+        <a:scrgbClr r="0" g="0" b="0"/>
+      </a:effectRef>
+      <a:fontRef idx="minor"/>
+    </dgm:style>
+  </dgm:styleLbl>
+  <dgm:styleLbl name="bgAcc1">
+    <dgm:scene3d>
+      <a:camera prst="orthographicFront"/>
+      <a:lightRig rig="threePt" dir="t"/>
+    </dgm:scene3d>
+    <dgm:sp3d z="-152400" prstMaterial="plastic">
+      <a:bevelT w="25400" h="25400"/>
+      <a:bevelB w="25400" h="25400"/>
+    </dgm:sp3d>
+    <dgm:txPr/>
+    <dgm:style>
+      <a:lnRef idx="1">
+        <a:scrgbClr r="0" g="0" b="0"/>
+      </a:lnRef>
+      <a:fillRef idx="1">
+        <a:scrgbClr r="0" g="0" b="0"/>
+      </a:fillRef>
+      <a:effectRef idx="2">
+        <a:scrgbClr r="0" g="0" b="0"/>
+      </a:effectRef>
+      <a:fontRef idx="minor"/>
+    </dgm:style>
+  </dgm:styleLbl>
+  <dgm:styleLbl name="solidFgAcc1">
+    <dgm:scene3d>
+      <a:camera prst="orthographicFront"/>
+      <a:lightRig rig="threePt" dir="t"/>
+    </dgm:scene3d>
+    <dgm:sp3d z="152400" prstMaterial="plastic">
+      <a:bevelT w="25400" h="25400"/>
+      <a:bevelB w="25400" h="25400"/>
+    </dgm:sp3d>
+    <dgm:txPr/>
+    <dgm:style>
+      <a:lnRef idx="1">
+        <a:scrgbClr r="0" g="0" b="0"/>
+      </a:lnRef>
+      <a:fillRef idx="1">
+        <a:scrgbClr r="0" g="0" b="0"/>
+      </a:fillRef>
+      <a:effectRef idx="2">
+        <a:scrgbClr r="0" g="0" b="0"/>
+      </a:effectRef>
+      <a:fontRef idx="minor"/>
+    </dgm:style>
+  </dgm:styleLbl>
+  <dgm:styleLbl name="solidAlignAcc1">
+    <dgm:scene3d>
+      <a:camera prst="orthographicFront"/>
+      <a:lightRig rig="threePt" dir="t"/>
+    </dgm:scene3d>
+    <dgm:sp3d prstMaterial="plastic">
+      <a:bevelT w="25400" h="25400"/>
+      <a:bevelB w="25400" h="25400"/>
+    </dgm:sp3d>
+    <dgm:txPr/>
+    <dgm:style>
+      <a:lnRef idx="1">
+        <a:scrgbClr r="0" g="0" b="0"/>
+      </a:lnRef>
+      <a:fillRef idx="1">
+        <a:scrgbClr r="0" g="0" b="0"/>
+      </a:fillRef>
+      <a:effectRef idx="2">
+        <a:scrgbClr r="0" g="0" b="0"/>
+      </a:effectRef>
+      <a:fontRef idx="minor"/>
+    </dgm:style>
+  </dgm:styleLbl>
+  <dgm:styleLbl name="solidBgAcc1">
+    <dgm:scene3d>
+      <a:camera prst="orthographicFront"/>
+      <a:lightRig rig="threePt" dir="t"/>
+    </dgm:scene3d>
+    <dgm:sp3d z="-152400" prstMaterial="plastic">
+      <a:bevelT w="25400" h="25400"/>
+      <a:bevelB w="25400" h="25400"/>
+    </dgm:sp3d>
+    <dgm:txPr/>
+    <dgm:style>
+      <a:lnRef idx="1">
+        <a:scrgbClr r="0" g="0" b="0"/>
+      </a:lnRef>
+      <a:fillRef idx="1">
+        <a:scrgbClr r="0" g="0" b="0"/>
+      </a:fillRef>
+      <a:effectRef idx="2">
+        <a:scrgbClr r="0" g="0" b="0"/>
+      </a:effectRef>
+      <a:fontRef idx="minor"/>
+    </dgm:style>
+  </dgm:styleLbl>
+  <dgm:styleLbl name="fgAccFollowNode1">
+    <dgm:scene3d>
+      <a:camera prst="orthographicFront"/>
+      <a:lightRig rig="threePt" dir="t"/>
+    </dgm:scene3d>
+    <dgm:sp3d z="50080" prstMaterial="plastic">
+      <a:bevelT w="25400" h="25400"/>
+      <a:bevelB w="25400" h="25400"/>
+    </dgm:sp3d>
+    <dgm:txPr/>
+    <dgm:style>
+      <a:lnRef idx="0">
+        <a:scrgbClr r="0" g="0" b="0"/>
+      </a:lnRef>
+      <a:fillRef idx="1">
+        <a:scrgbClr r="0" g="0" b="0"/>
+      </a:fillRef>
+      <a:effectRef idx="2">
+        <a:scrgbClr r="0" g="0" b="0"/>
+      </a:effectRef>
+      <a:fontRef idx="minor"/>
+    </dgm:style>
+  </dgm:styleLbl>
+  <dgm:styleLbl name="alignAccFollowNode1">
+    <dgm:scene3d>
+      <a:camera prst="orthographicFront"/>
+      <a:lightRig rig="threePt" dir="t"/>
+    </dgm:scene3d>
+    <dgm:sp3d prstMaterial="plastic">
+      <a:bevelT w="25400" h="25400"/>
+      <a:bevelB w="25400" h="25400"/>
+    </dgm:sp3d>
+    <dgm:txPr/>
+    <dgm:style>
+      <a:lnRef idx="0">
+        <a:scrgbClr r="0" g="0" b="0"/>
+      </a:lnRef>
+      <a:fillRef idx="1">
+        <a:scrgbClr r="0" g="0" b="0"/>
+      </a:fillRef>
+      <a:effectRef idx="2">
+        <a:scrgbClr r="0" g="0" b="0"/>
+      </a:effectRef>
+      <a:fontRef idx="minor"/>
+    </dgm:style>
+  </dgm:styleLbl>
+  <dgm:styleLbl name="bgAccFollowNode1">
+    <dgm:scene3d>
+      <a:camera prst="orthographicFront"/>
+      <a:lightRig rig="threePt" dir="t"/>
+    </dgm:scene3d>
+    <dgm:sp3d z="-152400" prstMaterial="plastic">
+      <a:bevelT w="25400" h="25400"/>
+      <a:bevelB w="25400" h="25400"/>
+    </dgm:sp3d>
+    <dgm:txPr/>
+    <dgm:style>
+      <a:lnRef idx="0">
+        <a:scrgbClr r="0" g="0" b="0"/>
+      </a:lnRef>
+      <a:fillRef idx="1">
+        <a:scrgbClr r="0" g="0" b="0"/>
+      </a:fillRef>
+      <a:effectRef idx="2">
+        <a:scrgbClr r="0" g="0" b="0"/>
+      </a:effectRef>
+      <a:fontRef idx="minor"/>
+    </dgm:style>
+  </dgm:styleLbl>
+  <dgm:styleLbl name="fgAcc0">
+    <dgm:scene3d>
+      <a:camera prst="orthographicFront"/>
+      <a:lightRig rig="threePt" dir="t"/>
+    </dgm:scene3d>
+    <dgm:sp3d z="50080" prstMaterial="plastic">
+      <a:bevelT w="25400" h="25400"/>
+      <a:bevelB w="25400" h="25400"/>
+    </dgm:sp3d>
+    <dgm:txPr/>
+    <dgm:style>
+      <a:lnRef idx="1">
+        <a:scrgbClr r="0" g="0" b="0"/>
+      </a:lnRef>
+      <a:fillRef idx="1">
+        <a:scrgbClr r="0" g="0" b="0"/>
+      </a:fillRef>
+      <a:effectRef idx="0">
+        <a:scrgbClr r="0" g="0" b="0"/>
+      </a:effectRef>
+      <a:fontRef idx="minor"/>
+    </dgm:style>
+  </dgm:styleLbl>
+  <dgm:styleLbl name="fgAcc2">
+    <dgm:scene3d>
+      <a:camera prst="orthographicFront"/>
+      <a:lightRig rig="threePt" dir="t"/>
+    </dgm:scene3d>
+    <dgm:sp3d z="50080" prstMaterial="plastic">
+      <a:bevelT w="25400" h="25400"/>
+      <a:bevelB w="25400" h="25400"/>
+    </dgm:sp3d>
+    <dgm:txPr/>
+    <dgm:style>
+      <a:lnRef idx="1">
+        <a:scrgbClr r="0" g="0" b="0"/>
+      </a:lnRef>
+      <a:fillRef idx="1">
+        <a:scrgbClr r="0" g="0" b="0"/>
+      </a:fillRef>
+      <a:effectRef idx="0">
+        <a:scrgbClr r="0" g="0" b="0"/>
+      </a:effectRef>
+      <a:fontRef idx="minor"/>
+    </dgm:style>
+  </dgm:styleLbl>
+  <dgm:styleLbl name="fgAcc3">
+    <dgm:scene3d>
+      <a:camera prst="orthographicFront"/>
+      <a:lightRig rig="threePt" dir="t"/>
+    </dgm:scene3d>
+    <dgm:sp3d z="50080" prstMaterial="plastic">
+      <a:bevelT w="25400" h="25400"/>
+      <a:bevelB w="25400" h="25400"/>
+    </dgm:sp3d>
+    <dgm:txPr/>
+    <dgm:style>
+      <a:lnRef idx="1">
+        <a:scrgbClr r="0" g="0" b="0"/>
+      </a:lnRef>
+      <a:fillRef idx="1">
+        <a:scrgbClr r="0" g="0" b="0"/>
+      </a:fillRef>
+      <a:effectRef idx="0">
+        <a:scrgbClr r="0" g="0" b="0"/>
+      </a:effectRef>
+      <a:fontRef idx="minor"/>
+    </dgm:style>
+  </dgm:styleLbl>
+  <dgm:styleLbl name="fgAcc4">
+    <dgm:scene3d>
+      <a:camera prst="orthographicFront"/>
+      <a:lightRig rig="threePt" dir="t"/>
+    </dgm:scene3d>
+    <dgm:sp3d z="50080" prstMaterial="plastic">
+      <a:bevelT w="25400" h="25400"/>
+      <a:bevelB w="25400" h="25400"/>
+    </dgm:sp3d>
+    <dgm:txPr/>
+    <dgm:style>
+      <a:lnRef idx="1">
+        <a:scrgbClr r="0" g="0" b="0"/>
+      </a:lnRef>
+      <a:fillRef idx="1">
+        <a:scrgbClr r="0" g="0" b="0"/>
+      </a:fillRef>
+      <a:effectRef idx="0">
+        <a:scrgbClr r="0" g="0" b="0"/>
+      </a:effectRef>
+      <a:fontRef idx="minor"/>
+    </dgm:style>
+  </dgm:styleLbl>
+  <dgm:styleLbl name="bgShp">
+    <dgm:scene3d>
+      <a:camera prst="orthographicFront"/>
+      <a:lightRig rig="threePt" dir="t"/>
+    </dgm:scene3d>
+    <dgm:sp3d z="-152400" prstMaterial="plastic">
+      <a:bevelT w="25400" h="25400"/>
+      <a:bevelB w="25400" h="25400"/>
+    </dgm:sp3d>
+    <dgm:txPr/>
+    <dgm:style>
+      <a:lnRef idx="0">
+        <a:scrgbClr r="0" g="0" b="0"/>
+      </a:lnRef>
+      <a:fillRef idx="1">
+        <a:scrgbClr r="0" g="0" b="0"/>
+      </a:fillRef>
+      <a:effectRef idx="0">
+        <a:scrgbClr r="0" g="0" b="0"/>
+      </a:effectRef>
+      <a:fontRef idx="minor"/>
+    </dgm:style>
+  </dgm:styleLbl>
+  <dgm:styleLbl name="dkBgShp">
+    <dgm:scene3d>
+      <a:camera prst="orthographicFront"/>
+      <a:lightRig rig="threePt" dir="t"/>
+    </dgm:scene3d>
+    <dgm:sp3d prstMaterial="plastic">
+      <a:bevelT w="50800" h="50800"/>
+      <a:bevelB w="50800" h="50800"/>
+    </dgm:sp3d>
+    <dgm:txPr/>
+    <dgm:style>
+      <a:lnRef idx="0">
+        <a:scrgbClr r="0" g="0" b="0"/>
+      </a:lnRef>
+      <a:fillRef idx="1">
+        <a:scrgbClr r="0" g="0" b="0"/>
+      </a:fillRef>
+      <a:effectRef idx="2">
+        <a:scrgbClr r="0" g="0" b="0"/>
+      </a:effectRef>
+      <a:fontRef idx="minor"/>
+    </dgm:style>
+  </dgm:styleLbl>
+  <dgm:styleLbl name="trBgShp">
+    <dgm:scene3d>
+      <a:camera prst="orthographicFront"/>
+      <a:lightRig rig="threePt" dir="t"/>
+    </dgm:scene3d>
+    <dgm:sp3d z="-10400" extrusionH="12700" prstMaterial="plastic"/>
+    <dgm:txPr/>
+    <dgm:style>
+      <a:lnRef idx="0">
+        <a:scrgbClr r="0" g="0" b="0"/>
+      </a:lnRef>
+      <a:fillRef idx="1">
+        <a:scrgbClr r="0" g="0" b="0"/>
+      </a:fillRef>
+      <a:effectRef idx="0">
+        <a:scrgbClr r="0" g="0" b="0"/>
+      </a:effectRef>
+      <a:fontRef idx="minor"/>
+    </dgm:style>
+  </dgm:styleLbl>
+  <dgm:styleLbl name="fgShp">
+    <dgm:scene3d>
+      <a:camera prst="orthographicFront"/>
+      <a:lightRig rig="threePt" dir="t"/>
+    </dgm:scene3d>
+    <dgm:sp3d z="50080" prstMaterial="plastic">
+      <a:bevelT w="50800" h="50800"/>
+      <a:bevelB w="50800" h="50800"/>
+    </dgm:sp3d>
+    <dgm:txPr/>
+    <dgm:style>
+      <a:lnRef idx="0">
+        <a:scrgbClr r="0" g="0" b="0"/>
+      </a:lnRef>
+      <a:fillRef idx="1">
+        <a:scrgbClr r="0" g="0" b="0"/>
+      </a:fillRef>
+      <a:effectRef idx="2">
+        <a:scrgbClr r="0" g="0" b="0"/>
+      </a:effectRef>
+      <a:fontRef idx="minor"/>
+    </dgm:style>
+  </dgm:styleLbl>
+  <dgm:styleLbl name="revTx">
+    <dgm:scene3d>
+      <a:camera prst="orthographicFront"/>
+      <a:lightRig rig="threePt" dir="t"/>
+    </dgm:scene3d>
+    <dgm:sp3d/>
+    <dgm:txPr/>
+    <dgm:style>
+      <a:lnRef idx="0">
+        <a:scrgbClr r="0" g="0" b="0"/>
+      </a:lnRef>
+      <a:fillRef idx="1">
+        <a:scrgbClr r="0" g="0" b="0"/>
+      </a:fillRef>
+      <a:effectRef idx="0">
+        <a:scrgbClr r="0" g="0" b="0"/>
+      </a:effectRef>
+      <a:fontRef idx="minor"/>
+    </dgm:style>
+  </dgm:styleLbl>
+</dgm:styleDef>
 </file>
 
 <file path=ppt/notesMasters/notesMaster1.xml><?xml version="1.0" encoding="utf-8"?>
@@ -535,6 +4968,90 @@
     <p:extLst>
       <p:ext uri="{BB962C8B-B14F-4D97-AF65-F5344CB8AC3E}">
         <p14:creationId xmlns:p14="http://schemas.microsoft.com/office/powerpoint/2010/main" val="2994260122"/>
+      </p:ext>
+    </p:extLst>
+  </p:cSld>
+  <p:clrMapOvr>
+    <a:masterClrMapping/>
+  </p:clrMapOvr>
+</p:notes>
+</file>
+
+<file path=ppt/notesSlides/notesSlide2.xml><?xml version="1.0" encoding="utf-8"?>
+<p:notes xmlns:a="http://schemas.openxmlformats.org/drawingml/2006/main" xmlns:r="http://schemas.openxmlformats.org/officeDocument/2006/relationships" xmlns:p="http://schemas.openxmlformats.org/presentationml/2006/main">
+  <p:cSld>
+    <p:spTree>
+      <p:nvGrpSpPr>
+        <p:cNvPr id="1" name=""/>
+        <p:cNvGrpSpPr/>
+        <p:nvPr/>
+      </p:nvGrpSpPr>
+      <p:grpSpPr>
+        <a:xfrm>
+          <a:off x="0" y="0"/>
+          <a:ext cx="0" cy="0"/>
+          <a:chOff x="0" y="0"/>
+          <a:chExt cx="0" cy="0"/>
+        </a:xfrm>
+      </p:grpSpPr>
+      <p:sp>
+        <p:nvSpPr>
+          <p:cNvPr id="2" name="Slide Image Placeholder 1"/>
+          <p:cNvSpPr>
+            <a:spLocks noGrp="1" noRot="1" noChangeAspect="1"/>
+          </p:cNvSpPr>
+          <p:nvPr>
+            <p:ph type="sldImg"/>
+          </p:nvPr>
+        </p:nvSpPr>
+        <p:spPr/>
+      </p:sp>
+      <p:sp>
+        <p:nvSpPr>
+          <p:cNvPr id="3" name="Notes Placeholder 2"/>
+          <p:cNvSpPr>
+            <a:spLocks noGrp="1"/>
+          </p:cNvSpPr>
+          <p:nvPr>
+            <p:ph type="body" idx="1"/>
+          </p:nvPr>
+        </p:nvSpPr>
+        <p:spPr/>
+        <p:txBody>
+          <a:bodyPr/>
+          <a:lstStyle/>
+          <a:p>
+            <a:endParaRPr lang="en-US"/>
+          </a:p>
+        </p:txBody>
+      </p:sp>
+      <p:sp>
+        <p:nvSpPr>
+          <p:cNvPr id="4" name="Slide Number Placeholder 3"/>
+          <p:cNvSpPr>
+            <a:spLocks noGrp="1"/>
+          </p:cNvSpPr>
+          <p:nvPr>
+            <p:ph type="sldNum" sz="quarter" idx="10"/>
+          </p:nvPr>
+        </p:nvSpPr>
+        <p:spPr/>
+        <p:txBody>
+          <a:bodyPr/>
+          <a:lstStyle/>
+          <a:p>
+            <a:fld id="{3B41542B-EADF-43A2-B847-B76398EC00D1}" type="slidenum">
+              <a:rPr lang="en-US" smtClean="0"/>
+              <a:t>2</a:t>
+            </a:fld>
+            <a:endParaRPr lang="en-US"/>
+          </a:p>
+        </p:txBody>
+      </p:sp>
+    </p:spTree>
+    <p:extLst>
+      <p:ext uri="{BB962C8B-B14F-4D97-AF65-F5344CB8AC3E}">
+        <p14:creationId xmlns:p14="http://schemas.microsoft.com/office/powerpoint/2010/main" val="2229426825"/>
       </p:ext>
     </p:extLst>
   </p:cSld>
@@ -5178,6 +9695,305 @@
 </p:sld>
 </file>
 
+<file path=ppt/slides/slide2.xml><?xml version="1.0" encoding="utf-8"?>
+<p:sld xmlns:a="http://schemas.openxmlformats.org/drawingml/2006/main" xmlns:r="http://schemas.openxmlformats.org/officeDocument/2006/relationships" xmlns:p="http://schemas.openxmlformats.org/presentationml/2006/main">
+  <p:cSld>
+    <p:spTree>
+      <p:nvGrpSpPr>
+        <p:cNvPr id="1" name=""/>
+        <p:cNvGrpSpPr/>
+        <p:nvPr/>
+      </p:nvGrpSpPr>
+      <p:grpSpPr>
+        <a:xfrm>
+          <a:off x="0" y="0"/>
+          <a:ext cx="0" cy="0"/>
+          <a:chOff x="0" y="0"/>
+          <a:chExt cx="0" cy="0"/>
+        </a:xfrm>
+      </p:grpSpPr>
+      <p:graphicFrame>
+        <p:nvGraphicFramePr>
+          <p:cNvPr id="6" name="Diagram 5"/>
+          <p:cNvGraphicFramePr/>
+          <p:nvPr>
+            <p:extLst>
+              <p:ext uri="{D42A27DB-BD31-4B8C-83A1-F6EECF244321}">
+                <p14:modId xmlns:p14="http://schemas.microsoft.com/office/powerpoint/2010/main" val="643533137"/>
+              </p:ext>
+            </p:extLst>
+          </p:nvPr>
+        </p:nvGraphicFramePr>
+        <p:xfrm>
+          <a:off x="0" y="0"/>
+          <a:ext cx="9144000" cy="6756400"/>
+        </p:xfrm>
+        <a:graphic>
+          <a:graphicData uri="http://schemas.openxmlformats.org/drawingml/2006/diagram">
+            <dgm:relIds xmlns:dgm="http://schemas.openxmlformats.org/drawingml/2006/diagram" xmlns:r="http://schemas.openxmlformats.org/officeDocument/2006/relationships" r:dm="rId3" r:lo="rId4" r:qs="rId5" r:cs="rId6"/>
+          </a:graphicData>
+        </a:graphic>
+      </p:graphicFrame>
+      <p:graphicFrame>
+        <p:nvGraphicFramePr>
+          <p:cNvPr id="11" name="Diagram 10"/>
+          <p:cNvGraphicFramePr/>
+          <p:nvPr>
+            <p:extLst>
+              <p:ext uri="{D42A27DB-BD31-4B8C-83A1-F6EECF244321}">
+                <p14:modId xmlns:p14="http://schemas.microsoft.com/office/powerpoint/2010/main" val="1652347229"/>
+              </p:ext>
+            </p:extLst>
+          </p:nvPr>
+        </p:nvGraphicFramePr>
+        <p:xfrm>
+          <a:off x="0" y="0"/>
+          <a:ext cx="9144000" cy="6858000"/>
+        </p:xfrm>
+        <a:graphic>
+          <a:graphicData uri="http://schemas.openxmlformats.org/drawingml/2006/diagram">
+            <dgm:relIds xmlns:dgm="http://schemas.openxmlformats.org/drawingml/2006/diagram" xmlns:r="http://schemas.openxmlformats.org/officeDocument/2006/relationships" r:dm="rId8" r:lo="rId9" r:qs="rId10" r:cs="rId11"/>
+          </a:graphicData>
+        </a:graphic>
+      </p:graphicFrame>
+      <p:sp>
+        <p:nvSpPr>
+          <p:cNvPr id="14" name="Rounded Rectangle 13"/>
+          <p:cNvSpPr/>
+          <p:nvPr/>
+        </p:nvSpPr>
+        <p:spPr>
+          <a:xfrm>
+            <a:off x="76200" y="914400"/>
+            <a:ext cx="8915400" cy="1828800"/>
+          </a:xfrm>
+          <a:prstGeom prst="roundRect">
+            <a:avLst/>
+          </a:prstGeom>
+        </p:spPr>
+        <p:style>
+          <a:lnRef idx="3">
+            <a:schemeClr val="lt1"/>
+          </a:lnRef>
+          <a:fillRef idx="1">
+            <a:schemeClr val="accent3"/>
+          </a:fillRef>
+          <a:effectRef idx="1">
+            <a:schemeClr val="accent3"/>
+          </a:effectRef>
+          <a:fontRef idx="minor">
+            <a:schemeClr val="lt1"/>
+          </a:fontRef>
+        </p:style>
+        <p:txBody>
+          <a:bodyPr rtlCol="0" anchor="ctr"/>
+          <a:lstStyle/>
+          <a:p>
+            <a:pPr marL="285750" lvl="0" indent="-285750">
+              <a:buFont typeface="Arial" panose="020B0604020202020204" pitchFamily="34" charset="0"/>
+              <a:buChar char="•"/>
+            </a:pPr>
+            <a:r>
+              <a:rPr lang="en-US" b="1" dirty="0"/>
+              <a:t>Reducing number of order processors as this could become the page  to process order</a:t>
+            </a:r>
+          </a:p>
+          <a:p>
+            <a:pPr marL="285750" indent="-285750">
+              <a:buFont typeface="Arial" panose="020B0604020202020204" pitchFamily="34" charset="0"/>
+              <a:buChar char="•"/>
+            </a:pPr>
+            <a:r>
+              <a:rPr lang="en-US" b="1" dirty="0"/>
+              <a:t>Was built almost 10 years ago, with </a:t>
+            </a:r>
+            <a:r>
+              <a:rPr lang="en-US" b="1" dirty="0" err="1"/>
+              <a:t>.Net</a:t>
+            </a:r>
+            <a:r>
+              <a:rPr lang="en-US" b="1" dirty="0"/>
+              <a:t> 1.0 or </a:t>
+            </a:r>
+            <a:r>
+              <a:rPr lang="en-US" b="1" dirty="0" smtClean="0"/>
+              <a:t>1.1</a:t>
+            </a:r>
+          </a:p>
+          <a:p>
+            <a:pPr marL="285750" lvl="0" indent="-285750">
+              <a:buFont typeface="Arial" panose="020B0604020202020204" pitchFamily="34" charset="0"/>
+              <a:buChar char="•"/>
+            </a:pPr>
+            <a:r>
+              <a:rPr lang="en-US" b="1" dirty="0"/>
+              <a:t>Makes use of user controls/custom web controls, which are heavy for what the page does functionally. Performance is an issue</a:t>
+            </a:r>
+          </a:p>
+          <a:p>
+            <a:pPr marL="285750" indent="-285750">
+              <a:buFont typeface="Arial" panose="020B0604020202020204" pitchFamily="34" charset="0"/>
+              <a:buChar char="•"/>
+            </a:pPr>
+            <a:endParaRPr lang="en-US" b="1" dirty="0"/>
+          </a:p>
+        </p:txBody>
+      </p:sp>
+      <p:sp>
+        <p:nvSpPr>
+          <p:cNvPr id="15" name="Rounded Rectangle 14"/>
+          <p:cNvSpPr/>
+          <p:nvPr/>
+        </p:nvSpPr>
+        <p:spPr>
+          <a:xfrm>
+            <a:off x="76200" y="2895600"/>
+            <a:ext cx="8915400" cy="1295400"/>
+          </a:xfrm>
+          <a:prstGeom prst="roundRect">
+            <a:avLst/>
+          </a:prstGeom>
+        </p:spPr>
+        <p:style>
+          <a:lnRef idx="3">
+            <a:schemeClr val="lt1"/>
+          </a:lnRef>
+          <a:fillRef idx="1">
+            <a:schemeClr val="accent2"/>
+          </a:fillRef>
+          <a:effectRef idx="1">
+            <a:schemeClr val="accent2"/>
+          </a:effectRef>
+          <a:fontRef idx="minor">
+            <a:schemeClr val="lt1"/>
+          </a:fontRef>
+        </p:style>
+        <p:txBody>
+          <a:bodyPr rtlCol="0" anchor="ctr"/>
+          <a:lstStyle/>
+          <a:p>
+            <a:pPr marL="285750" lvl="0" indent="-285750">
+              <a:buFont typeface="Arial" panose="020B0604020202020204" pitchFamily="34" charset="0"/>
+              <a:buChar char="•"/>
+            </a:pPr>
+            <a:r>
+              <a:rPr lang="en-US" b="1" dirty="0" smtClean="0"/>
+              <a:t>Made a sample UI for US users using HTML5</a:t>
+            </a:r>
+            <a:r>
+              <a:rPr lang="en-US" b="1" dirty="0"/>
+              <a:t> </a:t>
+            </a:r>
+            <a:r>
+              <a:rPr lang="en-US" b="1" dirty="0" smtClean="0"/>
+              <a:t>and </a:t>
+            </a:r>
+            <a:r>
+              <a:rPr lang="en-US" b="1" dirty="0" err="1" smtClean="0"/>
+              <a:t>AngularJS</a:t>
+            </a:r>
+            <a:r>
+              <a:rPr lang="en-US" b="1" dirty="0" smtClean="0"/>
+              <a:t> MVC architecture.</a:t>
+            </a:r>
+          </a:p>
+          <a:p>
+            <a:pPr marL="285750" lvl="0" indent="-285750">
+              <a:buFont typeface="Arial" panose="020B0604020202020204" pitchFamily="34" charset="0"/>
+              <a:buChar char="•"/>
+            </a:pPr>
+            <a:r>
+              <a:rPr lang="en-US" b="1" dirty="0" smtClean="0"/>
+              <a:t>Can populate the page using data from a JSON object.</a:t>
+            </a:r>
+            <a:endParaRPr lang="en-US" b="1" dirty="0"/>
+          </a:p>
+        </p:txBody>
+      </p:sp>
+      <p:sp>
+        <p:nvSpPr>
+          <p:cNvPr id="16" name="Rounded Rectangle 15"/>
+          <p:cNvSpPr/>
+          <p:nvPr/>
+        </p:nvSpPr>
+        <p:spPr>
+          <a:xfrm>
+            <a:off x="76200" y="4343400"/>
+            <a:ext cx="8915400" cy="1828800"/>
+          </a:xfrm>
+          <a:prstGeom prst="roundRect">
+            <a:avLst/>
+          </a:prstGeom>
+        </p:spPr>
+        <p:style>
+          <a:lnRef idx="3">
+            <a:schemeClr val="lt1"/>
+          </a:lnRef>
+          <a:fillRef idx="1">
+            <a:schemeClr val="accent5"/>
+          </a:fillRef>
+          <a:effectRef idx="1">
+            <a:schemeClr val="accent5"/>
+          </a:effectRef>
+          <a:fontRef idx="minor">
+            <a:schemeClr val="lt1"/>
+          </a:fontRef>
+        </p:style>
+        <p:txBody>
+          <a:bodyPr rtlCol="0" anchor="ctr"/>
+          <a:lstStyle/>
+          <a:p>
+            <a:pPr marL="285750" lvl="0" indent="-285750">
+              <a:buFont typeface="Arial" panose="020B0604020202020204" pitchFamily="34" charset="0"/>
+              <a:buChar char="•"/>
+            </a:pPr>
+            <a:r>
+              <a:rPr lang="en-US" b="1" dirty="0" smtClean="0"/>
+              <a:t>Extend the project to EMEA and APJ regions</a:t>
+            </a:r>
+          </a:p>
+          <a:p>
+            <a:pPr marL="285750" lvl="0" indent="-285750">
+              <a:buFont typeface="Arial" panose="020B0604020202020204" pitchFamily="34" charset="0"/>
+              <a:buChar char="•"/>
+            </a:pPr>
+            <a:r>
+              <a:rPr lang="en-US" b="1" dirty="0" smtClean="0"/>
+              <a:t>Make </a:t>
+            </a:r>
+            <a:r>
+              <a:rPr lang="en-US" b="1" dirty="0"/>
+              <a:t>it editable so that, the orders can be changed and submitted from this page itself, which will eliminate another data entry system. </a:t>
+            </a:r>
+            <a:r>
+              <a:rPr lang="en-US" b="1" dirty="0" smtClean="0"/>
+              <a:t>(Using </a:t>
+            </a:r>
+            <a:r>
+              <a:rPr lang="en-US" b="1" dirty="0" err="1" smtClean="0"/>
+              <a:t>AngularJS</a:t>
+            </a:r>
+            <a:r>
+              <a:rPr lang="en-US" b="1" dirty="0" smtClean="0"/>
+              <a:t> two way binding).</a:t>
+            </a:r>
+            <a:endParaRPr lang="en-US" b="1" dirty="0"/>
+          </a:p>
+        </p:txBody>
+      </p:sp>
+    </p:spTree>
+    <p:extLst>
+      <p:ext uri="{BB962C8B-B14F-4D97-AF65-F5344CB8AC3E}">
+        <p14:creationId xmlns:p14="http://schemas.microsoft.com/office/powerpoint/2010/main" val="2578718425"/>
+      </p:ext>
+    </p:extLst>
+  </p:cSld>
+  <p:clrMapOvr>
+    <a:masterClrMapping/>
+  </p:clrMapOvr>
+</p:sld>
+</file>
+
 <file path=ppt/theme/theme1.xml><?xml version="1.0" encoding="utf-8"?>
 <a:theme xmlns:a="http://schemas.openxmlformats.org/drawingml/2006/main" name="Office Theme">
   <a:themeElements>
